--- a/source/P5_01_Support.pptx
+++ b/source/P5_01_Support.pptx
@@ -2,39 +2,43 @@
 <file path=ppt/presentation.xml><?xml version="1.0" encoding="utf-8"?>
 <p:presentation xmlns:a="http://schemas.openxmlformats.org/drawingml/2006/main" xmlns:r="http://schemas.openxmlformats.org/officeDocument/2006/relationships" xmlns:mc="http://schemas.openxmlformats.org/markup-compatibility/2006" xmlns:mv="urn:schemas-microsoft-com:mac:vml" xmlns:p="http://schemas.openxmlformats.org/presentationml/2006/main" xmlns:c="http://schemas.openxmlformats.org/drawingml/2006/chart" xmlns:dgm="http://schemas.openxmlformats.org/drawingml/2006/diagram" xmlns:o="urn:schemas-microsoft-com:office:office" xmlns:v="urn:schemas-microsoft-com:vml" xmlns:pvml="urn:schemas-microsoft-com:office:powerpoint" xmlns:com="http://schemas.openxmlformats.org/drawingml/2006/compatibility" xmlns:p14="http://schemas.microsoft.com/office/powerpoint/2010/main" xmlns:p15="http://schemas.microsoft.com/office/powerpoint/2012/main" xmlns:ahyp="http://schemas.microsoft.com/office/drawing/2018/hyperlinkcolor" autoCompressPictures="0" embedTrueTypeFonts="1" strictFirstAndLastChars="0" saveSubsetFonts="1">
   <p:sldMasterIdLst>
-    <p:sldMasterId id="2147483659" r:id="rId4"/>
+    <p:sldMasterId id="2147483659" r:id="rId5"/>
   </p:sldMasterIdLst>
   <p:notesMasterIdLst>
-    <p:notesMasterId r:id="rId5"/>
+    <p:notesMasterId r:id="rId6"/>
   </p:notesMasterIdLst>
   <p:sldIdLst>
-    <p:sldId id="256" r:id="rId6"/>
-    <p:sldId id="257" r:id="rId7"/>
-    <p:sldId id="258" r:id="rId8"/>
-    <p:sldId id="259" r:id="rId9"/>
-    <p:sldId id="260" r:id="rId10"/>
-    <p:sldId id="261" r:id="rId11"/>
-    <p:sldId id="262" r:id="rId12"/>
-    <p:sldId id="263" r:id="rId13"/>
-    <p:sldId id="264" r:id="rId14"/>
-    <p:sldId id="265" r:id="rId15"/>
-    <p:sldId id="266" r:id="rId16"/>
-    <p:sldId id="267" r:id="rId17"/>
+    <p:sldId id="256" r:id="rId7"/>
+    <p:sldId id="257" r:id="rId8"/>
+    <p:sldId id="258" r:id="rId9"/>
+    <p:sldId id="259" r:id="rId10"/>
+    <p:sldId id="260" r:id="rId11"/>
+    <p:sldId id="261" r:id="rId12"/>
+    <p:sldId id="262" r:id="rId13"/>
+    <p:sldId id="263" r:id="rId14"/>
+    <p:sldId id="264" r:id="rId15"/>
+    <p:sldId id="265" r:id="rId16"/>
+    <p:sldId id="266" r:id="rId17"/>
+    <p:sldId id="267" r:id="rId18"/>
+    <p:sldId id="268" r:id="rId19"/>
+    <p:sldId id="269" r:id="rId20"/>
+    <p:sldId id="270" r:id="rId21"/>
+    <p:sldId id="271" r:id="rId22"/>
   </p:sldIdLst>
   <p:sldSz cy="5143500" cx="9144000"/>
   <p:notesSz cx="6858000" cy="9144000"/>
   <p:embeddedFontLst>
     <p:embeddedFont>
       <p:font typeface="Amatic SC"/>
-      <p:regular r:id="rId18"/>
-      <p:bold r:id="rId19"/>
+      <p:regular r:id="rId23"/>
+      <p:bold r:id="rId24"/>
     </p:embeddedFont>
     <p:embeddedFont>
       <p:font typeface="Source Code Pro"/>
-      <p:regular r:id="rId20"/>
-      <p:bold r:id="rId21"/>
-      <p:italic r:id="rId22"/>
-      <p:boldItalic r:id="rId23"/>
+      <p:regular r:id="rId25"/>
+      <p:bold r:id="rId26"/>
+      <p:italic r:id="rId27"/>
+      <p:boldItalic r:id="rId28"/>
     </p:embeddedFont>
   </p:embeddedFontLst>
   <p:defaultTextStyle>
@@ -815,7 +819,7 @@
   <p:cSld>
     <p:spTree>
       <p:nvGrpSpPr>
-        <p:cNvPr id="159" name="Shape 159"/>
+        <p:cNvPr id="156" name="Shape 156"/>
         <p:cNvGrpSpPr/>
         <p:nvPr/>
       </p:nvGrpSpPr>
@@ -829,7 +833,7 @@
       </p:grpSpPr>
       <p:sp>
         <p:nvSpPr>
-          <p:cNvPr id="160" name="Google Shape;160;gf58fe9d10d_0_48:notes"/>
+          <p:cNvPr id="157" name="Google Shape;157;gf7a669752f_0_17:notes"/>
           <p:cNvSpPr/>
           <p:nvPr>
             <p:ph idx="2" type="sldImg"/>
@@ -864,7 +868,7 @@
       </p:sp>
       <p:sp>
         <p:nvSpPr>
-          <p:cNvPr id="161" name="Google Shape;161;gf58fe9d10d_0_48:notes"/>
+          <p:cNvPr id="158" name="Google Shape;158;gf7a669752f_0_17:notes"/>
           <p:cNvSpPr txBox="1"/>
           <p:nvPr>
             <p:ph idx="1" type="body"/>
@@ -914,7 +918,7 @@
   <p:cSld>
     <p:spTree>
       <p:nvGrpSpPr>
-        <p:cNvPr id="167" name="Shape 167"/>
+        <p:cNvPr id="164" name="Shape 164"/>
         <p:cNvGrpSpPr/>
         <p:nvPr/>
       </p:nvGrpSpPr>
@@ -928,7 +932,7 @@
       </p:grpSpPr>
       <p:sp>
         <p:nvSpPr>
-          <p:cNvPr id="168" name="Google Shape;168;gf5181b6e33_1_5:notes"/>
+          <p:cNvPr id="165" name="Google Shape;165;gf7a669752f_0_40:notes"/>
           <p:cNvSpPr/>
           <p:nvPr>
             <p:ph idx="2" type="sldImg"/>
@@ -963,7 +967,7 @@
       </p:sp>
       <p:sp>
         <p:nvSpPr>
-          <p:cNvPr id="169" name="Google Shape;169;gf5181b6e33_1_5:notes"/>
+          <p:cNvPr id="166" name="Google Shape;166;gf7a669752f_0_40:notes"/>
           <p:cNvSpPr txBox="1"/>
           <p:nvPr>
             <p:ph idx="1" type="body"/>
@@ -1013,7 +1017,7 @@
   <p:cSld>
     <p:spTree>
       <p:nvGrpSpPr>
-        <p:cNvPr id="177" name="Shape 177"/>
+        <p:cNvPr id="174" name="Shape 174"/>
         <p:cNvGrpSpPr/>
         <p:nvPr/>
       </p:nvGrpSpPr>
@@ -1027,7 +1031,7 @@
       </p:grpSpPr>
       <p:sp>
         <p:nvSpPr>
-          <p:cNvPr id="178" name="Google Shape;178;gdb5e547bb9_0_103:notes"/>
+          <p:cNvPr id="175" name="Google Shape;175;gf5181b6e33_1_0:notes"/>
           <p:cNvSpPr/>
           <p:nvPr>
             <p:ph idx="2" type="sldImg"/>
@@ -1062,7 +1066,403 @@
       </p:sp>
       <p:sp>
         <p:nvSpPr>
-          <p:cNvPr id="179" name="Google Shape;179;gdb5e547bb9_0_103:notes"/>
+          <p:cNvPr id="176" name="Google Shape;176;gf5181b6e33_1_0:notes"/>
+          <p:cNvSpPr txBox="1"/>
+          <p:nvPr>
+            <p:ph idx="1" type="body"/>
+          </p:nvPr>
+        </p:nvSpPr>
+        <p:spPr>
+          <a:xfrm>
+            <a:off x="685800" y="4343400"/>
+            <a:ext cx="5486400" cy="4114800"/>
+          </a:xfrm>
+          <a:prstGeom prst="rect">
+            <a:avLst/>
+          </a:prstGeom>
+        </p:spPr>
+        <p:txBody>
+          <a:bodyPr anchorCtr="0" anchor="t" bIns="91425" lIns="91425" spcFirstLastPara="1" rIns="91425" wrap="square" tIns="91425">
+            <a:noAutofit/>
+          </a:bodyPr>
+          <a:lstStyle/>
+          <a:p>
+            <a:pPr indent="0" lvl="0" marL="0" rtl="0" algn="l">
+              <a:spcBef>
+                <a:spcPts val="0"/>
+              </a:spcBef>
+              <a:spcAft>
+                <a:spcPts val="0"/>
+              </a:spcAft>
+              <a:buNone/>
+            </a:pPr>
+            <a:r>
+              <a:t/>
+            </a:r>
+            <a:endParaRPr/>
+          </a:p>
+        </p:txBody>
+      </p:sp>
+    </p:spTree>
+  </p:cSld>
+  <p:clrMapOvr>
+    <a:masterClrMapping/>
+  </p:clrMapOvr>
+</p:notes>
+</file>
+
+<file path=ppt/notesSlides/notesSlide13.xml><?xml version="1.0" encoding="utf-8"?>
+<p:notes xmlns:a="http://schemas.openxmlformats.org/drawingml/2006/main" xmlns:r="http://schemas.openxmlformats.org/officeDocument/2006/relationships" xmlns:mc="http://schemas.openxmlformats.org/markup-compatibility/2006" xmlns:mv="urn:schemas-microsoft-com:mac:vml" xmlns:p="http://schemas.openxmlformats.org/presentationml/2006/main" xmlns:c="http://schemas.openxmlformats.org/drawingml/2006/chart" xmlns:dgm="http://schemas.openxmlformats.org/drawingml/2006/diagram" xmlns:o="urn:schemas-microsoft-com:office:office" xmlns:v="urn:schemas-microsoft-com:vml" xmlns:pvml="urn:schemas-microsoft-com:office:powerpoint" xmlns:com="http://schemas.openxmlformats.org/drawingml/2006/compatibility" xmlns:p14="http://schemas.microsoft.com/office/powerpoint/2010/main" xmlns:p15="http://schemas.microsoft.com/office/powerpoint/2012/main" xmlns:ahyp="http://schemas.microsoft.com/office/drawing/2018/hyperlinkcolor" showMasterPhAnim="0" showMasterSp="0">
+  <p:cSld>
+    <p:spTree>
+      <p:nvGrpSpPr>
+        <p:cNvPr id="182" name="Shape 182"/>
+        <p:cNvGrpSpPr/>
+        <p:nvPr/>
+      </p:nvGrpSpPr>
+      <p:grpSpPr>
+        <a:xfrm>
+          <a:off x="0" y="0"/>
+          <a:ext cx="0" cy="0"/>
+          <a:chOff x="0" y="0"/>
+          <a:chExt cx="0" cy="0"/>
+        </a:xfrm>
+      </p:grpSpPr>
+      <p:sp>
+        <p:nvSpPr>
+          <p:cNvPr id="183" name="Google Shape;183;gf58fe9d10d_0_48:notes"/>
+          <p:cNvSpPr/>
+          <p:nvPr>
+            <p:ph idx="2" type="sldImg"/>
+          </p:nvPr>
+        </p:nvSpPr>
+        <p:spPr>
+          <a:xfrm>
+            <a:off x="381300" y="685800"/>
+            <a:ext cx="6096000" cy="3429000"/>
+          </a:xfrm>
+          <a:custGeom>
+            <a:rect b="b" l="l" r="r" t="t"/>
+            <a:pathLst>
+              <a:path extrusionOk="0" h="120000" w="120000">
+                <a:moveTo>
+                  <a:pt x="0" y="0"/>
+                </a:moveTo>
+                <a:lnTo>
+                  <a:pt x="120000" y="0"/>
+                </a:lnTo>
+                <a:lnTo>
+                  <a:pt x="120000" y="120000"/>
+                </a:lnTo>
+                <a:lnTo>
+                  <a:pt x="0" y="120000"/>
+                </a:lnTo>
+                <a:close/>
+              </a:path>
+            </a:pathLst>
+          </a:custGeom>
+        </p:spPr>
+      </p:sp>
+      <p:sp>
+        <p:nvSpPr>
+          <p:cNvPr id="184" name="Google Shape;184;gf58fe9d10d_0_48:notes"/>
+          <p:cNvSpPr txBox="1"/>
+          <p:nvPr>
+            <p:ph idx="1" type="body"/>
+          </p:nvPr>
+        </p:nvSpPr>
+        <p:spPr>
+          <a:xfrm>
+            <a:off x="685800" y="4343400"/>
+            <a:ext cx="5486400" cy="4114800"/>
+          </a:xfrm>
+          <a:prstGeom prst="rect">
+            <a:avLst/>
+          </a:prstGeom>
+        </p:spPr>
+        <p:txBody>
+          <a:bodyPr anchorCtr="0" anchor="t" bIns="91425" lIns="91425" spcFirstLastPara="1" rIns="91425" wrap="square" tIns="91425">
+            <a:noAutofit/>
+          </a:bodyPr>
+          <a:lstStyle/>
+          <a:p>
+            <a:pPr indent="0" lvl="0" marL="0" rtl="0" algn="l">
+              <a:spcBef>
+                <a:spcPts val="0"/>
+              </a:spcBef>
+              <a:spcAft>
+                <a:spcPts val="0"/>
+              </a:spcAft>
+              <a:buNone/>
+            </a:pPr>
+            <a:r>
+              <a:t/>
+            </a:r>
+            <a:endParaRPr/>
+          </a:p>
+        </p:txBody>
+      </p:sp>
+    </p:spTree>
+  </p:cSld>
+  <p:clrMapOvr>
+    <a:masterClrMapping/>
+  </p:clrMapOvr>
+</p:notes>
+</file>
+
+<file path=ppt/notesSlides/notesSlide14.xml><?xml version="1.0" encoding="utf-8"?>
+<p:notes xmlns:a="http://schemas.openxmlformats.org/drawingml/2006/main" xmlns:r="http://schemas.openxmlformats.org/officeDocument/2006/relationships" xmlns:mc="http://schemas.openxmlformats.org/markup-compatibility/2006" xmlns:mv="urn:schemas-microsoft-com:mac:vml" xmlns:p="http://schemas.openxmlformats.org/presentationml/2006/main" xmlns:c="http://schemas.openxmlformats.org/drawingml/2006/chart" xmlns:dgm="http://schemas.openxmlformats.org/drawingml/2006/diagram" xmlns:o="urn:schemas-microsoft-com:office:office" xmlns:v="urn:schemas-microsoft-com:vml" xmlns:pvml="urn:schemas-microsoft-com:office:powerpoint" xmlns:com="http://schemas.openxmlformats.org/drawingml/2006/compatibility" xmlns:p14="http://schemas.microsoft.com/office/powerpoint/2010/main" xmlns:p15="http://schemas.microsoft.com/office/powerpoint/2012/main" xmlns:ahyp="http://schemas.microsoft.com/office/drawing/2018/hyperlinkcolor" showMasterPhAnim="0" showMasterSp="0">
+  <p:cSld>
+    <p:spTree>
+      <p:nvGrpSpPr>
+        <p:cNvPr id="190" name="Shape 190"/>
+        <p:cNvGrpSpPr/>
+        <p:nvPr/>
+      </p:nvGrpSpPr>
+      <p:grpSpPr>
+        <a:xfrm>
+          <a:off x="0" y="0"/>
+          <a:ext cx="0" cy="0"/>
+          <a:chOff x="0" y="0"/>
+          <a:chExt cx="0" cy="0"/>
+        </a:xfrm>
+      </p:grpSpPr>
+      <p:sp>
+        <p:nvSpPr>
+          <p:cNvPr id="191" name="Google Shape;191;gf5181b6e33_1_5:notes"/>
+          <p:cNvSpPr/>
+          <p:nvPr>
+            <p:ph idx="2" type="sldImg"/>
+          </p:nvPr>
+        </p:nvSpPr>
+        <p:spPr>
+          <a:xfrm>
+            <a:off x="381300" y="685800"/>
+            <a:ext cx="6096000" cy="3429000"/>
+          </a:xfrm>
+          <a:custGeom>
+            <a:rect b="b" l="l" r="r" t="t"/>
+            <a:pathLst>
+              <a:path extrusionOk="0" h="120000" w="120000">
+                <a:moveTo>
+                  <a:pt x="0" y="0"/>
+                </a:moveTo>
+                <a:lnTo>
+                  <a:pt x="120000" y="0"/>
+                </a:lnTo>
+                <a:lnTo>
+                  <a:pt x="120000" y="120000"/>
+                </a:lnTo>
+                <a:lnTo>
+                  <a:pt x="0" y="120000"/>
+                </a:lnTo>
+                <a:close/>
+              </a:path>
+            </a:pathLst>
+          </a:custGeom>
+        </p:spPr>
+      </p:sp>
+      <p:sp>
+        <p:nvSpPr>
+          <p:cNvPr id="192" name="Google Shape;192;gf5181b6e33_1_5:notes"/>
+          <p:cNvSpPr txBox="1"/>
+          <p:nvPr>
+            <p:ph idx="1" type="body"/>
+          </p:nvPr>
+        </p:nvSpPr>
+        <p:spPr>
+          <a:xfrm>
+            <a:off x="685800" y="4343400"/>
+            <a:ext cx="5486400" cy="4114800"/>
+          </a:xfrm>
+          <a:prstGeom prst="rect">
+            <a:avLst/>
+          </a:prstGeom>
+        </p:spPr>
+        <p:txBody>
+          <a:bodyPr anchorCtr="0" anchor="t" bIns="91425" lIns="91425" spcFirstLastPara="1" rIns="91425" wrap="square" tIns="91425">
+            <a:noAutofit/>
+          </a:bodyPr>
+          <a:lstStyle/>
+          <a:p>
+            <a:pPr indent="0" lvl="0" marL="0" rtl="0" algn="l">
+              <a:spcBef>
+                <a:spcPts val="0"/>
+              </a:spcBef>
+              <a:spcAft>
+                <a:spcPts val="0"/>
+              </a:spcAft>
+              <a:buNone/>
+            </a:pPr>
+            <a:r>
+              <a:t/>
+            </a:r>
+            <a:endParaRPr/>
+          </a:p>
+        </p:txBody>
+      </p:sp>
+    </p:spTree>
+  </p:cSld>
+  <p:clrMapOvr>
+    <a:masterClrMapping/>
+  </p:clrMapOvr>
+</p:notes>
+</file>
+
+<file path=ppt/notesSlides/notesSlide15.xml><?xml version="1.0" encoding="utf-8"?>
+<p:notes xmlns:a="http://schemas.openxmlformats.org/drawingml/2006/main" xmlns:r="http://schemas.openxmlformats.org/officeDocument/2006/relationships" xmlns:mc="http://schemas.openxmlformats.org/markup-compatibility/2006" xmlns:mv="urn:schemas-microsoft-com:mac:vml" xmlns:p="http://schemas.openxmlformats.org/presentationml/2006/main" xmlns:c="http://schemas.openxmlformats.org/drawingml/2006/chart" xmlns:dgm="http://schemas.openxmlformats.org/drawingml/2006/diagram" xmlns:o="urn:schemas-microsoft-com:office:office" xmlns:v="urn:schemas-microsoft-com:vml" xmlns:pvml="urn:schemas-microsoft-com:office:powerpoint" xmlns:com="http://schemas.openxmlformats.org/drawingml/2006/compatibility" xmlns:p14="http://schemas.microsoft.com/office/powerpoint/2010/main" xmlns:p15="http://schemas.microsoft.com/office/powerpoint/2012/main" xmlns:ahyp="http://schemas.microsoft.com/office/drawing/2018/hyperlinkcolor" showMasterPhAnim="0" showMasterSp="0">
+  <p:cSld>
+    <p:spTree>
+      <p:nvGrpSpPr>
+        <p:cNvPr id="200" name="Shape 200"/>
+        <p:cNvGrpSpPr/>
+        <p:nvPr/>
+      </p:nvGrpSpPr>
+      <p:grpSpPr>
+        <a:xfrm>
+          <a:off x="0" y="0"/>
+          <a:ext cx="0" cy="0"/>
+          <a:chOff x="0" y="0"/>
+          <a:chExt cx="0" cy="0"/>
+        </a:xfrm>
+      </p:grpSpPr>
+      <p:sp>
+        <p:nvSpPr>
+          <p:cNvPr id="201" name="Google Shape;201;gf7a669752f_0_8:notes"/>
+          <p:cNvSpPr/>
+          <p:nvPr>
+            <p:ph idx="2" type="sldImg"/>
+          </p:nvPr>
+        </p:nvSpPr>
+        <p:spPr>
+          <a:xfrm>
+            <a:off x="381300" y="685800"/>
+            <a:ext cx="6096000" cy="3429000"/>
+          </a:xfrm>
+          <a:custGeom>
+            <a:rect b="b" l="l" r="r" t="t"/>
+            <a:pathLst>
+              <a:path extrusionOk="0" h="120000" w="120000">
+                <a:moveTo>
+                  <a:pt x="0" y="0"/>
+                </a:moveTo>
+                <a:lnTo>
+                  <a:pt x="120000" y="0"/>
+                </a:lnTo>
+                <a:lnTo>
+                  <a:pt x="120000" y="120000"/>
+                </a:lnTo>
+                <a:lnTo>
+                  <a:pt x="0" y="120000"/>
+                </a:lnTo>
+                <a:close/>
+              </a:path>
+            </a:pathLst>
+          </a:custGeom>
+        </p:spPr>
+      </p:sp>
+      <p:sp>
+        <p:nvSpPr>
+          <p:cNvPr id="202" name="Google Shape;202;gf7a669752f_0_8:notes"/>
+          <p:cNvSpPr txBox="1"/>
+          <p:nvPr>
+            <p:ph idx="1" type="body"/>
+          </p:nvPr>
+        </p:nvSpPr>
+        <p:spPr>
+          <a:xfrm>
+            <a:off x="685800" y="4343400"/>
+            <a:ext cx="5486400" cy="4114800"/>
+          </a:xfrm>
+          <a:prstGeom prst="rect">
+            <a:avLst/>
+          </a:prstGeom>
+        </p:spPr>
+        <p:txBody>
+          <a:bodyPr anchorCtr="0" anchor="t" bIns="91425" lIns="91425" spcFirstLastPara="1" rIns="91425" wrap="square" tIns="91425">
+            <a:noAutofit/>
+          </a:bodyPr>
+          <a:lstStyle/>
+          <a:p>
+            <a:pPr indent="0" lvl="0" marL="0" rtl="0" algn="l">
+              <a:spcBef>
+                <a:spcPts val="0"/>
+              </a:spcBef>
+              <a:spcAft>
+                <a:spcPts val="0"/>
+              </a:spcAft>
+              <a:buNone/>
+            </a:pPr>
+            <a:r>
+              <a:t/>
+            </a:r>
+            <a:endParaRPr/>
+          </a:p>
+        </p:txBody>
+      </p:sp>
+    </p:spTree>
+  </p:cSld>
+  <p:clrMapOvr>
+    <a:masterClrMapping/>
+  </p:clrMapOvr>
+</p:notes>
+</file>
+
+<file path=ppt/notesSlides/notesSlide16.xml><?xml version="1.0" encoding="utf-8"?>
+<p:notes xmlns:a="http://schemas.openxmlformats.org/drawingml/2006/main" xmlns:r="http://schemas.openxmlformats.org/officeDocument/2006/relationships" xmlns:mc="http://schemas.openxmlformats.org/markup-compatibility/2006" xmlns:mv="urn:schemas-microsoft-com:mac:vml" xmlns:p="http://schemas.openxmlformats.org/presentationml/2006/main" xmlns:c="http://schemas.openxmlformats.org/drawingml/2006/chart" xmlns:dgm="http://schemas.openxmlformats.org/drawingml/2006/diagram" xmlns:o="urn:schemas-microsoft-com:office:office" xmlns:v="urn:schemas-microsoft-com:vml" xmlns:pvml="urn:schemas-microsoft-com:office:powerpoint" xmlns:com="http://schemas.openxmlformats.org/drawingml/2006/compatibility" xmlns:p14="http://schemas.microsoft.com/office/powerpoint/2010/main" xmlns:p15="http://schemas.microsoft.com/office/powerpoint/2012/main" xmlns:ahyp="http://schemas.microsoft.com/office/drawing/2018/hyperlinkcolor" showMasterPhAnim="0" showMasterSp="0">
+  <p:cSld>
+    <p:spTree>
+      <p:nvGrpSpPr>
+        <p:cNvPr id="209" name="Shape 209"/>
+        <p:cNvGrpSpPr/>
+        <p:nvPr/>
+      </p:nvGrpSpPr>
+      <p:grpSpPr>
+        <a:xfrm>
+          <a:off x="0" y="0"/>
+          <a:ext cx="0" cy="0"/>
+          <a:chOff x="0" y="0"/>
+          <a:chExt cx="0" cy="0"/>
+        </a:xfrm>
+      </p:grpSpPr>
+      <p:sp>
+        <p:nvSpPr>
+          <p:cNvPr id="210" name="Google Shape;210;gdb5e547bb9_0_103:notes"/>
+          <p:cNvSpPr/>
+          <p:nvPr>
+            <p:ph idx="2" type="sldImg"/>
+          </p:nvPr>
+        </p:nvSpPr>
+        <p:spPr>
+          <a:xfrm>
+            <a:off x="381300" y="685800"/>
+            <a:ext cx="6096000" cy="3429000"/>
+          </a:xfrm>
+          <a:custGeom>
+            <a:rect b="b" l="l" r="r" t="t"/>
+            <a:pathLst>
+              <a:path extrusionOk="0" h="120000" w="120000">
+                <a:moveTo>
+                  <a:pt x="0" y="0"/>
+                </a:moveTo>
+                <a:lnTo>
+                  <a:pt x="120000" y="0"/>
+                </a:lnTo>
+                <a:lnTo>
+                  <a:pt x="120000" y="120000"/>
+                </a:lnTo>
+                <a:lnTo>
+                  <a:pt x="0" y="120000"/>
+                </a:lnTo>
+                <a:close/>
+              </a:path>
+            </a:pathLst>
+          </a:custGeom>
+        </p:spPr>
+      </p:sp>
+      <p:sp>
+        <p:nvSpPr>
+          <p:cNvPr id="211" name="Google Shape;211;gdb5e547bb9_0_103:notes"/>
           <p:cNvSpPr txBox="1"/>
           <p:nvPr>
             <p:ph idx="1" type="body"/>
@@ -1324,7 +1724,7 @@
       </p:grpSpPr>
       <p:sp>
         <p:nvSpPr>
-          <p:cNvPr id="72" name="Google Shape;72;geb1739cc0a_0_2:notes"/>
+          <p:cNvPr id="72" name="Google Shape;72;gdb5e547bb9_0_53:notes"/>
           <p:cNvSpPr/>
           <p:nvPr>
             <p:ph idx="2" type="sldImg"/>
@@ -1359,7 +1759,7 @@
       </p:sp>
       <p:sp>
         <p:nvSpPr>
-          <p:cNvPr id="73" name="Google Shape;73;geb1739cc0a_0_2:notes"/>
+          <p:cNvPr id="73" name="Google Shape;73;gdb5e547bb9_0_53:notes"/>
           <p:cNvSpPr txBox="1"/>
           <p:nvPr>
             <p:ph idx="1" type="body"/>
@@ -1423,7 +1823,7 @@
       </p:grpSpPr>
       <p:sp>
         <p:nvSpPr>
-          <p:cNvPr id="81" name="Google Shape;81;gdb5e547bb9_0_53:notes"/>
+          <p:cNvPr id="81" name="Google Shape;81;geb1739cc0a_0_2:notes"/>
           <p:cNvSpPr/>
           <p:nvPr>
             <p:ph idx="2" type="sldImg"/>
@@ -1458,7 +1858,7 @@
       </p:sp>
       <p:sp>
         <p:nvSpPr>
-          <p:cNvPr id="82" name="Google Shape;82;gdb5e547bb9_0_53:notes"/>
+          <p:cNvPr id="82" name="Google Shape;82;geb1739cc0a_0_2:notes"/>
           <p:cNvSpPr txBox="1"/>
           <p:nvPr>
             <p:ph idx="1" type="body"/>
@@ -1508,7 +1908,7 @@
   <p:cSld>
     <p:spTree>
       <p:nvGrpSpPr>
-        <p:cNvPr id="91" name="Shape 91"/>
+        <p:cNvPr id="89" name="Shape 89"/>
         <p:cNvGrpSpPr/>
         <p:nvPr/>
       </p:nvGrpSpPr>
@@ -1522,7 +1922,7 @@
       </p:grpSpPr>
       <p:sp>
         <p:nvSpPr>
-          <p:cNvPr id="92" name="Google Shape;92;ge96861086c_0_3:notes"/>
+          <p:cNvPr id="90" name="Google Shape;90;ge96861086c_0_3:notes"/>
           <p:cNvSpPr/>
           <p:nvPr>
             <p:ph idx="2" type="sldImg"/>
@@ -1557,7 +1957,7 @@
       </p:sp>
       <p:sp>
         <p:nvSpPr>
-          <p:cNvPr id="93" name="Google Shape;93;ge96861086c_0_3:notes"/>
+          <p:cNvPr id="91" name="Google Shape;91;ge96861086c_0_3:notes"/>
           <p:cNvSpPr txBox="1"/>
           <p:nvPr>
             <p:ph idx="1" type="body"/>
@@ -1607,7 +2007,7 @@
   <p:cSld>
     <p:spTree>
       <p:nvGrpSpPr>
-        <p:cNvPr id="121" name="Shape 121"/>
+        <p:cNvPr id="119" name="Shape 119"/>
         <p:cNvGrpSpPr/>
         <p:nvPr/>
       </p:nvGrpSpPr>
@@ -1621,7 +2021,7 @@
       </p:grpSpPr>
       <p:sp>
         <p:nvSpPr>
-          <p:cNvPr id="122" name="Google Shape;122;gef3c005526_0_32:notes"/>
+          <p:cNvPr id="120" name="Google Shape;120;gef3c005526_0_32:notes"/>
           <p:cNvSpPr/>
           <p:nvPr>
             <p:ph idx="2" type="sldImg"/>
@@ -1656,7 +2056,7 @@
       </p:sp>
       <p:sp>
         <p:nvSpPr>
-          <p:cNvPr id="123" name="Google Shape;123;gef3c005526_0_32:notes"/>
+          <p:cNvPr id="121" name="Google Shape;121;gef3c005526_0_32:notes"/>
           <p:cNvSpPr txBox="1"/>
           <p:nvPr>
             <p:ph idx="1" type="body"/>
@@ -1706,7 +2106,7 @@
   <p:cSld>
     <p:spTree>
       <p:nvGrpSpPr>
-        <p:cNvPr id="127" name="Shape 127"/>
+        <p:cNvPr id="125" name="Shape 125"/>
         <p:cNvGrpSpPr/>
         <p:nvPr/>
       </p:nvGrpSpPr>
@@ -1720,7 +2120,7 @@
       </p:grpSpPr>
       <p:sp>
         <p:nvSpPr>
-          <p:cNvPr id="128" name="Google Shape;128;gef3c005526_0_4:notes"/>
+          <p:cNvPr id="126" name="Google Shape;126;gf7a93b75c8_0_2:notes"/>
           <p:cNvSpPr/>
           <p:nvPr>
             <p:ph idx="2" type="sldImg"/>
@@ -1755,7 +2155,7 @@
       </p:sp>
       <p:sp>
         <p:nvSpPr>
-          <p:cNvPr id="129" name="Google Shape;129;gef3c005526_0_4:notes"/>
+          <p:cNvPr id="127" name="Google Shape;127;gf7a93b75c8_0_2:notes"/>
           <p:cNvSpPr txBox="1"/>
           <p:nvPr>
             <p:ph idx="1" type="body"/>
@@ -1805,7 +2205,7 @@
   <p:cSld>
     <p:spTree>
       <p:nvGrpSpPr>
-        <p:cNvPr id="151" name="Shape 151"/>
+        <p:cNvPr id="132" name="Shape 132"/>
         <p:cNvGrpSpPr/>
         <p:nvPr/>
       </p:nvGrpSpPr>
@@ -1819,7 +2219,7 @@
       </p:grpSpPr>
       <p:sp>
         <p:nvSpPr>
-          <p:cNvPr id="152" name="Google Shape;152;gf5181b6e33_1_0:notes"/>
+          <p:cNvPr id="133" name="Google Shape;133;gef3c005526_0_4:notes"/>
           <p:cNvSpPr/>
           <p:nvPr>
             <p:ph idx="2" type="sldImg"/>
@@ -1854,7 +2254,7 @@
       </p:sp>
       <p:sp>
         <p:nvSpPr>
-          <p:cNvPr id="153" name="Google Shape;153;gf5181b6e33_1_0:notes"/>
+          <p:cNvPr id="134" name="Google Shape;134;gef3c005526_0_4:notes"/>
           <p:cNvSpPr txBox="1"/>
           <p:nvPr>
             <p:ph idx="1" type="body"/>
@@ -7389,7 +7789,7 @@
   <p:cSld>
     <p:spTree>
       <p:nvGrpSpPr>
-        <p:cNvPr id="162" name="Shape 162"/>
+        <p:cNvPr id="159" name="Shape 159"/>
         <p:cNvGrpSpPr/>
         <p:nvPr/>
       </p:nvGrpSpPr>
@@ -7403,7 +7803,7 @@
       </p:grpSpPr>
       <p:sp>
         <p:nvSpPr>
-          <p:cNvPr id="163" name="Google Shape;163;p22"/>
+          <p:cNvPr id="160" name="Google Shape;160;p22"/>
           <p:cNvSpPr txBox="1"/>
           <p:nvPr>
             <p:ph type="title"/>
@@ -7435,7 +7835,7 @@
             </a:pPr>
             <a:r>
               <a:rPr lang="en"/>
-              <a:t>Résultats de stabilité sur 12 mois (2/2)</a:t>
+              <a:t>Distribution des segments</a:t>
             </a:r>
             <a:endParaRPr/>
           </a:p>
@@ -7443,7 +7843,559 @@
       </p:sp>
       <p:sp>
         <p:nvSpPr>
-          <p:cNvPr id="164" name="Google Shape;164;p22"/>
+          <p:cNvPr id="161" name="Google Shape;161;p22"/>
+          <p:cNvSpPr txBox="1"/>
+          <p:nvPr/>
+        </p:nvSpPr>
+        <p:spPr>
+          <a:xfrm>
+            <a:off x="0" y="0"/>
+            <a:ext cx="3000000" cy="400200"/>
+          </a:xfrm>
+          <a:prstGeom prst="rect">
+            <a:avLst/>
+          </a:prstGeom>
+          <a:noFill/>
+          <a:ln>
+            <a:noFill/>
+          </a:ln>
+        </p:spPr>
+        <p:txBody>
+          <a:bodyPr anchorCtr="0" anchor="t" bIns="91425" lIns="91425" spcFirstLastPara="1" rIns="91425" wrap="square" tIns="91425">
+            <a:spAutoFit/>
+          </a:bodyPr>
+          <a:lstStyle/>
+          <a:p>
+            <a:pPr indent="0" lvl="0" marL="0" rtl="0" algn="l">
+              <a:spcBef>
+                <a:spcPts val="0"/>
+              </a:spcBef>
+              <a:spcAft>
+                <a:spcPts val="0"/>
+              </a:spcAft>
+              <a:buNone/>
+            </a:pPr>
+            <a:r>
+              <a:rPr lang="en"/>
+              <a:t>￼</a:t>
+            </a:r>
+            <a:endParaRPr/>
+          </a:p>
+        </p:txBody>
+      </p:sp>
+      <p:pic>
+        <p:nvPicPr>
+          <p:cNvPr id="162" name="Google Shape;162;p22"/>
+          <p:cNvPicPr preferRelativeResize="0"/>
+          <p:nvPr/>
+        </p:nvPicPr>
+        <p:blipFill>
+          <a:blip r:embed="rId3">
+            <a:alphaModFix/>
+          </a:blip>
+          <a:stretch>
+            <a:fillRect/>
+          </a:stretch>
+        </p:blipFill>
+        <p:spPr>
+          <a:xfrm>
+            <a:off x="430800" y="1656850"/>
+            <a:ext cx="3571875" cy="2381250"/>
+          </a:xfrm>
+          <a:prstGeom prst="rect">
+            <a:avLst/>
+          </a:prstGeom>
+          <a:noFill/>
+          <a:ln>
+            <a:noFill/>
+          </a:ln>
+        </p:spPr>
+      </p:pic>
+      <p:graphicFrame>
+        <p:nvGraphicFramePr>
+          <p:cNvPr id="163" name="Google Shape;163;p22"/>
+          <p:cNvGraphicFramePr/>
+          <p:nvPr/>
+        </p:nvGraphicFramePr>
+        <p:xfrm>
+          <a:off x="4449950" y="1846350"/>
+          <a:ext cx="3000000" cy="3000000"/>
+        </p:xfrm>
+        <a:graphic>
+          <a:graphicData uri="http://schemas.openxmlformats.org/drawingml/2006/table">
+            <a:tbl>
+              <a:tblPr>
+                <a:noFill/>
+                <a:tableStyleId>{D1AE1035-039C-4845-9F0F-25B16CD64637}</a:tableStyleId>
+              </a:tblPr>
+              <a:tblGrid>
+                <a:gridCol w="1888175"/>
+                <a:gridCol w="1888175"/>
+              </a:tblGrid>
+              <a:tr h="381000">
+                <a:tc>
+                  <a:txBody>
+                    <a:bodyPr/>
+                    <a:lstStyle/>
+                    <a:p>
+                      <a:pPr indent="0" lvl="0" marL="0" rtl="0" algn="l">
+                        <a:spcBef>
+                          <a:spcPts val="0"/>
+                        </a:spcBef>
+                        <a:spcAft>
+                          <a:spcPts val="0"/>
+                        </a:spcAft>
+                        <a:buNone/>
+                      </a:pPr>
+                      <a:r>
+                        <a:rPr lang="en"/>
+                        <a:t>Persona </a:t>
+                      </a:r>
+                      <a:r>
+                        <a:rPr lang="en"/>
+                        <a:t>1</a:t>
+                      </a:r>
+                      <a:endParaRPr/>
+                    </a:p>
+                  </a:txBody>
+                  <a:tcPr marT="91425" marB="91425" marR="91425" marL="91425"/>
+                </a:tc>
+                <a:tc>
+                  <a:txBody>
+                    <a:bodyPr/>
+                    <a:lstStyle/>
+                    <a:p>
+                      <a:pPr indent="0" lvl="0" marL="0" rtl="0" algn="l">
+                        <a:spcBef>
+                          <a:spcPts val="0"/>
+                        </a:spcBef>
+                        <a:spcAft>
+                          <a:spcPts val="0"/>
+                        </a:spcAft>
+                        <a:buNone/>
+                      </a:pPr>
+                      <a:r>
+                        <a:rPr lang="en"/>
+                        <a:t>0</a:t>
+                      </a:r>
+                      <a:endParaRPr/>
+                    </a:p>
+                  </a:txBody>
+                  <a:tcPr marT="91425" marB="91425" marR="91425" marL="91425"/>
+                </a:tc>
+              </a:tr>
+              <a:tr h="381000">
+                <a:tc>
+                  <a:txBody>
+                    <a:bodyPr/>
+                    <a:lstStyle/>
+                    <a:p>
+                      <a:pPr indent="0" lvl="0" marL="0" rtl="0" algn="l">
+                        <a:spcBef>
+                          <a:spcPts val="0"/>
+                        </a:spcBef>
+                        <a:spcAft>
+                          <a:spcPts val="0"/>
+                        </a:spcAft>
+                        <a:buNone/>
+                      </a:pPr>
+                      <a:r>
+                        <a:rPr lang="en"/>
+                        <a:t>Persona 2</a:t>
+                      </a:r>
+                      <a:endParaRPr/>
+                    </a:p>
+                  </a:txBody>
+                  <a:tcPr marT="91425" marB="91425" marR="91425" marL="91425"/>
+                </a:tc>
+                <a:tc>
+                  <a:txBody>
+                    <a:bodyPr/>
+                    <a:lstStyle/>
+                    <a:p>
+                      <a:pPr indent="0" lvl="0" marL="0" rtl="0" algn="l">
+                        <a:spcBef>
+                          <a:spcPts val="0"/>
+                        </a:spcBef>
+                        <a:spcAft>
+                          <a:spcPts val="0"/>
+                        </a:spcAft>
+                        <a:buNone/>
+                      </a:pPr>
+                      <a:r>
+                        <a:rPr lang="en"/>
+                        <a:t>2</a:t>
+                      </a:r>
+                      <a:endParaRPr/>
+                    </a:p>
+                  </a:txBody>
+                  <a:tcPr marT="91425" marB="91425" marR="91425" marL="91425"/>
+                </a:tc>
+              </a:tr>
+              <a:tr h="381000">
+                <a:tc>
+                  <a:txBody>
+                    <a:bodyPr/>
+                    <a:lstStyle/>
+                    <a:p>
+                      <a:pPr indent="0" lvl="0" marL="0" rtl="0" algn="l">
+                        <a:spcBef>
+                          <a:spcPts val="0"/>
+                        </a:spcBef>
+                        <a:spcAft>
+                          <a:spcPts val="0"/>
+                        </a:spcAft>
+                        <a:buNone/>
+                      </a:pPr>
+                      <a:r>
+                        <a:rPr lang="en"/>
+                        <a:t>Persona 3</a:t>
+                      </a:r>
+                      <a:endParaRPr/>
+                    </a:p>
+                  </a:txBody>
+                  <a:tcPr marT="91425" marB="91425" marR="91425" marL="91425"/>
+                </a:tc>
+                <a:tc>
+                  <a:txBody>
+                    <a:bodyPr/>
+                    <a:lstStyle/>
+                    <a:p>
+                      <a:pPr indent="0" lvl="0" marL="0" rtl="0" algn="l">
+                        <a:spcBef>
+                          <a:spcPts val="0"/>
+                        </a:spcBef>
+                        <a:spcAft>
+                          <a:spcPts val="0"/>
+                        </a:spcAft>
+                        <a:buNone/>
+                      </a:pPr>
+                      <a:r>
+                        <a:rPr lang="en"/>
+                        <a:t>3</a:t>
+                      </a:r>
+                      <a:endParaRPr/>
+                    </a:p>
+                  </a:txBody>
+                  <a:tcPr marT="91425" marB="91425" marR="91425" marL="91425"/>
+                </a:tc>
+              </a:tr>
+              <a:tr h="381000">
+                <a:tc>
+                  <a:txBody>
+                    <a:bodyPr/>
+                    <a:lstStyle/>
+                    <a:p>
+                      <a:pPr indent="0" lvl="0" marL="0" rtl="0" algn="l">
+                        <a:spcBef>
+                          <a:spcPts val="0"/>
+                        </a:spcBef>
+                        <a:spcAft>
+                          <a:spcPts val="0"/>
+                        </a:spcAft>
+                        <a:buNone/>
+                      </a:pPr>
+                      <a:r>
+                        <a:rPr lang="en"/>
+                        <a:t>Persona 4</a:t>
+                      </a:r>
+                      <a:endParaRPr/>
+                    </a:p>
+                  </a:txBody>
+                  <a:tcPr marT="91425" marB="91425" marR="91425" marL="91425"/>
+                </a:tc>
+                <a:tc>
+                  <a:txBody>
+                    <a:bodyPr/>
+                    <a:lstStyle/>
+                    <a:p>
+                      <a:pPr indent="0" lvl="0" marL="0" rtl="0" algn="l">
+                        <a:spcBef>
+                          <a:spcPts val="0"/>
+                        </a:spcBef>
+                        <a:spcAft>
+                          <a:spcPts val="0"/>
+                        </a:spcAft>
+                        <a:buNone/>
+                      </a:pPr>
+                      <a:r>
+                        <a:rPr lang="en"/>
+                        <a:t>1</a:t>
+                      </a:r>
+                      <a:endParaRPr/>
+                    </a:p>
+                  </a:txBody>
+                  <a:tcPr marT="91425" marB="91425" marR="91425" marL="91425"/>
+                </a:tc>
+              </a:tr>
+              <a:tr h="381000">
+                <a:tc>
+                  <a:txBody>
+                    <a:bodyPr/>
+                    <a:lstStyle/>
+                    <a:p>
+                      <a:pPr indent="0" lvl="0" marL="0" rtl="0" algn="l">
+                        <a:spcBef>
+                          <a:spcPts val="0"/>
+                        </a:spcBef>
+                        <a:spcAft>
+                          <a:spcPts val="0"/>
+                        </a:spcAft>
+                        <a:buNone/>
+                      </a:pPr>
+                      <a:r>
+                        <a:rPr lang="en"/>
+                        <a:t>Persona 5</a:t>
+                      </a:r>
+                      <a:endParaRPr/>
+                    </a:p>
+                  </a:txBody>
+                  <a:tcPr marT="91425" marB="91425" marR="91425" marL="91425"/>
+                </a:tc>
+                <a:tc>
+                  <a:txBody>
+                    <a:bodyPr/>
+                    <a:lstStyle/>
+                    <a:p>
+                      <a:pPr indent="0" lvl="0" marL="0" rtl="0" algn="l">
+                        <a:spcBef>
+                          <a:spcPts val="0"/>
+                        </a:spcBef>
+                        <a:spcAft>
+                          <a:spcPts val="0"/>
+                        </a:spcAft>
+                        <a:buNone/>
+                      </a:pPr>
+                      <a:r>
+                        <a:rPr lang="en"/>
+                        <a:t>4</a:t>
+                      </a:r>
+                      <a:endParaRPr/>
+                    </a:p>
+                  </a:txBody>
+                  <a:tcPr marT="91425" marB="91425" marR="91425" marL="91425"/>
+                </a:tc>
+              </a:tr>
+              <a:tr h="381000">
+                <a:tc>
+                  <a:txBody>
+                    <a:bodyPr/>
+                    <a:lstStyle/>
+                    <a:p>
+                      <a:pPr indent="0" lvl="0" marL="0" rtl="0" algn="l">
+                        <a:spcBef>
+                          <a:spcPts val="0"/>
+                        </a:spcBef>
+                        <a:spcAft>
+                          <a:spcPts val="0"/>
+                        </a:spcAft>
+                        <a:buNone/>
+                      </a:pPr>
+                      <a:r>
+                        <a:rPr lang="en"/>
+                        <a:t>Persona 6</a:t>
+                      </a:r>
+                      <a:endParaRPr/>
+                    </a:p>
+                  </a:txBody>
+                  <a:tcPr marT="91425" marB="91425" marR="91425" marL="91425"/>
+                </a:tc>
+                <a:tc>
+                  <a:txBody>
+                    <a:bodyPr/>
+                    <a:lstStyle/>
+                    <a:p>
+                      <a:pPr indent="0" lvl="0" marL="0" rtl="0" algn="l">
+                        <a:spcBef>
+                          <a:spcPts val="0"/>
+                        </a:spcBef>
+                        <a:spcAft>
+                          <a:spcPts val="0"/>
+                        </a:spcAft>
+                        <a:buNone/>
+                      </a:pPr>
+                      <a:r>
+                        <a:rPr lang="en"/>
+                        <a:t>5</a:t>
+                      </a:r>
+                      <a:endParaRPr/>
+                    </a:p>
+                  </a:txBody>
+                  <a:tcPr marT="91425" marB="91425" marR="91425" marL="91425"/>
+                </a:tc>
+              </a:tr>
+            </a:tbl>
+          </a:graphicData>
+        </a:graphic>
+      </p:graphicFrame>
+    </p:spTree>
+  </p:cSld>
+  <p:clrMapOvr>
+    <a:masterClrMapping/>
+  </p:clrMapOvr>
+</p:sld>
+</file>
+
+<file path=ppt/slides/slide11.xml><?xml version="1.0" encoding="utf-8"?>
+<p:sld xmlns:a="http://schemas.openxmlformats.org/drawingml/2006/main" xmlns:r="http://schemas.openxmlformats.org/officeDocument/2006/relationships" xmlns:mc="http://schemas.openxmlformats.org/markup-compatibility/2006" xmlns:mv="urn:schemas-microsoft-com:mac:vml" xmlns:p="http://schemas.openxmlformats.org/presentationml/2006/main" xmlns:c="http://schemas.openxmlformats.org/drawingml/2006/chart" xmlns:dgm="http://schemas.openxmlformats.org/drawingml/2006/diagram" xmlns:o="urn:schemas-microsoft-com:office:office" xmlns:v="urn:schemas-microsoft-com:vml" xmlns:pvml="urn:schemas-microsoft-com:office:powerpoint" xmlns:com="http://schemas.openxmlformats.org/drawingml/2006/compatibility" xmlns:p14="http://schemas.microsoft.com/office/powerpoint/2010/main" xmlns:p15="http://schemas.microsoft.com/office/powerpoint/2012/main" xmlns:ahyp="http://schemas.microsoft.com/office/drawing/2018/hyperlinkcolor">
+  <p:cSld>
+    <p:spTree>
+      <p:nvGrpSpPr>
+        <p:cNvPr id="167" name="Shape 167"/>
+        <p:cNvGrpSpPr/>
+        <p:nvPr/>
+      </p:nvGrpSpPr>
+      <p:grpSpPr>
+        <a:xfrm>
+          <a:off x="0" y="0"/>
+          <a:ext cx="0" cy="0"/>
+          <a:chOff x="0" y="0"/>
+          <a:chExt cx="0" cy="0"/>
+        </a:xfrm>
+      </p:grpSpPr>
+      <p:sp>
+        <p:nvSpPr>
+          <p:cNvPr id="168" name="Google Shape;168;p23"/>
+          <p:cNvSpPr txBox="1"/>
+          <p:nvPr>
+            <p:ph type="title"/>
+          </p:nvPr>
+        </p:nvSpPr>
+        <p:spPr>
+          <a:xfrm>
+            <a:off x="311700" y="292850"/>
+            <a:ext cx="8520600" cy="801000"/>
+          </a:xfrm>
+          <a:prstGeom prst="rect">
+            <a:avLst/>
+          </a:prstGeom>
+        </p:spPr>
+        <p:txBody>
+          <a:bodyPr anchorCtr="0" anchor="t" bIns="91425" lIns="91425" spcFirstLastPara="1" rIns="91425" wrap="square" tIns="91425">
+            <a:normAutofit fontScale="90000"/>
+          </a:bodyPr>
+          <a:lstStyle/>
+          <a:p>
+            <a:pPr indent="0" lvl="0" marL="0" rtl="0" algn="l">
+              <a:spcBef>
+                <a:spcPts val="0"/>
+              </a:spcBef>
+              <a:spcAft>
+                <a:spcPts val="0"/>
+              </a:spcAft>
+              <a:buNone/>
+            </a:pPr>
+            <a:r>
+              <a:rPr lang="en"/>
+              <a:t>RObustesse de la segmentation</a:t>
+            </a:r>
+            <a:endParaRPr/>
+          </a:p>
+        </p:txBody>
+      </p:sp>
+      <p:sp>
+        <p:nvSpPr>
+          <p:cNvPr id="169" name="Google Shape;169;p23"/>
+          <p:cNvSpPr txBox="1"/>
+          <p:nvPr>
+            <p:ph idx="1" type="body"/>
+          </p:nvPr>
+        </p:nvSpPr>
+        <p:spPr>
+          <a:xfrm>
+            <a:off x="363350" y="1129750"/>
+            <a:ext cx="3423600" cy="478500"/>
+          </a:xfrm>
+          <a:prstGeom prst="rect">
+            <a:avLst/>
+          </a:prstGeom>
+          <a:solidFill>
+            <a:schemeClr val="dk1"/>
+          </a:solidFill>
+        </p:spPr>
+        <p:txBody>
+          <a:bodyPr anchorCtr="0" anchor="t" bIns="91425" lIns="91425" spcFirstLastPara="1" rIns="91425" wrap="square" tIns="91425">
+            <a:normAutofit fontScale="40000"/>
+          </a:bodyPr>
+          <a:lstStyle/>
+          <a:p>
+            <a:pPr indent="0" lvl="0" marL="0" rtl="0" algn="ctr">
+              <a:lnSpc>
+                <a:spcPct val="100000"/>
+              </a:lnSpc>
+              <a:spcBef>
+                <a:spcPts val="0"/>
+              </a:spcBef>
+              <a:spcAft>
+                <a:spcPts val="0"/>
+              </a:spcAft>
+              <a:buNone/>
+            </a:pPr>
+            <a:r>
+              <a:rPr b="1" lang="en" sz="4200">
+                <a:solidFill>
+                  <a:schemeClr val="accent1"/>
+                </a:solidFill>
+                <a:latin typeface="Amatic SC"/>
+                <a:ea typeface="Amatic SC"/>
+                <a:cs typeface="Amatic SC"/>
+                <a:sym typeface="Amatic SC"/>
+              </a:rPr>
+              <a:t>MATRICE ROBUSTESSE DE SEGMENTATION</a:t>
+            </a:r>
+            <a:endParaRPr b="1">
+              <a:solidFill>
+                <a:schemeClr val="accent1"/>
+              </a:solidFill>
+            </a:endParaRPr>
+          </a:p>
+        </p:txBody>
+      </p:sp>
+      <p:sp>
+        <p:nvSpPr>
+          <p:cNvPr id="170" name="Google Shape;170;p23"/>
+          <p:cNvSpPr txBox="1"/>
+          <p:nvPr/>
+        </p:nvSpPr>
+        <p:spPr>
+          <a:xfrm>
+            <a:off x="0" y="0"/>
+            <a:ext cx="3000000" cy="400200"/>
+          </a:xfrm>
+          <a:prstGeom prst="rect">
+            <a:avLst/>
+          </a:prstGeom>
+          <a:noFill/>
+          <a:ln>
+            <a:noFill/>
+          </a:ln>
+        </p:spPr>
+        <p:txBody>
+          <a:bodyPr anchorCtr="0" anchor="t" bIns="91425" lIns="91425" spcFirstLastPara="1" rIns="91425" wrap="square" tIns="91425">
+            <a:spAutoFit/>
+          </a:bodyPr>
+          <a:lstStyle/>
+          <a:p>
+            <a:pPr indent="0" lvl="0" marL="0" rtl="0" algn="l">
+              <a:spcBef>
+                <a:spcPts val="0"/>
+              </a:spcBef>
+              <a:spcAft>
+                <a:spcPts val="0"/>
+              </a:spcAft>
+              <a:buNone/>
+            </a:pPr>
+            <a:r>
+              <a:rPr lang="en"/>
+              <a:t>￼</a:t>
+            </a:r>
+            <a:endParaRPr/>
+          </a:p>
+        </p:txBody>
+      </p:sp>
+      <p:sp>
+        <p:nvSpPr>
+          <p:cNvPr id="171" name="Google Shape;171;p23"/>
           <p:cNvSpPr txBox="1"/>
           <p:nvPr>
             <p:ph idx="1" type="body"/>
@@ -7475,81 +8427,302 @@
             </a:pPr>
             <a:r>
               <a:rPr lang="en" sz="1000"/>
-              <a:t>Afin de vérifier si la stabilité augmente en prenant des données plus éparpillées dans le temps, on procède à la même analyse sur deux jeux de données sur 12 mois mais à partir de 3 segments uniquement (selon le score Davies-Bouldin sur la première période).</a:t>
+              <a:t>La segmentation avec le KMeans donne une robustesse moyenne plutôt correcte avec un ARI moyen de 0.85. </a:t>
             </a:r>
             <a:endParaRPr sz="1000"/>
           </a:p>
           <a:p>
-            <a:pPr indent="-292100" lvl="0" marL="457200" rtl="0" algn="l">
+            <a:pPr indent="0" lvl="0" marL="0" rtl="0" algn="l">
               <a:spcBef>
                 <a:spcPts val="1200"/>
               </a:spcBef>
               <a:spcAft>
-                <a:spcPts val="0"/>
-              </a:spcAft>
-              <a:buSzPts val="1000"/>
-              <a:buAutoNum type="arabicPeriod"/>
+                <a:spcPts val="1200"/>
+              </a:spcAft>
+              <a:buNone/>
             </a:pPr>
             <a:r>
               <a:rPr lang="en" sz="1000"/>
-              <a:t>Le score Davies-Bouldin </a:t>
-            </a:r>
+              <a:t>On repère pour autant des itérations où le minimum local est plus éloigné de la majorité : par exemple, la 39 ou 48.</a:t>
+            </a:r>
+            <a:endParaRPr sz="1000"/>
+          </a:p>
+        </p:txBody>
+      </p:sp>
+      <p:pic>
+        <p:nvPicPr>
+          <p:cNvPr id="172" name="Google Shape;172;p23"/>
+          <p:cNvPicPr preferRelativeResize="0"/>
+          <p:nvPr/>
+        </p:nvPicPr>
+        <p:blipFill>
+          <a:blip r:embed="rId3">
+            <a:alphaModFix/>
+          </a:blip>
+          <a:stretch>
+            <a:fillRect/>
+          </a:stretch>
+        </p:blipFill>
+        <p:spPr>
+          <a:xfrm>
+            <a:off x="396000" y="1746725"/>
+            <a:ext cx="3390900" cy="2428875"/>
+          </a:xfrm>
+          <a:prstGeom prst="rect">
+            <a:avLst/>
+          </a:prstGeom>
+          <a:noFill/>
+          <a:ln>
+            <a:noFill/>
+          </a:ln>
+        </p:spPr>
+      </p:pic>
+      <p:sp>
+        <p:nvSpPr>
+          <p:cNvPr id="173" name="Google Shape;173;p23"/>
+          <p:cNvSpPr txBox="1"/>
+          <p:nvPr>
+            <p:ph idx="1" type="body"/>
+          </p:nvPr>
+        </p:nvSpPr>
+        <p:spPr>
+          <a:xfrm>
+            <a:off x="396000" y="4217475"/>
+            <a:ext cx="3348600" cy="400200"/>
+          </a:xfrm>
+          <a:prstGeom prst="rect">
+            <a:avLst/>
+          </a:prstGeom>
+        </p:spPr>
+        <p:txBody>
+          <a:bodyPr anchorCtr="0" anchor="t" bIns="91425" lIns="91425" spcFirstLastPara="1" rIns="91425" wrap="square" tIns="91425">
+            <a:noAutofit/>
+          </a:bodyPr>
+          <a:lstStyle/>
+          <a:p>
+            <a:pPr indent="0" lvl="0" marL="0" rtl="0" algn="ctr">
+              <a:spcBef>
+                <a:spcPts val="0"/>
+              </a:spcBef>
+              <a:spcAft>
+                <a:spcPts val="1200"/>
+              </a:spcAft>
+              <a:buNone/>
+            </a:pPr>
             <a:r>
               <a:rPr lang="en" sz="1000"/>
-              <a:t>croît</a:t>
-            </a:r>
-            <a:r>
-              <a:rPr lang="en" sz="1000"/>
-              <a:t> </a:t>
-            </a:r>
-            <a:r>
-              <a:rPr lang="en" sz="1000"/>
-              <a:t>légèrement</a:t>
-            </a:r>
-            <a:r>
-              <a:rPr lang="en" sz="1000"/>
-              <a:t> indiquant qu’une segmentation en 3 segments est moins pertinente sur le </a:t>
-            </a:r>
-            <a:r>
-              <a:rPr lang="en" sz="1000"/>
-              <a:t>deuxième</a:t>
-            </a:r>
-            <a:r>
-              <a:rPr lang="en" sz="1000"/>
-              <a:t> jeu de </a:t>
-            </a:r>
-            <a:r>
-              <a:rPr lang="en" sz="1000"/>
-              <a:t>données</a:t>
-            </a:r>
-            <a:r>
-              <a:rPr lang="en" sz="1000"/>
-              <a:t>.</a:t>
+              <a:t>Moyenne totale = 0.85</a:t>
             </a:r>
             <a:endParaRPr sz="1000"/>
           </a:p>
-          <a:p>
-            <a:pPr indent="-292100" lvl="0" marL="457200" rtl="0" algn="l">
-              <a:spcBef>
-                <a:spcPts val="0"/>
-              </a:spcBef>
-              <a:spcAft>
-                <a:spcPts val="0"/>
-              </a:spcAft>
-              <a:buSzPts val="1000"/>
-              <a:buAutoNum type="arabicPeriod"/>
-            </a:pPr>
-            <a:r>
-              <a:rPr lang="en" sz="1000"/>
-              <a:t>La chute importante du ARI est, cependant, une indication que la segmentation est nettement moins stable sur 12 mois.</a:t>
-            </a:r>
-            <a:endParaRPr sz="1000"/>
+        </p:txBody>
+      </p:sp>
+    </p:spTree>
+  </p:cSld>
+  <p:clrMapOvr>
+    <a:masterClrMapping/>
+  </p:clrMapOvr>
+</p:sld>
+</file>
+
+<file path=ppt/slides/slide12.xml><?xml version="1.0" encoding="utf-8"?>
+<p:sld xmlns:a="http://schemas.openxmlformats.org/drawingml/2006/main" xmlns:r="http://schemas.openxmlformats.org/officeDocument/2006/relationships" xmlns:mc="http://schemas.openxmlformats.org/markup-compatibility/2006" xmlns:mv="urn:schemas-microsoft-com:mac:vml" xmlns:p="http://schemas.openxmlformats.org/presentationml/2006/main" xmlns:c="http://schemas.openxmlformats.org/drawingml/2006/chart" xmlns:dgm="http://schemas.openxmlformats.org/drawingml/2006/diagram" xmlns:o="urn:schemas-microsoft-com:office:office" xmlns:v="urn:schemas-microsoft-com:vml" xmlns:pvml="urn:schemas-microsoft-com:office:powerpoint" xmlns:com="http://schemas.openxmlformats.org/drawingml/2006/compatibility" xmlns:p14="http://schemas.microsoft.com/office/powerpoint/2010/main" xmlns:p15="http://schemas.microsoft.com/office/powerpoint/2012/main" xmlns:ahyp="http://schemas.microsoft.com/office/drawing/2018/hyperlinkcolor">
+  <p:cSld>
+    <p:spTree>
+      <p:nvGrpSpPr>
+        <p:cNvPr id="177" name="Shape 177"/>
+        <p:cNvGrpSpPr/>
+        <p:nvPr/>
+      </p:nvGrpSpPr>
+      <p:grpSpPr>
+        <a:xfrm>
+          <a:off x="0" y="0"/>
+          <a:ext cx="0" cy="0"/>
+          <a:chOff x="0" y="0"/>
+          <a:chExt cx="0" cy="0"/>
+        </a:xfrm>
+      </p:grpSpPr>
+      <p:sp>
+        <p:nvSpPr>
+          <p:cNvPr id="178" name="Google Shape;178;p24"/>
+          <p:cNvSpPr txBox="1"/>
+          <p:nvPr>
+            <p:ph type="title"/>
+          </p:nvPr>
+        </p:nvSpPr>
+        <p:spPr>
+          <a:xfrm>
+            <a:off x="311700" y="292850"/>
+            <a:ext cx="8520600" cy="801000"/>
+          </a:xfrm>
+          <a:prstGeom prst="rect">
+            <a:avLst/>
+          </a:prstGeom>
+        </p:spPr>
+        <p:txBody>
+          <a:bodyPr anchorCtr="0" anchor="t" bIns="91425" lIns="91425" spcFirstLastPara="1" rIns="91425" wrap="square" tIns="91425">
+            <a:normAutofit fontScale="90000"/>
+          </a:bodyPr>
+          <a:lstStyle/>
+          <a:p>
+            <a:pPr indent="0" lvl="0" marL="0" rtl="0" algn="l">
+              <a:spcBef>
+                <a:spcPts val="0"/>
+              </a:spcBef>
+              <a:spcAft>
+                <a:spcPts val="0"/>
+              </a:spcAft>
+              <a:buNone/>
+            </a:pPr>
+            <a:r>
+              <a:rPr lang="en"/>
+              <a:t>Résultats de stabilité sur 6 mois (</a:t>
+            </a:r>
+            <a:r>
+              <a:rPr lang="en"/>
+              <a:t>1/2</a:t>
+            </a:r>
+            <a:r>
+              <a:rPr lang="en"/>
+              <a:t>)</a:t>
+            </a:r>
+            <a:endParaRPr/>
           </a:p>
         </p:txBody>
       </p:sp>
       <p:sp>
         <p:nvSpPr>
-          <p:cNvPr id="165" name="Google Shape;165;p22"/>
+          <p:cNvPr id="179" name="Google Shape;179;p24"/>
+          <p:cNvSpPr txBox="1"/>
+          <p:nvPr>
+            <p:ph idx="1" type="body"/>
+          </p:nvPr>
+        </p:nvSpPr>
+        <p:spPr>
+          <a:xfrm>
+            <a:off x="4404250" y="1566400"/>
+            <a:ext cx="3697200" cy="2442900"/>
+          </a:xfrm>
+          <a:prstGeom prst="rect">
+            <a:avLst/>
+          </a:prstGeom>
+        </p:spPr>
+        <p:txBody>
+          <a:bodyPr anchorCtr="0" anchor="t" bIns="91425" lIns="91425" spcFirstLastPara="1" rIns="91425" wrap="square" tIns="91425">
+            <a:noAutofit/>
+          </a:bodyPr>
+          <a:lstStyle/>
+          <a:p>
+            <a:pPr indent="0" lvl="0" marL="0" rtl="0" algn="l">
+              <a:spcBef>
+                <a:spcPts val="0"/>
+              </a:spcBef>
+              <a:spcAft>
+                <a:spcPts val="0"/>
+              </a:spcAft>
+              <a:buNone/>
+            </a:pPr>
+            <a:r>
+              <a:rPr lang="en" sz="1000"/>
+              <a:t>Pour s’assurer de la pertinence des mesures, la </a:t>
+            </a:r>
+            <a:r>
+              <a:rPr lang="en" sz="1000"/>
+              <a:t>stabilité</a:t>
+            </a:r>
+            <a:r>
+              <a:rPr lang="en" sz="1000"/>
+              <a:t> est </a:t>
+            </a:r>
+            <a:r>
+              <a:rPr lang="en" sz="1000"/>
+              <a:t>moyennée</a:t>
+            </a:r>
+            <a:r>
+              <a:rPr lang="en" sz="1000"/>
+              <a:t> sur 50 essais successifs en changeant la valeur seed a chaque </a:t>
+            </a:r>
+            <a:r>
+              <a:rPr lang="en" sz="1000"/>
+              <a:t>itération</a:t>
+            </a:r>
+            <a:r>
+              <a:rPr lang="en" sz="1000"/>
+              <a:t>. </a:t>
+            </a:r>
+            <a:r>
+              <a:rPr b="1" lang="en" sz="1000">
+                <a:solidFill>
+                  <a:schemeClr val="dk1"/>
+                </a:solidFill>
+              </a:rPr>
+              <a:t>Le nombre de segments a été défini à 6</a:t>
+            </a:r>
+            <a:r>
+              <a:rPr lang="en" sz="1000"/>
+              <a:t> (sur une possibilité de 3 à 8) et donne la meilleure performance selon le score Davies-Bouldin.</a:t>
+            </a:r>
+            <a:endParaRPr sz="1000"/>
+          </a:p>
+          <a:p>
+            <a:pPr indent="-292100" lvl="0" marL="457200" rtl="0" algn="l">
+              <a:spcBef>
+                <a:spcPts val="1200"/>
+              </a:spcBef>
+              <a:spcAft>
+                <a:spcPts val="0"/>
+              </a:spcAft>
+              <a:buSzPts val="1000"/>
+              <a:buAutoNum type="arabicPeriod"/>
+            </a:pPr>
+            <a:r>
+              <a:rPr lang="en" sz="1000"/>
+              <a:t>La qualite de la segmentation, mesuree par le score Davies-Bouldin, decroit legerement chronologiquement, indiquant que le nombre de segments clients ne represente plus aussi fidelement la base client au fur et à mesure du temps.</a:t>
+            </a:r>
+            <a:endParaRPr sz="1000"/>
+          </a:p>
+          <a:p>
+            <a:pPr indent="-292100" lvl="0" marL="457200" rtl="0" algn="l">
+              <a:spcBef>
+                <a:spcPts val="0"/>
+              </a:spcBef>
+              <a:spcAft>
+                <a:spcPts val="0"/>
+              </a:spcAft>
+              <a:buSzPts val="1000"/>
+              <a:buAutoNum type="arabicPeriod"/>
+            </a:pPr>
+            <a:r>
+              <a:rPr lang="en" sz="1000"/>
+              <a:t>L'évolution</a:t>
+            </a:r>
+            <a:r>
+              <a:rPr lang="en" sz="1000"/>
+              <a:t> du ARI score ne montre pas de tendance </a:t>
+            </a:r>
+            <a:r>
+              <a:rPr lang="en" sz="1000"/>
+              <a:t>définitive</a:t>
+            </a:r>
+            <a:r>
+              <a:rPr lang="en" sz="1000"/>
+              <a:t> mais a minima un </a:t>
+            </a:r>
+            <a:r>
+              <a:rPr lang="en" sz="1000"/>
+              <a:t>instabilité</a:t>
+            </a:r>
+            <a:r>
+              <a:rPr lang="en" sz="1000"/>
+              <a:t> temporelle.</a:t>
+            </a:r>
+            <a:endParaRPr sz="1000"/>
+          </a:p>
+        </p:txBody>
+      </p:sp>
+      <p:sp>
+        <p:nvSpPr>
+          <p:cNvPr id="180" name="Google Shape;180;p24"/>
           <p:cNvSpPr txBox="1"/>
           <p:nvPr>
             <p:ph idx="1" type="body"/>
@@ -7595,7 +8768,19 @@
                 <a:cs typeface="Amatic SC"/>
                 <a:sym typeface="Amatic SC"/>
               </a:rPr>
-              <a:t>Evolution des metrics par jeu de données</a:t>
+              <a:t>Evolution des metrics par jeu de </a:t>
+            </a:r>
+            <a:r>
+              <a:rPr b="1" lang="en" sz="4200">
+                <a:solidFill>
+                  <a:schemeClr val="accent1"/>
+                </a:solidFill>
+                <a:latin typeface="Amatic SC"/>
+                <a:ea typeface="Amatic SC"/>
+                <a:cs typeface="Amatic SC"/>
+                <a:sym typeface="Amatic SC"/>
+              </a:rPr>
+              <a:t>données</a:t>
             </a:r>
             <a:endParaRPr b="1">
               <a:solidFill>
@@ -7607,7 +8792,288 @@
       </p:sp>
       <p:pic>
         <p:nvPicPr>
-          <p:cNvPr id="166" name="Google Shape;166;p22"/>
+          <p:cNvPr id="181" name="Google Shape;181;p24"/>
+          <p:cNvPicPr preferRelativeResize="0"/>
+          <p:nvPr/>
+        </p:nvPicPr>
+        <p:blipFill>
+          <a:blip r:embed="rId3">
+            <a:alphaModFix/>
+          </a:blip>
+          <a:stretch>
+            <a:fillRect/>
+          </a:stretch>
+        </p:blipFill>
+        <p:spPr>
+          <a:xfrm>
+            <a:off x="496925" y="1877150"/>
+            <a:ext cx="3257550" cy="2152650"/>
+          </a:xfrm>
+          <a:prstGeom prst="rect">
+            <a:avLst/>
+          </a:prstGeom>
+          <a:noFill/>
+          <a:ln>
+            <a:noFill/>
+          </a:ln>
+        </p:spPr>
+      </p:pic>
+    </p:spTree>
+  </p:cSld>
+  <p:clrMapOvr>
+    <a:masterClrMapping/>
+  </p:clrMapOvr>
+</p:sld>
+</file>
+
+<file path=ppt/slides/slide13.xml><?xml version="1.0" encoding="utf-8"?>
+<p:sld xmlns:a="http://schemas.openxmlformats.org/drawingml/2006/main" xmlns:r="http://schemas.openxmlformats.org/officeDocument/2006/relationships" xmlns:mc="http://schemas.openxmlformats.org/markup-compatibility/2006" xmlns:mv="urn:schemas-microsoft-com:mac:vml" xmlns:p="http://schemas.openxmlformats.org/presentationml/2006/main" xmlns:c="http://schemas.openxmlformats.org/drawingml/2006/chart" xmlns:dgm="http://schemas.openxmlformats.org/drawingml/2006/diagram" xmlns:o="urn:schemas-microsoft-com:office:office" xmlns:v="urn:schemas-microsoft-com:vml" xmlns:pvml="urn:schemas-microsoft-com:office:powerpoint" xmlns:com="http://schemas.openxmlformats.org/drawingml/2006/compatibility" xmlns:p14="http://schemas.microsoft.com/office/powerpoint/2010/main" xmlns:p15="http://schemas.microsoft.com/office/powerpoint/2012/main" xmlns:ahyp="http://schemas.microsoft.com/office/drawing/2018/hyperlinkcolor">
+  <p:cSld>
+    <p:spTree>
+      <p:nvGrpSpPr>
+        <p:cNvPr id="185" name="Shape 185"/>
+        <p:cNvGrpSpPr/>
+        <p:nvPr/>
+      </p:nvGrpSpPr>
+      <p:grpSpPr>
+        <a:xfrm>
+          <a:off x="0" y="0"/>
+          <a:ext cx="0" cy="0"/>
+          <a:chOff x="0" y="0"/>
+          <a:chExt cx="0" cy="0"/>
+        </a:xfrm>
+      </p:grpSpPr>
+      <p:sp>
+        <p:nvSpPr>
+          <p:cNvPr id="186" name="Google Shape;186;p25"/>
+          <p:cNvSpPr txBox="1"/>
+          <p:nvPr>
+            <p:ph type="title"/>
+          </p:nvPr>
+        </p:nvSpPr>
+        <p:spPr>
+          <a:xfrm>
+            <a:off x="311700" y="292850"/>
+            <a:ext cx="8520600" cy="801000"/>
+          </a:xfrm>
+          <a:prstGeom prst="rect">
+            <a:avLst/>
+          </a:prstGeom>
+        </p:spPr>
+        <p:txBody>
+          <a:bodyPr anchorCtr="0" anchor="t" bIns="91425" lIns="91425" spcFirstLastPara="1" rIns="91425" wrap="square" tIns="91425">
+            <a:normAutofit fontScale="90000"/>
+          </a:bodyPr>
+          <a:lstStyle/>
+          <a:p>
+            <a:pPr indent="0" lvl="0" marL="0" rtl="0" algn="l">
+              <a:spcBef>
+                <a:spcPts val="0"/>
+              </a:spcBef>
+              <a:spcAft>
+                <a:spcPts val="0"/>
+              </a:spcAft>
+              <a:buNone/>
+            </a:pPr>
+            <a:r>
+              <a:rPr lang="en"/>
+              <a:t>Résultats de stabilité sur 12 mois (2/2)</a:t>
+            </a:r>
+            <a:endParaRPr/>
+          </a:p>
+        </p:txBody>
+      </p:sp>
+      <p:sp>
+        <p:nvSpPr>
+          <p:cNvPr id="187" name="Google Shape;187;p25"/>
+          <p:cNvSpPr txBox="1"/>
+          <p:nvPr>
+            <p:ph idx="1" type="body"/>
+          </p:nvPr>
+        </p:nvSpPr>
+        <p:spPr>
+          <a:xfrm>
+            <a:off x="4404250" y="1566400"/>
+            <a:ext cx="3697200" cy="2442900"/>
+          </a:xfrm>
+          <a:prstGeom prst="rect">
+            <a:avLst/>
+          </a:prstGeom>
+        </p:spPr>
+        <p:txBody>
+          <a:bodyPr anchorCtr="0" anchor="t" bIns="91425" lIns="91425" spcFirstLastPara="1" rIns="91425" wrap="square" tIns="91425">
+            <a:noAutofit/>
+          </a:bodyPr>
+          <a:lstStyle/>
+          <a:p>
+            <a:pPr indent="0" lvl="0" marL="0" rtl="0" algn="l">
+              <a:spcBef>
+                <a:spcPts val="0"/>
+              </a:spcBef>
+              <a:spcAft>
+                <a:spcPts val="0"/>
+              </a:spcAft>
+              <a:buNone/>
+            </a:pPr>
+            <a:r>
+              <a:rPr lang="en" sz="1000"/>
+              <a:t>Afin de vérifier si la stabilité augmente en prenant des données plus éparpillées dans le temps, on procède à la même analyse sur deux jeux de données sur 12 mois mais à partir de </a:t>
+            </a:r>
+            <a:r>
+              <a:rPr b="1" lang="en" sz="1000">
+                <a:solidFill>
+                  <a:schemeClr val="dk1"/>
+                </a:solidFill>
+              </a:rPr>
+              <a:t>3 segments</a:t>
+            </a:r>
+            <a:r>
+              <a:rPr lang="en" sz="1000"/>
+              <a:t> uniquement (selon le score Davies-Bouldin sur la première période).</a:t>
+            </a:r>
+            <a:endParaRPr sz="1000"/>
+          </a:p>
+          <a:p>
+            <a:pPr indent="-292100" lvl="0" marL="457200" rtl="0" algn="l">
+              <a:spcBef>
+                <a:spcPts val="1200"/>
+              </a:spcBef>
+              <a:spcAft>
+                <a:spcPts val="0"/>
+              </a:spcAft>
+              <a:buSzPts val="1000"/>
+              <a:buAutoNum type="arabicPeriod"/>
+            </a:pPr>
+            <a:r>
+              <a:rPr lang="en" sz="1000"/>
+              <a:t>Le score Davies-Bouldin </a:t>
+            </a:r>
+            <a:r>
+              <a:rPr lang="en" sz="1000"/>
+              <a:t>croît</a:t>
+            </a:r>
+            <a:r>
+              <a:rPr lang="en" sz="1000"/>
+              <a:t> </a:t>
+            </a:r>
+            <a:r>
+              <a:rPr lang="en" sz="1000"/>
+              <a:t>légèrement</a:t>
+            </a:r>
+            <a:r>
+              <a:rPr lang="en" sz="1000"/>
+              <a:t> indiquant qu’une segmentation en 3 segments est moins pertinente sur le </a:t>
+            </a:r>
+            <a:r>
+              <a:rPr lang="en" sz="1000"/>
+              <a:t>deuxième</a:t>
+            </a:r>
+            <a:r>
+              <a:rPr lang="en" sz="1000"/>
+              <a:t> jeu de </a:t>
+            </a:r>
+            <a:r>
+              <a:rPr lang="en" sz="1000"/>
+              <a:t>données</a:t>
+            </a:r>
+            <a:r>
+              <a:rPr lang="en" sz="1000"/>
+              <a:t>.</a:t>
+            </a:r>
+            <a:endParaRPr sz="1000"/>
+          </a:p>
+          <a:p>
+            <a:pPr indent="-292100" lvl="0" marL="457200" rtl="0" algn="l">
+              <a:spcBef>
+                <a:spcPts val="0"/>
+              </a:spcBef>
+              <a:spcAft>
+                <a:spcPts val="0"/>
+              </a:spcAft>
+              <a:buSzPts val="1000"/>
+              <a:buAutoNum type="arabicPeriod"/>
+            </a:pPr>
+            <a:r>
+              <a:rPr lang="en" sz="1000"/>
+              <a:t>La </a:t>
+            </a:r>
+            <a:r>
+              <a:rPr b="1" lang="en" sz="1000">
+                <a:solidFill>
+                  <a:schemeClr val="dk1"/>
+                </a:solidFill>
+              </a:rPr>
+              <a:t>chute importante</a:t>
+            </a:r>
+            <a:r>
+              <a:rPr lang="en" sz="1000"/>
+              <a:t> du ARI est, cependant, une indication que la segmentation est nettement moins stable sur 12 mois.</a:t>
+            </a:r>
+            <a:endParaRPr sz="1000"/>
+          </a:p>
+        </p:txBody>
+      </p:sp>
+      <p:sp>
+        <p:nvSpPr>
+          <p:cNvPr id="188" name="Google Shape;188;p25"/>
+          <p:cNvSpPr txBox="1"/>
+          <p:nvPr>
+            <p:ph idx="1" type="body"/>
+          </p:nvPr>
+        </p:nvSpPr>
+        <p:spPr>
+          <a:xfrm>
+            <a:off x="401675" y="1093850"/>
+            <a:ext cx="3352800" cy="478500"/>
+          </a:xfrm>
+          <a:prstGeom prst="rect">
+            <a:avLst/>
+          </a:prstGeom>
+          <a:solidFill>
+            <a:schemeClr val="dk1"/>
+          </a:solidFill>
+        </p:spPr>
+        <p:txBody>
+          <a:bodyPr anchorCtr="0" anchor="t" bIns="91425" lIns="91425" spcFirstLastPara="1" rIns="91425" wrap="square" tIns="91425">
+            <a:normAutofit fontScale="47500" lnSpcReduction="10000"/>
+          </a:bodyPr>
+          <a:lstStyle/>
+          <a:p>
+            <a:pPr indent="0" lvl="0" marL="0" rtl="0" algn="ctr">
+              <a:lnSpc>
+                <a:spcPct val="100000"/>
+              </a:lnSpc>
+              <a:spcBef>
+                <a:spcPts val="0"/>
+              </a:spcBef>
+              <a:spcAft>
+                <a:spcPts val="0"/>
+              </a:spcAft>
+              <a:buNone/>
+            </a:pPr>
+            <a:r>
+              <a:rPr b="1" lang="en" sz="4200">
+                <a:solidFill>
+                  <a:schemeClr val="accent1"/>
+                </a:solidFill>
+                <a:latin typeface="Amatic SC"/>
+                <a:ea typeface="Amatic SC"/>
+                <a:cs typeface="Amatic SC"/>
+                <a:sym typeface="Amatic SC"/>
+              </a:rPr>
+              <a:t>Evolution des metrics par jeu de données</a:t>
+            </a:r>
+            <a:endParaRPr b="1">
+              <a:solidFill>
+                <a:schemeClr val="accent1"/>
+              </a:solidFill>
+            </a:endParaRPr>
+          </a:p>
+        </p:txBody>
+      </p:sp>
+      <p:pic>
+        <p:nvPicPr>
+          <p:cNvPr id="189" name="Google Shape;189;p25"/>
           <p:cNvPicPr preferRelativeResize="0"/>
           <p:nvPr/>
         </p:nvPicPr>
@@ -7641,12 +9107,12 @@
 </p:sld>
 </file>
 
-<file path=ppt/slides/slide11.xml><?xml version="1.0" encoding="utf-8"?>
+<file path=ppt/slides/slide14.xml><?xml version="1.0" encoding="utf-8"?>
 <p:sld xmlns:a="http://schemas.openxmlformats.org/drawingml/2006/main" xmlns:r="http://schemas.openxmlformats.org/officeDocument/2006/relationships" xmlns:mc="http://schemas.openxmlformats.org/markup-compatibility/2006" xmlns:mv="urn:schemas-microsoft-com:mac:vml" xmlns:p="http://schemas.openxmlformats.org/presentationml/2006/main" xmlns:c="http://schemas.openxmlformats.org/drawingml/2006/chart" xmlns:dgm="http://schemas.openxmlformats.org/drawingml/2006/diagram" xmlns:o="urn:schemas-microsoft-com:office:office" xmlns:v="urn:schemas-microsoft-com:vml" xmlns:pvml="urn:schemas-microsoft-com:office:powerpoint" xmlns:com="http://schemas.openxmlformats.org/drawingml/2006/compatibility" xmlns:p14="http://schemas.microsoft.com/office/powerpoint/2010/main" xmlns:p15="http://schemas.microsoft.com/office/powerpoint/2012/main" xmlns:ahyp="http://schemas.microsoft.com/office/drawing/2018/hyperlinkcolor">
   <p:cSld>
     <p:spTree>
       <p:nvGrpSpPr>
-        <p:cNvPr id="170" name="Shape 170"/>
+        <p:cNvPr id="193" name="Shape 193"/>
         <p:cNvGrpSpPr/>
         <p:nvPr/>
       </p:nvGrpSpPr>
@@ -7660,7 +9126,7 @@
       </p:grpSpPr>
       <p:sp>
         <p:nvSpPr>
-          <p:cNvPr id="171" name="Google Shape;171;p23"/>
+          <p:cNvPr id="194" name="Google Shape;194;p26"/>
           <p:cNvSpPr txBox="1"/>
           <p:nvPr>
             <p:ph type="title"/>
@@ -7700,7 +9166,7 @@
       </p:sp>
       <p:sp>
         <p:nvSpPr>
-          <p:cNvPr id="172" name="Google Shape;172;p23"/>
+          <p:cNvPr id="195" name="Google Shape;195;p26"/>
           <p:cNvSpPr txBox="1"/>
           <p:nvPr>
             <p:ph idx="1" type="body"/>
@@ -7844,7 +9310,7 @@
       </p:sp>
       <p:sp>
         <p:nvSpPr>
-          <p:cNvPr id="173" name="Google Shape;173;p23"/>
+          <p:cNvPr id="196" name="Google Shape;196;p26"/>
           <p:cNvSpPr txBox="1"/>
           <p:nvPr>
             <p:ph idx="1" type="body"/>
@@ -7902,7 +9368,7 @@
       </p:sp>
       <p:sp>
         <p:nvSpPr>
-          <p:cNvPr id="174" name="Google Shape;174;p23"/>
+          <p:cNvPr id="197" name="Google Shape;197;p26"/>
           <p:cNvSpPr txBox="1"/>
           <p:nvPr>
             <p:ph idx="1" type="body"/>
@@ -7960,7 +9426,7 @@
       </p:sp>
       <p:sp>
         <p:nvSpPr>
-          <p:cNvPr id="175" name="Google Shape;175;p23"/>
+          <p:cNvPr id="198" name="Google Shape;198;p26"/>
           <p:cNvSpPr txBox="1"/>
           <p:nvPr>
             <p:ph idx="1" type="body"/>
@@ -8075,7 +9541,7 @@
       </p:sp>
       <p:sp>
         <p:nvSpPr>
-          <p:cNvPr id="176" name="Google Shape;176;p23"/>
+          <p:cNvPr id="199" name="Google Shape;199;p26"/>
           <p:cNvSpPr/>
           <p:nvPr/>
         </p:nvSpPr>
@@ -8133,12 +9599,12 @@
 </p:sld>
 </file>
 
-<file path=ppt/slides/slide12.xml><?xml version="1.0" encoding="utf-8"?>
+<file path=ppt/slides/slide15.xml><?xml version="1.0" encoding="utf-8"?>
 <p:sld xmlns:a="http://schemas.openxmlformats.org/drawingml/2006/main" xmlns:r="http://schemas.openxmlformats.org/officeDocument/2006/relationships" xmlns:mc="http://schemas.openxmlformats.org/markup-compatibility/2006" xmlns:mv="urn:schemas-microsoft-com:mac:vml" xmlns:p="http://schemas.openxmlformats.org/presentationml/2006/main" xmlns:c="http://schemas.openxmlformats.org/drawingml/2006/chart" xmlns:dgm="http://schemas.openxmlformats.org/drawingml/2006/diagram" xmlns:o="urn:schemas-microsoft-com:office:office" xmlns:v="urn:schemas-microsoft-com:vml" xmlns:pvml="urn:schemas-microsoft-com:office:powerpoint" xmlns:com="http://schemas.openxmlformats.org/drawingml/2006/compatibility" xmlns:p14="http://schemas.microsoft.com/office/powerpoint/2010/main" xmlns:p15="http://schemas.microsoft.com/office/powerpoint/2012/main" xmlns:ahyp="http://schemas.microsoft.com/office/drawing/2018/hyperlinkcolor">
   <p:cSld>
     <p:spTree>
       <p:nvGrpSpPr>
-        <p:cNvPr id="180" name="Shape 180"/>
+        <p:cNvPr id="203" name="Shape 203"/>
         <p:cNvGrpSpPr/>
         <p:nvPr/>
       </p:nvGrpSpPr>
@@ -8152,7 +9618,342 @@
       </p:grpSpPr>
       <p:sp>
         <p:nvSpPr>
-          <p:cNvPr id="181" name="Google Shape;181;p24"/>
+          <p:cNvPr id="204" name="Google Shape;204;p27"/>
+          <p:cNvSpPr txBox="1"/>
+          <p:nvPr>
+            <p:ph type="title"/>
+          </p:nvPr>
+        </p:nvSpPr>
+        <p:spPr>
+          <a:xfrm>
+            <a:off x="311700" y="292850"/>
+            <a:ext cx="8520600" cy="801000"/>
+          </a:xfrm>
+          <a:prstGeom prst="rect">
+            <a:avLst/>
+          </a:prstGeom>
+        </p:spPr>
+        <p:txBody>
+          <a:bodyPr anchorCtr="0" anchor="t" bIns="91425" lIns="91425" spcFirstLastPara="1" rIns="91425" wrap="square" tIns="91425">
+            <a:normAutofit fontScale="90000"/>
+          </a:bodyPr>
+          <a:lstStyle/>
+          <a:p>
+            <a:pPr indent="0" lvl="0" marL="0" rtl="0" algn="l">
+              <a:spcBef>
+                <a:spcPts val="0"/>
+              </a:spcBef>
+              <a:spcAft>
+                <a:spcPts val="0"/>
+              </a:spcAft>
+              <a:buNone/>
+            </a:pPr>
+            <a:r>
+              <a:rPr lang="en"/>
+              <a:t>Contrat de maintenance</a:t>
+            </a:r>
+            <a:endParaRPr/>
+          </a:p>
+        </p:txBody>
+      </p:sp>
+      <p:sp>
+        <p:nvSpPr>
+          <p:cNvPr id="205" name="Google Shape;205;p27"/>
+          <p:cNvSpPr txBox="1"/>
+          <p:nvPr>
+            <p:ph idx="1" type="body"/>
+          </p:nvPr>
+        </p:nvSpPr>
+        <p:spPr>
+          <a:xfrm>
+            <a:off x="401675" y="1031200"/>
+            <a:ext cx="3475200" cy="478500"/>
+          </a:xfrm>
+          <a:prstGeom prst="rect">
+            <a:avLst/>
+          </a:prstGeom>
+          <a:solidFill>
+            <a:schemeClr val="dk1"/>
+          </a:solidFill>
+        </p:spPr>
+        <p:txBody>
+          <a:bodyPr anchorCtr="0" anchor="t" bIns="91425" lIns="91425" spcFirstLastPara="1" rIns="91425" wrap="square" tIns="91425">
+            <a:normAutofit fontScale="55000" lnSpcReduction="20000"/>
+          </a:bodyPr>
+          <a:lstStyle/>
+          <a:p>
+            <a:pPr indent="0" lvl="0" marL="0" rtl="0" algn="ctr">
+              <a:lnSpc>
+                <a:spcPct val="100000"/>
+              </a:lnSpc>
+              <a:spcBef>
+                <a:spcPts val="0"/>
+              </a:spcBef>
+              <a:spcAft>
+                <a:spcPts val="0"/>
+              </a:spcAft>
+              <a:buNone/>
+            </a:pPr>
+            <a:r>
+              <a:rPr b="1" lang="en" sz="4200">
+                <a:solidFill>
+                  <a:schemeClr val="accent1"/>
+                </a:solidFill>
+                <a:latin typeface="Amatic SC"/>
+                <a:ea typeface="Amatic SC"/>
+                <a:cs typeface="Amatic SC"/>
+                <a:sym typeface="Amatic SC"/>
+              </a:rPr>
+              <a:t>NExt steps</a:t>
+            </a:r>
+            <a:endParaRPr b="1">
+              <a:solidFill>
+                <a:schemeClr val="accent1"/>
+              </a:solidFill>
+            </a:endParaRPr>
+          </a:p>
+        </p:txBody>
+      </p:sp>
+      <p:sp>
+        <p:nvSpPr>
+          <p:cNvPr id="206" name="Google Shape;206;p27"/>
+          <p:cNvSpPr txBox="1"/>
+          <p:nvPr>
+            <p:ph idx="1" type="body"/>
+          </p:nvPr>
+        </p:nvSpPr>
+        <p:spPr>
+          <a:xfrm>
+            <a:off x="4859825" y="1093850"/>
+            <a:ext cx="3475200" cy="478500"/>
+          </a:xfrm>
+          <a:prstGeom prst="rect">
+            <a:avLst/>
+          </a:prstGeom>
+          <a:solidFill>
+            <a:schemeClr val="dk1"/>
+          </a:solidFill>
+        </p:spPr>
+        <p:txBody>
+          <a:bodyPr anchorCtr="0" anchor="t" bIns="91425" lIns="91425" spcFirstLastPara="1" rIns="91425" wrap="square" tIns="91425">
+            <a:normAutofit fontScale="55000" lnSpcReduction="20000"/>
+          </a:bodyPr>
+          <a:lstStyle/>
+          <a:p>
+            <a:pPr indent="0" lvl="0" marL="0" rtl="0" algn="ctr">
+              <a:lnSpc>
+                <a:spcPct val="100000"/>
+              </a:lnSpc>
+              <a:spcBef>
+                <a:spcPts val="0"/>
+              </a:spcBef>
+              <a:spcAft>
+                <a:spcPts val="0"/>
+              </a:spcAft>
+              <a:buNone/>
+            </a:pPr>
+            <a:r>
+              <a:rPr b="1" lang="en" sz="4200">
+                <a:solidFill>
+                  <a:schemeClr val="accent1"/>
+                </a:solidFill>
+                <a:latin typeface="Amatic SC"/>
+                <a:ea typeface="Amatic SC"/>
+                <a:cs typeface="Amatic SC"/>
+                <a:sym typeface="Amatic SC"/>
+              </a:rPr>
+              <a:t>Améliorations</a:t>
+            </a:r>
+            <a:endParaRPr b="1">
+              <a:solidFill>
+                <a:schemeClr val="accent1"/>
+              </a:solidFill>
+            </a:endParaRPr>
+          </a:p>
+        </p:txBody>
+      </p:sp>
+      <p:sp>
+        <p:nvSpPr>
+          <p:cNvPr id="207" name="Google Shape;207;p27"/>
+          <p:cNvSpPr txBox="1"/>
+          <p:nvPr>
+            <p:ph idx="1" type="body"/>
+          </p:nvPr>
+        </p:nvSpPr>
+        <p:spPr>
+          <a:xfrm>
+            <a:off x="4859825" y="1566400"/>
+            <a:ext cx="3475200" cy="2442900"/>
+          </a:xfrm>
+          <a:prstGeom prst="rect">
+            <a:avLst/>
+          </a:prstGeom>
+        </p:spPr>
+        <p:txBody>
+          <a:bodyPr anchorCtr="0" anchor="t" bIns="91425" lIns="91425" spcFirstLastPara="1" rIns="91425" wrap="square" tIns="91425">
+            <a:noAutofit/>
+          </a:bodyPr>
+          <a:lstStyle/>
+          <a:p>
+            <a:pPr indent="-292100" lvl="0" marL="457200" rtl="0" algn="l">
+              <a:spcBef>
+                <a:spcPts val="0"/>
+              </a:spcBef>
+              <a:spcAft>
+                <a:spcPts val="0"/>
+              </a:spcAft>
+              <a:buSzPts val="1000"/>
+              <a:buAutoNum type="arabicPeriod"/>
+            </a:pPr>
+            <a:r>
+              <a:rPr lang="en" sz="1000"/>
+              <a:t>Sélection de données : la catégorie de produits</a:t>
+            </a:r>
+            <a:endParaRPr sz="1000"/>
+          </a:p>
+          <a:p>
+            <a:pPr indent="-292100" lvl="0" marL="457200" rtl="0" algn="l">
+              <a:spcBef>
+                <a:spcPts val="0"/>
+              </a:spcBef>
+              <a:spcAft>
+                <a:spcPts val="0"/>
+              </a:spcAft>
+              <a:buSzPts val="1000"/>
+              <a:buAutoNum type="arabicPeriod"/>
+            </a:pPr>
+            <a:r>
+              <a:rPr lang="en" sz="1000"/>
+              <a:t>Préparation de données : normalisation</a:t>
+            </a:r>
+            <a:endParaRPr sz="1000"/>
+          </a:p>
+          <a:p>
+            <a:pPr indent="-292100" lvl="0" marL="457200" rtl="0" algn="l">
+              <a:spcBef>
+                <a:spcPts val="0"/>
+              </a:spcBef>
+              <a:spcAft>
+                <a:spcPts val="0"/>
+              </a:spcAft>
+              <a:buSzPts val="1000"/>
+              <a:buAutoNum type="arabicPeriod"/>
+            </a:pPr>
+            <a:r>
+              <a:rPr lang="en" sz="1000"/>
+              <a:t>Algorithme de clustering : DBSCAN, Birch</a:t>
+            </a:r>
+            <a:endParaRPr sz="1000"/>
+          </a:p>
+          <a:p>
+            <a:pPr indent="-292100" lvl="0" marL="457200" rtl="0" algn="l">
+              <a:spcBef>
+                <a:spcPts val="0"/>
+              </a:spcBef>
+              <a:spcAft>
+                <a:spcPts val="0"/>
+              </a:spcAft>
+              <a:buSzPts val="1000"/>
+              <a:buAutoNum type="arabicPeriod"/>
+            </a:pPr>
+            <a:r>
+              <a:rPr lang="en" sz="1000"/>
+              <a:t>Outil de prédiction : développement d’une “Class”</a:t>
+            </a:r>
+            <a:r>
+              <a:rPr lang="en" sz="1000"/>
+              <a:t> de prédiction pour les nouveaux clients pour un usage simplifiant</a:t>
+            </a:r>
+            <a:endParaRPr sz="1000"/>
+          </a:p>
+        </p:txBody>
+      </p:sp>
+      <p:sp>
+        <p:nvSpPr>
+          <p:cNvPr id="208" name="Google Shape;208;p27"/>
+          <p:cNvSpPr txBox="1"/>
+          <p:nvPr>
+            <p:ph idx="1" type="body"/>
+          </p:nvPr>
+        </p:nvSpPr>
+        <p:spPr>
+          <a:xfrm>
+            <a:off x="401675" y="1509700"/>
+            <a:ext cx="3475200" cy="2442900"/>
+          </a:xfrm>
+          <a:prstGeom prst="rect">
+            <a:avLst/>
+          </a:prstGeom>
+        </p:spPr>
+        <p:txBody>
+          <a:bodyPr anchorCtr="0" anchor="t" bIns="91425" lIns="91425" spcFirstLastPara="1" rIns="91425" wrap="square" tIns="91425">
+            <a:noAutofit/>
+          </a:bodyPr>
+          <a:lstStyle/>
+          <a:p>
+            <a:pPr indent="-292100" lvl="0" marL="457200" rtl="0" algn="l">
+              <a:spcBef>
+                <a:spcPts val="0"/>
+              </a:spcBef>
+              <a:spcAft>
+                <a:spcPts val="0"/>
+              </a:spcAft>
+              <a:buSzPts val="1000"/>
+              <a:buAutoNum type="arabicPeriod"/>
+            </a:pPr>
+            <a:r>
+              <a:rPr lang="en" sz="1000"/>
+              <a:t>Ré-évaluer la stabilité de la segmentation après l’obtention de plus de données</a:t>
+            </a:r>
+            <a:endParaRPr sz="1000"/>
+          </a:p>
+          <a:p>
+            <a:pPr indent="-292100" lvl="0" marL="457200" rtl="0" algn="l">
+              <a:spcBef>
+                <a:spcPts val="0"/>
+              </a:spcBef>
+              <a:spcAft>
+                <a:spcPts val="0"/>
+              </a:spcAft>
+              <a:buSzPts val="1000"/>
+              <a:buAutoNum type="arabicPeriod"/>
+            </a:pPr>
+            <a:r>
+              <a:rPr lang="en" sz="1000"/>
+              <a:t>Challenger l’impact de la segmentation suite à des actions de marketing</a:t>
+            </a:r>
+            <a:endParaRPr sz="1000"/>
+          </a:p>
+        </p:txBody>
+      </p:sp>
+    </p:spTree>
+  </p:cSld>
+  <p:clrMapOvr>
+    <a:masterClrMapping/>
+  </p:clrMapOvr>
+</p:sld>
+</file>
+
+<file path=ppt/slides/slide16.xml><?xml version="1.0" encoding="utf-8"?>
+<p:sld xmlns:a="http://schemas.openxmlformats.org/drawingml/2006/main" xmlns:r="http://schemas.openxmlformats.org/officeDocument/2006/relationships" xmlns:mc="http://schemas.openxmlformats.org/markup-compatibility/2006" xmlns:mv="urn:schemas-microsoft-com:mac:vml" xmlns:p="http://schemas.openxmlformats.org/presentationml/2006/main" xmlns:c="http://schemas.openxmlformats.org/drawingml/2006/chart" xmlns:dgm="http://schemas.openxmlformats.org/drawingml/2006/diagram" xmlns:o="urn:schemas-microsoft-com:office:office" xmlns:v="urn:schemas-microsoft-com:vml" xmlns:pvml="urn:schemas-microsoft-com:office:powerpoint" xmlns:com="http://schemas.openxmlformats.org/drawingml/2006/compatibility" xmlns:p14="http://schemas.microsoft.com/office/powerpoint/2010/main" xmlns:p15="http://schemas.microsoft.com/office/powerpoint/2012/main" xmlns:ahyp="http://schemas.microsoft.com/office/drawing/2018/hyperlinkcolor">
+  <p:cSld>
+    <p:spTree>
+      <p:nvGrpSpPr>
+        <p:cNvPr id="212" name="Shape 212"/>
+        <p:cNvGrpSpPr/>
+        <p:nvPr/>
+      </p:nvGrpSpPr>
+      <p:grpSpPr>
+        <a:xfrm>
+          <a:off x="0" y="0"/>
+          <a:ext cx="0" cy="0"/>
+          <a:chOff x="0" y="0"/>
+          <a:chExt cx="0" cy="0"/>
+        </a:xfrm>
+      </p:grpSpPr>
+      <p:sp>
+        <p:nvSpPr>
+          <p:cNvPr id="213" name="Google Shape;213;p28"/>
           <p:cNvSpPr txBox="1"/>
           <p:nvPr>
             <p:ph type="title"/>
@@ -8691,7 +10492,7 @@
           </a:bodyPr>
           <a:lstStyle/>
           <a:p>
-            <a:pPr indent="0" lvl="0" marL="0" rtl="0" algn="r">
+            <a:pPr indent="0" lvl="0" marL="0" rtl="0" algn="l">
               <a:spcBef>
                 <a:spcPts val="0"/>
               </a:spcBef>
@@ -8708,16 +10509,23 @@
           </a:p>
         </p:txBody>
       </p:sp>
-      <p:sp>
-        <p:nvSpPr>
+      <p:pic>
+        <p:nvPicPr>
           <p:cNvPr id="76" name="Google Shape;76;p16"/>
-          <p:cNvSpPr txBox="1"/>
+          <p:cNvPicPr preferRelativeResize="0"/>
           <p:nvPr/>
-        </p:nvSpPr>
+        </p:nvPicPr>
+        <p:blipFill rotWithShape="1">
+          <a:blip r:embed="rId3">
+            <a:alphaModFix/>
+          </a:blip>
+          <a:srcRect b="10008" l="12920" r="10714" t="12164"/>
+          <a:stretch/>
+        </p:blipFill>
         <p:spPr>
           <a:xfrm>
-            <a:off x="4834375" y="1554375"/>
-            <a:ext cx="4322100" cy="1901700"/>
+            <a:off x="4333975" y="2033775"/>
+            <a:ext cx="1872250" cy="1106675"/>
           </a:xfrm>
           <a:prstGeom prst="rect">
             <a:avLst/>
@@ -8727,557 +10535,7 @@
             <a:noFill/>
           </a:ln>
         </p:spPr>
-        <p:txBody>
-          <a:bodyPr anchorCtr="0" anchor="t" bIns="91425" lIns="91425" spcFirstLastPara="1" rIns="91425" wrap="square" tIns="91425">
-            <a:spAutoFit/>
-          </a:bodyPr>
-          <a:lstStyle/>
-          <a:p>
-            <a:pPr indent="0" lvl="0" marL="0" rtl="0" algn="l">
-              <a:lnSpc>
-                <a:spcPct val="115000"/>
-              </a:lnSpc>
-              <a:spcBef>
-                <a:spcPts val="0"/>
-              </a:spcBef>
-              <a:spcAft>
-                <a:spcPts val="0"/>
-              </a:spcAft>
-              <a:buNone/>
-            </a:pPr>
-            <a:r>
-              <a:rPr lang="en" sz="750">
-                <a:solidFill>
-                  <a:schemeClr val="dk2"/>
-                </a:solidFill>
-                <a:highlight>
-                  <a:srgbClr val="FFFFFF"/>
-                </a:highlight>
-                <a:latin typeface="Source Code Pro"/>
-                <a:ea typeface="Source Code Pro"/>
-                <a:cs typeface="Source Code Pro"/>
-                <a:sym typeface="Source Code Pro"/>
-              </a:rPr>
-              <a:t>Préparation d gardons donc les colonnes avec les types suivantes :</a:t>
-            </a:r>
-            <a:endParaRPr sz="750">
-              <a:solidFill>
-                <a:schemeClr val="dk2"/>
-              </a:solidFill>
-              <a:highlight>
-                <a:srgbClr val="FFFFFF"/>
-              </a:highlight>
-              <a:latin typeface="Source Code Pro"/>
-              <a:ea typeface="Source Code Pro"/>
-              <a:cs typeface="Source Code Pro"/>
-              <a:sym typeface="Source Code Pro"/>
-            </a:endParaRPr>
-          </a:p>
-          <a:p>
-            <a:pPr indent="-276225" lvl="0" marL="457200" rtl="0" algn="l">
-              <a:lnSpc>
-                <a:spcPct val="115000"/>
-              </a:lnSpc>
-              <a:spcBef>
-                <a:spcPts val="1100"/>
-              </a:spcBef>
-              <a:spcAft>
-                <a:spcPts val="0"/>
-              </a:spcAft>
-              <a:buClr>
-                <a:schemeClr val="dk2"/>
-              </a:buClr>
-              <a:buSzPts val="750"/>
-              <a:buFont typeface="Source Code Pro"/>
-              <a:buChar char="●"/>
-            </a:pPr>
-            <a:r>
-              <a:rPr lang="en" sz="750">
-                <a:solidFill>
-                  <a:schemeClr val="dk2"/>
-                </a:solidFill>
-                <a:highlight>
-                  <a:srgbClr val="FFFFFF"/>
-                </a:highlight>
-                <a:latin typeface="Source Code Pro"/>
-                <a:ea typeface="Source Code Pro"/>
-                <a:cs typeface="Source Code Pro"/>
-                <a:sym typeface="Source Code Pro"/>
-              </a:rPr>
-              <a:t> nb_purchases                99441 non-null  int64  </a:t>
-            </a:r>
-            <a:endParaRPr sz="750">
-              <a:solidFill>
-                <a:schemeClr val="dk2"/>
-              </a:solidFill>
-              <a:highlight>
-                <a:srgbClr val="FFFFFF"/>
-              </a:highlight>
-              <a:latin typeface="Source Code Pro"/>
-              <a:ea typeface="Source Code Pro"/>
-              <a:cs typeface="Source Code Pro"/>
-              <a:sym typeface="Source Code Pro"/>
-            </a:endParaRPr>
-          </a:p>
-          <a:p>
-            <a:pPr indent="-276225" lvl="0" marL="457200" rtl="0" algn="l">
-              <a:lnSpc>
-                <a:spcPct val="115000"/>
-              </a:lnSpc>
-              <a:spcBef>
-                <a:spcPts val="0"/>
-              </a:spcBef>
-              <a:spcAft>
-                <a:spcPts val="0"/>
-              </a:spcAft>
-              <a:buClr>
-                <a:schemeClr val="dk2"/>
-              </a:buClr>
-              <a:buSzPts val="750"/>
-              <a:buFont typeface="Source Code Pro"/>
-              <a:buChar char="●"/>
-            </a:pPr>
-            <a:r>
-              <a:rPr lang="en" sz="750">
-                <a:solidFill>
-                  <a:schemeClr val="dk2"/>
-                </a:solidFill>
-                <a:highlight>
-                  <a:srgbClr val="FFFFFF"/>
-                </a:highlight>
-                <a:latin typeface="Source Code Pro"/>
-                <a:ea typeface="Source Code Pro"/>
-                <a:cs typeface="Source Code Pro"/>
-                <a:sym typeface="Source Code Pro"/>
-              </a:rPr>
-              <a:t> average_payment_value       99440 non-null  float64</a:t>
-            </a:r>
-            <a:endParaRPr sz="750">
-              <a:solidFill>
-                <a:schemeClr val="dk2"/>
-              </a:solidFill>
-              <a:highlight>
-                <a:srgbClr val="FFFFFF"/>
-              </a:highlight>
-              <a:latin typeface="Source Code Pro"/>
-              <a:ea typeface="Source Code Pro"/>
-              <a:cs typeface="Source Code Pro"/>
-              <a:sym typeface="Source Code Pro"/>
-            </a:endParaRPr>
-          </a:p>
-          <a:p>
-            <a:pPr indent="-276225" lvl="0" marL="457200" rtl="0" algn="l">
-              <a:lnSpc>
-                <a:spcPct val="115000"/>
-              </a:lnSpc>
-              <a:spcBef>
-                <a:spcPts val="0"/>
-              </a:spcBef>
-              <a:spcAft>
-                <a:spcPts val="0"/>
-              </a:spcAft>
-              <a:buClr>
-                <a:schemeClr val="dk2"/>
-              </a:buClr>
-              <a:buSzPts val="750"/>
-              <a:buFont typeface="Source Code Pro"/>
-              <a:buChar char="●"/>
-            </a:pPr>
-            <a:r>
-              <a:rPr lang="en" sz="750">
-                <a:solidFill>
-                  <a:schemeClr val="dk2"/>
-                </a:solidFill>
-                <a:highlight>
-                  <a:srgbClr val="FFFFFF"/>
-                </a:highlight>
-                <a:latin typeface="Source Code Pro"/>
-                <a:ea typeface="Source Code Pro"/>
-                <a:cs typeface="Source Code Pro"/>
-                <a:sym typeface="Source Code Pro"/>
-              </a:rPr>
-              <a:t> total_payment_value         99441 non-null  float64</a:t>
-            </a:r>
-            <a:endParaRPr sz="750">
-              <a:solidFill>
-                <a:schemeClr val="dk2"/>
-              </a:solidFill>
-              <a:highlight>
-                <a:srgbClr val="FFFFFF"/>
-              </a:highlight>
-              <a:latin typeface="Source Code Pro"/>
-              <a:ea typeface="Source Code Pro"/>
-              <a:cs typeface="Source Code Pro"/>
-              <a:sym typeface="Source Code Pro"/>
-            </a:endParaRPr>
-          </a:p>
-          <a:p>
-            <a:pPr indent="-276225" lvl="0" marL="457200" rtl="0" algn="l">
-              <a:lnSpc>
-                <a:spcPct val="115000"/>
-              </a:lnSpc>
-              <a:spcBef>
-                <a:spcPts val="0"/>
-              </a:spcBef>
-              <a:spcAft>
-                <a:spcPts val="0"/>
-              </a:spcAft>
-              <a:buClr>
-                <a:schemeClr val="dk2"/>
-              </a:buClr>
-              <a:buSzPts val="750"/>
-              <a:buFont typeface="Source Code Pro"/>
-              <a:buChar char="●"/>
-            </a:pPr>
-            <a:r>
-              <a:rPr lang="en" sz="750">
-                <a:solidFill>
-                  <a:schemeClr val="dk2"/>
-                </a:solidFill>
-                <a:highlight>
-                  <a:srgbClr val="FFFFFF"/>
-                </a:highlight>
-                <a:latin typeface="Source Code Pro"/>
-                <a:ea typeface="Source Code Pro"/>
-                <a:cs typeface="Source Code Pro"/>
-                <a:sym typeface="Source Code Pro"/>
-              </a:rPr>
-              <a:t> preferred_product_category  97250 non-null  object </a:t>
-            </a:r>
-            <a:endParaRPr sz="750">
-              <a:solidFill>
-                <a:schemeClr val="dk2"/>
-              </a:solidFill>
-              <a:highlight>
-                <a:srgbClr val="FFFFFF"/>
-              </a:highlight>
-              <a:latin typeface="Source Code Pro"/>
-              <a:ea typeface="Source Code Pro"/>
-              <a:cs typeface="Source Code Pro"/>
-              <a:sym typeface="Source Code Pro"/>
-            </a:endParaRPr>
-          </a:p>
-          <a:p>
-            <a:pPr indent="-276225" lvl="0" marL="457200" rtl="0" algn="l">
-              <a:lnSpc>
-                <a:spcPct val="115000"/>
-              </a:lnSpc>
-              <a:spcBef>
-                <a:spcPts val="0"/>
-              </a:spcBef>
-              <a:spcAft>
-                <a:spcPts val="0"/>
-              </a:spcAft>
-              <a:buClr>
-                <a:schemeClr val="dk2"/>
-              </a:buClr>
-              <a:buSzPts val="750"/>
-              <a:buFont typeface="Source Code Pro"/>
-              <a:buChar char="●"/>
-            </a:pPr>
-            <a:r>
-              <a:rPr lang="en" sz="750">
-                <a:solidFill>
-                  <a:schemeClr val="dk2"/>
-                </a:solidFill>
-                <a:highlight>
-                  <a:srgbClr val="FFFFFF"/>
-                </a:highlight>
-                <a:latin typeface="Source Code Pro"/>
-                <a:ea typeface="Source Code Pro"/>
-                <a:cs typeface="Source Code Pro"/>
-                <a:sym typeface="Source Code Pro"/>
-              </a:rPr>
-              <a:t> writes_reviews              99441 non-null  bool   </a:t>
-            </a:r>
-            <a:endParaRPr sz="750">
-              <a:solidFill>
-                <a:schemeClr val="dk2"/>
-              </a:solidFill>
-              <a:highlight>
-                <a:srgbClr val="FFFFFF"/>
-              </a:highlight>
-              <a:latin typeface="Source Code Pro"/>
-              <a:ea typeface="Source Code Pro"/>
-              <a:cs typeface="Source Code Pro"/>
-              <a:sym typeface="Source Code Pro"/>
-            </a:endParaRPr>
-          </a:p>
-          <a:p>
-            <a:pPr indent="-276225" lvl="0" marL="457200" rtl="0" algn="l">
-              <a:lnSpc>
-                <a:spcPct val="115000"/>
-              </a:lnSpc>
-              <a:spcBef>
-                <a:spcPts val="0"/>
-              </a:spcBef>
-              <a:spcAft>
-                <a:spcPts val="0"/>
-              </a:spcAft>
-              <a:buClr>
-                <a:schemeClr val="dk2"/>
-              </a:buClr>
-              <a:buSzPts val="750"/>
-              <a:buFont typeface="Source Code Pro"/>
-              <a:buChar char="●"/>
-            </a:pPr>
-            <a:r>
-              <a:rPr lang="en" sz="750">
-                <a:solidFill>
-                  <a:schemeClr val="dk2"/>
-                </a:solidFill>
-                <a:highlight>
-                  <a:srgbClr val="FFFFFF"/>
-                </a:highlight>
-                <a:latin typeface="Source Code Pro"/>
-                <a:ea typeface="Source Code Pro"/>
-                <a:cs typeface="Source Code Pro"/>
-                <a:sym typeface="Source Code Pro"/>
-              </a:rPr>
-              <a:t> writes_titles               99441 non-null  bool   </a:t>
-            </a:r>
-            <a:endParaRPr sz="750">
-              <a:solidFill>
-                <a:schemeClr val="dk2"/>
-              </a:solidFill>
-              <a:highlight>
-                <a:srgbClr val="FFFFFF"/>
-              </a:highlight>
-              <a:latin typeface="Source Code Pro"/>
-              <a:ea typeface="Source Code Pro"/>
-              <a:cs typeface="Source Code Pro"/>
-              <a:sym typeface="Source Code Pro"/>
-            </a:endParaRPr>
-          </a:p>
-          <a:p>
-            <a:pPr indent="-276225" lvl="0" marL="457200" rtl="0" algn="l">
-              <a:lnSpc>
-                <a:spcPct val="115000"/>
-              </a:lnSpc>
-              <a:spcBef>
-                <a:spcPts val="0"/>
-              </a:spcBef>
-              <a:spcAft>
-                <a:spcPts val="0"/>
-              </a:spcAft>
-              <a:buClr>
-                <a:schemeClr val="dk2"/>
-              </a:buClr>
-              <a:buSzPts val="750"/>
-              <a:buFont typeface="Source Code Pro"/>
-              <a:buChar char="●"/>
-            </a:pPr>
-            <a:r>
-              <a:rPr lang="en" sz="750">
-                <a:solidFill>
-                  <a:schemeClr val="dk2"/>
-                </a:solidFill>
-                <a:highlight>
-                  <a:srgbClr val="FFFFFF"/>
-                </a:highlight>
-                <a:latin typeface="Source Code Pro"/>
-                <a:ea typeface="Source Code Pro"/>
-                <a:cs typeface="Source Code Pro"/>
-                <a:sym typeface="Source Code Pro"/>
-              </a:rPr>
-              <a:t> customer_state              99441 non-null  object </a:t>
-            </a:r>
-            <a:endParaRPr sz="750">
-              <a:solidFill>
-                <a:schemeClr val="dk2"/>
-              </a:solidFill>
-              <a:highlight>
-                <a:srgbClr val="FFFFFF"/>
-              </a:highlight>
-              <a:latin typeface="Source Code Pro"/>
-              <a:ea typeface="Source Code Pro"/>
-              <a:cs typeface="Source Code Pro"/>
-              <a:sym typeface="Source Code Pro"/>
-            </a:endParaRPr>
-          </a:p>
-          <a:p>
-            <a:pPr indent="-276225" lvl="0" marL="457200" rtl="0" algn="l">
-              <a:lnSpc>
-                <a:spcPct val="115000"/>
-              </a:lnSpc>
-              <a:spcBef>
-                <a:spcPts val="0"/>
-              </a:spcBef>
-              <a:spcAft>
-                <a:spcPts val="0"/>
-              </a:spcAft>
-              <a:buClr>
-                <a:schemeClr val="dk2"/>
-              </a:buClr>
-              <a:buSzPts val="750"/>
-              <a:buFont typeface="Source Code Pro"/>
-              <a:buChar char="●"/>
-            </a:pPr>
-            <a:r>
-              <a:rPr lang="en" sz="750">
-                <a:solidFill>
-                  <a:schemeClr val="dk2"/>
-                </a:solidFill>
-                <a:highlight>
-                  <a:srgbClr val="FFFFFF"/>
-                </a:highlight>
-                <a:latin typeface="Source Code Pro"/>
-                <a:ea typeface="Source Code Pro"/>
-                <a:cs typeface="Source Code Pro"/>
-                <a:sym typeface="Source Code Pro"/>
-              </a:rPr>
-              <a:t> avg_rev_score               98666 non-null  float64</a:t>
-            </a:r>
-            <a:endParaRPr sz="750">
-              <a:solidFill>
-                <a:schemeClr val="dk2"/>
-              </a:solidFill>
-              <a:highlight>
-                <a:srgbClr val="FFFFFF"/>
-              </a:highlight>
-              <a:latin typeface="Source Code Pro"/>
-              <a:ea typeface="Source Code Pro"/>
-              <a:cs typeface="Source Code Pro"/>
-              <a:sym typeface="Source Code Pro"/>
-            </a:endParaRPr>
-          </a:p>
-          <a:p>
-            <a:pPr indent="-276225" lvl="0" marL="457200" rtl="0" algn="l">
-              <a:lnSpc>
-                <a:spcPct val="115000"/>
-              </a:lnSpc>
-              <a:spcBef>
-                <a:spcPts val="0"/>
-              </a:spcBef>
-              <a:spcAft>
-                <a:spcPts val="0"/>
-              </a:spcAft>
-              <a:buClr>
-                <a:schemeClr val="dk2"/>
-              </a:buClr>
-              <a:buSzPts val="750"/>
-              <a:buFont typeface="Source Code Pro"/>
-              <a:buChar char="●"/>
-            </a:pPr>
-            <a:r>
-              <a:rPr lang="en" sz="750">
-                <a:solidFill>
-                  <a:schemeClr val="dk2"/>
-                </a:solidFill>
-                <a:highlight>
-                  <a:srgbClr val="FFFFFF"/>
-                </a:highlight>
-                <a:latin typeface="Source Code Pro"/>
-                <a:ea typeface="Source Code Pro"/>
-                <a:cs typeface="Source Code Pro"/>
-                <a:sym typeface="Source Code Pro"/>
-              </a:rPr>
-              <a:t> avg_prod_price              98666 non-null  float64</a:t>
-            </a:r>
-            <a:endParaRPr sz="750">
-              <a:solidFill>
-                <a:schemeClr val="dk2"/>
-              </a:solidFill>
-              <a:highlight>
-                <a:srgbClr val="FFFFFF"/>
-              </a:highlight>
-              <a:latin typeface="Source Code Pro"/>
-              <a:ea typeface="Source Code Pro"/>
-              <a:cs typeface="Source Code Pro"/>
-              <a:sym typeface="Source Code Pro"/>
-            </a:endParaRPr>
-          </a:p>
-          <a:p>
-            <a:pPr indent="-276225" lvl="0" marL="457200" rtl="0" algn="l">
-              <a:lnSpc>
-                <a:spcPct val="115000"/>
-              </a:lnSpc>
-              <a:spcBef>
-                <a:spcPts val="0"/>
-              </a:spcBef>
-              <a:spcAft>
-                <a:spcPts val="0"/>
-              </a:spcAft>
-              <a:buClr>
-                <a:schemeClr val="dk2"/>
-              </a:buClr>
-              <a:buSzPts val="750"/>
-              <a:buFont typeface="Source Code Pro"/>
-              <a:buChar char="●"/>
-            </a:pPr>
-            <a:r>
-              <a:rPr lang="en" sz="750">
-                <a:solidFill>
-                  <a:schemeClr val="dk2"/>
-                </a:solidFill>
-                <a:highlight>
-                  <a:srgbClr val="FFFFFF"/>
-                </a:highlight>
-                <a:latin typeface="Source Code Pro"/>
-                <a:ea typeface="Source Code Pro"/>
-                <a:cs typeface="Source Code Pro"/>
-                <a:sym typeface="Source Code Pro"/>
-              </a:rPr>
-              <a:t> preferred_payment_method    99440 non-null  object </a:t>
-            </a:r>
-            <a:endParaRPr sz="750">
-              <a:solidFill>
-                <a:schemeClr val="dk2"/>
-              </a:solidFill>
-              <a:highlight>
-                <a:srgbClr val="FFFFFF"/>
-              </a:highlight>
-              <a:latin typeface="Source Code Pro"/>
-              <a:ea typeface="Source Code Pro"/>
-              <a:cs typeface="Source Code Pro"/>
-              <a:sym typeface="Source Code Pro"/>
-            </a:endParaRPr>
-          </a:p>
-          <a:p>
-            <a:pPr indent="-276225" lvl="0" marL="457200" rtl="0" algn="l">
-              <a:lnSpc>
-                <a:spcPct val="115000"/>
-              </a:lnSpc>
-              <a:spcBef>
-                <a:spcPts val="0"/>
-              </a:spcBef>
-              <a:spcAft>
-                <a:spcPts val="0"/>
-              </a:spcAft>
-              <a:buClr>
-                <a:schemeClr val="dk2"/>
-              </a:buClr>
-              <a:buSzPts val="750"/>
-              <a:buFont typeface="Source Code Pro"/>
-              <a:buChar char="●"/>
-            </a:pPr>
-            <a:r>
-              <a:rPr lang="en" sz="750">
-                <a:solidFill>
-                  <a:schemeClr val="dk2"/>
-                </a:solidFill>
-                <a:highlight>
-                  <a:srgbClr val="FFFFFF"/>
-                </a:highlight>
-                <a:latin typeface="Source Code Pro"/>
-                <a:ea typeface="Source Code Pro"/>
-                <a:cs typeface="Source Code Pro"/>
-                <a:sym typeface="Source Code Pro"/>
-              </a:rPr>
-              <a:t> avg_product_photos_qty      97250 non-null  float64</a:t>
-            </a:r>
-            <a:endParaRPr sz="1100">
-              <a:solidFill>
-                <a:schemeClr val="dk2"/>
-              </a:solidFill>
-              <a:latin typeface="Source Code Pro"/>
-              <a:ea typeface="Source Code Pro"/>
-              <a:cs typeface="Source Code Pro"/>
-              <a:sym typeface="Source Code Pro"/>
-            </a:endParaRPr>
-          </a:p>
-        </p:txBody>
-      </p:sp>
+      </p:pic>
       <p:sp>
         <p:nvSpPr>
           <p:cNvPr id="77" name="Google Shape;77;p16"/>
@@ -9288,8 +10546,8 @@
         </p:nvSpPr>
         <p:spPr>
           <a:xfrm>
-            <a:off x="410650" y="57150"/>
-            <a:ext cx="3995100" cy="261300"/>
+            <a:off x="1854175" y="1510775"/>
+            <a:ext cx="2160600" cy="478500"/>
           </a:xfrm>
           <a:prstGeom prst="rect">
             <a:avLst/>
@@ -9300,7 +10558,7 @@
         </p:spPr>
         <p:txBody>
           <a:bodyPr anchorCtr="0" anchor="t" bIns="91425" lIns="91425" spcFirstLastPara="1" rIns="91425" wrap="square" tIns="91425">
-            <a:normAutofit fontScale="25000" lnSpcReduction="20000"/>
+            <a:normAutofit fontScale="55000" lnSpcReduction="20000"/>
           </a:bodyPr>
           <a:lstStyle/>
           <a:p>
@@ -9326,42 +10584,12 @@
                 <a:cs typeface="Amatic SC"/>
                 <a:sym typeface="Amatic SC"/>
               </a:rPr>
-              <a:t>Base de données de référence</a:t>
-            </a:r>
-            <a:endParaRPr b="1" sz="4200">
+              <a:t>Missing data</a:t>
+            </a:r>
+            <a:endParaRPr b="1">
               <a:solidFill>
                 <a:schemeClr val="accent1"/>
               </a:solidFill>
-              <a:latin typeface="Amatic SC"/>
-              <a:ea typeface="Amatic SC"/>
-              <a:cs typeface="Amatic SC"/>
-              <a:sym typeface="Amatic SC"/>
-            </a:endParaRPr>
-          </a:p>
-          <a:p>
-            <a:pPr indent="0" lvl="0" marL="0" rtl="0" algn="ctr">
-              <a:lnSpc>
-                <a:spcPct val="100000"/>
-              </a:lnSpc>
-              <a:spcBef>
-                <a:spcPts val="0"/>
-              </a:spcBef>
-              <a:spcAft>
-                <a:spcPts val="0"/>
-              </a:spcAft>
-              <a:buNone/>
-            </a:pPr>
-            <a:r>
-              <a:t/>
-            </a:r>
-            <a:endParaRPr b="1" sz="4200">
-              <a:solidFill>
-                <a:schemeClr val="accent1"/>
-              </a:solidFill>
-              <a:latin typeface="Amatic SC"/>
-              <a:ea typeface="Amatic SC"/>
-              <a:cs typeface="Amatic SC"/>
-              <a:sym typeface="Amatic SC"/>
             </a:endParaRPr>
           </a:p>
         </p:txBody>
@@ -9376,8 +10604,8 @@
         </p:nvSpPr>
         <p:spPr>
           <a:xfrm>
-            <a:off x="4834375" y="1309975"/>
-            <a:ext cx="4043700" cy="261300"/>
+            <a:off x="4162723" y="1510775"/>
+            <a:ext cx="2160600" cy="478500"/>
           </a:xfrm>
           <a:prstGeom prst="rect">
             <a:avLst/>
@@ -9388,7 +10616,7 @@
         </p:spPr>
         <p:txBody>
           <a:bodyPr anchorCtr="0" anchor="t" bIns="91425" lIns="91425" spcFirstLastPara="1" rIns="91425" wrap="square" tIns="91425">
-            <a:normAutofit fontScale="25000" lnSpcReduction="20000"/>
+            <a:normAutofit fontScale="55000" lnSpcReduction="20000"/>
           </a:bodyPr>
           <a:lstStyle/>
           <a:p>
@@ -9414,30 +10642,34 @@
                 <a:cs typeface="Amatic SC"/>
                 <a:sym typeface="Amatic SC"/>
               </a:rPr>
-              <a:t>Définition de variables</a:t>
-            </a:r>
-            <a:endParaRPr b="1" sz="4200">
+              <a:t>KNN imputation</a:t>
+            </a:r>
+            <a:endParaRPr b="1">
               <a:solidFill>
                 <a:schemeClr val="accent1"/>
               </a:solidFill>
-              <a:latin typeface="Amatic SC"/>
-              <a:ea typeface="Amatic SC"/>
-              <a:cs typeface="Amatic SC"/>
-              <a:sym typeface="Amatic SC"/>
             </a:endParaRPr>
           </a:p>
         </p:txBody>
       </p:sp>
-      <p:sp>
-        <p:nvSpPr>
+      <p:pic>
+        <p:nvPicPr>
           <p:cNvPr id="79" name="Google Shape;79;p16"/>
-          <p:cNvSpPr txBox="1"/>
+          <p:cNvPicPr preferRelativeResize="0"/>
           <p:nvPr/>
-        </p:nvSpPr>
+        </p:nvPicPr>
+        <p:blipFill>
+          <a:blip r:embed="rId4">
+            <a:alphaModFix/>
+          </a:blip>
+          <a:stretch>
+            <a:fillRect/>
+          </a:stretch>
+        </p:blipFill>
         <p:spPr>
           <a:xfrm>
-            <a:off x="410650" y="391325"/>
-            <a:ext cx="4113300" cy="4963500"/>
+            <a:off x="1854175" y="2150026"/>
+            <a:ext cx="2160600" cy="854008"/>
           </a:xfrm>
           <a:prstGeom prst="rect">
             <a:avLst/>
@@ -9447,1570 +10679,7 @@
             <a:noFill/>
           </a:ln>
         </p:spPr>
-        <p:txBody>
-          <a:bodyPr anchorCtr="0" anchor="t" bIns="91425" lIns="91425" spcFirstLastPara="1" rIns="91425" wrap="square" tIns="91425">
-            <a:spAutoFit/>
-          </a:bodyPr>
-          <a:lstStyle/>
-          <a:p>
-            <a:pPr indent="0" lvl="0" marL="0" rtl="0" algn="l">
-              <a:lnSpc>
-                <a:spcPct val="115000"/>
-              </a:lnSpc>
-              <a:spcBef>
-                <a:spcPts val="0"/>
-              </a:spcBef>
-              <a:spcAft>
-                <a:spcPts val="0"/>
-              </a:spcAft>
-              <a:buNone/>
-            </a:pPr>
-            <a:r>
-              <a:rPr lang="en" sz="750">
-                <a:solidFill>
-                  <a:schemeClr val="dk2"/>
-                </a:solidFill>
-                <a:highlight>
-                  <a:srgbClr val="FFFFFF"/>
-                </a:highlight>
-                <a:latin typeface="Source Code Pro"/>
-                <a:ea typeface="Source Code Pro"/>
-                <a:cs typeface="Source Code Pro"/>
-                <a:sym typeface="Source Code Pro"/>
-              </a:rPr>
-              <a:t>Préparation d gardons donc les colonnes avec les types suivantes :</a:t>
-            </a:r>
-            <a:endParaRPr sz="750">
-              <a:solidFill>
-                <a:schemeClr val="dk2"/>
-              </a:solidFill>
-              <a:highlight>
-                <a:srgbClr val="FFFFFF"/>
-              </a:highlight>
-              <a:latin typeface="Source Code Pro"/>
-              <a:ea typeface="Source Code Pro"/>
-              <a:cs typeface="Source Code Pro"/>
-              <a:sym typeface="Source Code Pro"/>
-            </a:endParaRPr>
-          </a:p>
-          <a:p>
-            <a:pPr indent="-276225" lvl="0" marL="457200" rtl="0" algn="l">
-              <a:lnSpc>
-                <a:spcPct val="115000"/>
-              </a:lnSpc>
-              <a:spcBef>
-                <a:spcPts val="1100"/>
-              </a:spcBef>
-              <a:spcAft>
-                <a:spcPts val="0"/>
-              </a:spcAft>
-              <a:buClr>
-                <a:schemeClr val="dk2"/>
-              </a:buClr>
-              <a:buSzPts val="750"/>
-              <a:buFont typeface="Source Code Pro"/>
-              <a:buChar char="●"/>
-            </a:pPr>
-            <a:r>
-              <a:rPr lang="en" sz="750">
-                <a:solidFill>
-                  <a:schemeClr val="dk2"/>
-                </a:solidFill>
-                <a:highlight>
-                  <a:srgbClr val="FFFFFF"/>
-                </a:highlight>
-                <a:latin typeface="Source Code Pro"/>
-                <a:ea typeface="Source Code Pro"/>
-                <a:cs typeface="Source Code Pro"/>
-                <a:sym typeface="Source Code Pro"/>
-              </a:rPr>
-              <a:t> </a:t>
-            </a:r>
-            <a:r>
-              <a:rPr lang="en" sz="750">
-                <a:solidFill>
-                  <a:schemeClr val="dk2"/>
-                </a:solidFill>
-                <a:highlight>
-                  <a:srgbClr val="FFFFFF"/>
-                </a:highlight>
-                <a:latin typeface="Source Code Pro"/>
-                <a:ea typeface="Source Code Pro"/>
-                <a:cs typeface="Source Code Pro"/>
-                <a:sym typeface="Source Code Pro"/>
-              </a:rPr>
-              <a:t>order_id                       103200 non-null  object </a:t>
-            </a:r>
-            <a:endParaRPr sz="750">
-              <a:solidFill>
-                <a:schemeClr val="dk2"/>
-              </a:solidFill>
-              <a:highlight>
-                <a:srgbClr val="FFFFFF"/>
-              </a:highlight>
-              <a:latin typeface="Source Code Pro"/>
-              <a:ea typeface="Source Code Pro"/>
-              <a:cs typeface="Source Code Pro"/>
-              <a:sym typeface="Source Code Pro"/>
-            </a:endParaRPr>
-          </a:p>
-          <a:p>
-            <a:pPr indent="-276225" lvl="0" marL="457200" rtl="0" algn="l">
-              <a:lnSpc>
-                <a:spcPct val="115000"/>
-              </a:lnSpc>
-              <a:spcBef>
-                <a:spcPts val="0"/>
-              </a:spcBef>
-              <a:spcAft>
-                <a:spcPts val="0"/>
-              </a:spcAft>
-              <a:buClr>
-                <a:schemeClr val="dk2"/>
-              </a:buClr>
-              <a:buSzPts val="750"/>
-              <a:buFont typeface="Source Code Pro"/>
-              <a:buChar char="●"/>
-            </a:pPr>
-            <a:r>
-              <a:rPr lang="en" sz="750">
-                <a:solidFill>
-                  <a:schemeClr val="dk2"/>
-                </a:solidFill>
-                <a:highlight>
-                  <a:srgbClr val="FFFFFF"/>
-                </a:highlight>
-                <a:latin typeface="Source Code Pro"/>
-                <a:ea typeface="Source Code Pro"/>
-                <a:cs typeface="Source Code Pro"/>
-                <a:sym typeface="Source Code Pro"/>
-              </a:rPr>
-              <a:t> customer_id                    103200 non-null  object </a:t>
-            </a:r>
-            <a:endParaRPr sz="750">
-              <a:solidFill>
-                <a:schemeClr val="dk2"/>
-              </a:solidFill>
-              <a:highlight>
-                <a:srgbClr val="FFFFFF"/>
-              </a:highlight>
-              <a:latin typeface="Source Code Pro"/>
-              <a:ea typeface="Source Code Pro"/>
-              <a:cs typeface="Source Code Pro"/>
-              <a:sym typeface="Source Code Pro"/>
-            </a:endParaRPr>
-          </a:p>
-          <a:p>
-            <a:pPr indent="-276225" lvl="0" marL="457200" rtl="0" algn="l">
-              <a:lnSpc>
-                <a:spcPct val="115000"/>
-              </a:lnSpc>
-              <a:spcBef>
-                <a:spcPts val="0"/>
-              </a:spcBef>
-              <a:spcAft>
-                <a:spcPts val="0"/>
-              </a:spcAft>
-              <a:buClr>
-                <a:schemeClr val="dk2"/>
-              </a:buClr>
-              <a:buSzPts val="750"/>
-              <a:buFont typeface="Source Code Pro"/>
-              <a:buChar char="●"/>
-            </a:pPr>
-            <a:r>
-              <a:rPr lang="en" sz="750">
-                <a:solidFill>
-                  <a:schemeClr val="dk2"/>
-                </a:solidFill>
-                <a:highlight>
-                  <a:srgbClr val="FFFFFF"/>
-                </a:highlight>
-                <a:latin typeface="Source Code Pro"/>
-                <a:ea typeface="Source Code Pro"/>
-                <a:cs typeface="Source Code Pro"/>
-                <a:sym typeface="Source Code Pro"/>
-              </a:rPr>
-              <a:t> order_status                   103200 non-null  object </a:t>
-            </a:r>
-            <a:endParaRPr sz="750">
-              <a:solidFill>
-                <a:schemeClr val="dk2"/>
-              </a:solidFill>
-              <a:highlight>
-                <a:srgbClr val="FFFFFF"/>
-              </a:highlight>
-              <a:latin typeface="Source Code Pro"/>
-              <a:ea typeface="Source Code Pro"/>
-              <a:cs typeface="Source Code Pro"/>
-              <a:sym typeface="Source Code Pro"/>
-            </a:endParaRPr>
-          </a:p>
-          <a:p>
-            <a:pPr indent="-276225" lvl="0" marL="457200" rtl="0" algn="l">
-              <a:lnSpc>
-                <a:spcPct val="115000"/>
-              </a:lnSpc>
-              <a:spcBef>
-                <a:spcPts val="0"/>
-              </a:spcBef>
-              <a:spcAft>
-                <a:spcPts val="0"/>
-              </a:spcAft>
-              <a:buClr>
-                <a:schemeClr val="dk2"/>
-              </a:buClr>
-              <a:buSzPts val="750"/>
-              <a:buFont typeface="Source Code Pro"/>
-              <a:buChar char="●"/>
-            </a:pPr>
-            <a:r>
-              <a:rPr lang="en" sz="750">
-                <a:solidFill>
-                  <a:schemeClr val="dk2"/>
-                </a:solidFill>
-                <a:highlight>
-                  <a:srgbClr val="FFFFFF"/>
-                </a:highlight>
-                <a:latin typeface="Source Code Pro"/>
-                <a:ea typeface="Source Code Pro"/>
-                <a:cs typeface="Source Code Pro"/>
-                <a:sym typeface="Source Code Pro"/>
-              </a:rPr>
-              <a:t> order_purchase_timestamp       103200 non-null  object </a:t>
-            </a:r>
-            <a:endParaRPr sz="750">
-              <a:solidFill>
-                <a:schemeClr val="dk2"/>
-              </a:solidFill>
-              <a:highlight>
-                <a:srgbClr val="FFFFFF"/>
-              </a:highlight>
-              <a:latin typeface="Source Code Pro"/>
-              <a:ea typeface="Source Code Pro"/>
-              <a:cs typeface="Source Code Pro"/>
-              <a:sym typeface="Source Code Pro"/>
-            </a:endParaRPr>
-          </a:p>
-          <a:p>
-            <a:pPr indent="-276225" lvl="0" marL="457200" rtl="0" algn="l">
-              <a:lnSpc>
-                <a:spcPct val="115000"/>
-              </a:lnSpc>
-              <a:spcBef>
-                <a:spcPts val="0"/>
-              </a:spcBef>
-              <a:spcAft>
-                <a:spcPts val="0"/>
-              </a:spcAft>
-              <a:buClr>
-                <a:schemeClr val="dk2"/>
-              </a:buClr>
-              <a:buSzPts val="750"/>
-              <a:buFont typeface="Source Code Pro"/>
-              <a:buChar char="●"/>
-            </a:pPr>
-            <a:r>
-              <a:rPr lang="en" sz="750">
-                <a:solidFill>
-                  <a:schemeClr val="dk2"/>
-                </a:solidFill>
-                <a:highlight>
-                  <a:srgbClr val="FFFFFF"/>
-                </a:highlight>
-                <a:latin typeface="Source Code Pro"/>
-                <a:ea typeface="Source Code Pro"/>
-                <a:cs typeface="Source Code Pro"/>
-                <a:sym typeface="Source Code Pro"/>
-              </a:rPr>
-              <a:t> order_delivered_carrier_date   101398 non-null  object </a:t>
-            </a:r>
-            <a:endParaRPr sz="750">
-              <a:solidFill>
-                <a:schemeClr val="dk2"/>
-              </a:solidFill>
-              <a:highlight>
-                <a:srgbClr val="FFFFFF"/>
-              </a:highlight>
-              <a:latin typeface="Source Code Pro"/>
-              <a:ea typeface="Source Code Pro"/>
-              <a:cs typeface="Source Code Pro"/>
-              <a:sym typeface="Source Code Pro"/>
-            </a:endParaRPr>
-          </a:p>
-          <a:p>
-            <a:pPr indent="-276225" lvl="0" marL="457200" rtl="0" algn="l">
-              <a:lnSpc>
-                <a:spcPct val="115000"/>
-              </a:lnSpc>
-              <a:spcBef>
-                <a:spcPts val="0"/>
-              </a:spcBef>
-              <a:spcAft>
-                <a:spcPts val="0"/>
-              </a:spcAft>
-              <a:buClr>
-                <a:schemeClr val="dk2"/>
-              </a:buClr>
-              <a:buSzPts val="750"/>
-              <a:buFont typeface="Source Code Pro"/>
-              <a:buChar char="●"/>
-            </a:pPr>
-            <a:r>
-              <a:rPr lang="en" sz="750">
-                <a:solidFill>
-                  <a:schemeClr val="dk2"/>
-                </a:solidFill>
-                <a:highlight>
-                  <a:srgbClr val="FFFFFF"/>
-                </a:highlight>
-                <a:latin typeface="Source Code Pro"/>
-                <a:ea typeface="Source Code Pro"/>
-                <a:cs typeface="Source Code Pro"/>
-                <a:sym typeface="Source Code Pro"/>
-              </a:rPr>
-              <a:t> order_delivered_customer_date  100195 non-null  object </a:t>
-            </a:r>
-            <a:endParaRPr sz="750">
-              <a:solidFill>
-                <a:schemeClr val="dk2"/>
-              </a:solidFill>
-              <a:highlight>
-                <a:srgbClr val="FFFFFF"/>
-              </a:highlight>
-              <a:latin typeface="Source Code Pro"/>
-              <a:ea typeface="Source Code Pro"/>
-              <a:cs typeface="Source Code Pro"/>
-              <a:sym typeface="Source Code Pro"/>
-            </a:endParaRPr>
-          </a:p>
-          <a:p>
-            <a:pPr indent="-276225" lvl="0" marL="457200" rtl="0" algn="l">
-              <a:lnSpc>
-                <a:spcPct val="115000"/>
-              </a:lnSpc>
-              <a:spcBef>
-                <a:spcPts val="0"/>
-              </a:spcBef>
-              <a:spcAft>
-                <a:spcPts val="0"/>
-              </a:spcAft>
-              <a:buClr>
-                <a:schemeClr val="dk2"/>
-              </a:buClr>
-              <a:buSzPts val="750"/>
-              <a:buFont typeface="Source Code Pro"/>
-              <a:buChar char="●"/>
-            </a:pPr>
-            <a:r>
-              <a:rPr lang="en" sz="750">
-                <a:solidFill>
-                  <a:schemeClr val="dk2"/>
-                </a:solidFill>
-                <a:highlight>
-                  <a:srgbClr val="FFFFFF"/>
-                </a:highlight>
-                <a:latin typeface="Source Code Pro"/>
-                <a:ea typeface="Source Code Pro"/>
-                <a:cs typeface="Source Code Pro"/>
-                <a:sym typeface="Source Code Pro"/>
-              </a:rPr>
-              <a:t> order_estimated_delivery_date  103200 non-null  object </a:t>
-            </a:r>
-            <a:endParaRPr sz="750">
-              <a:solidFill>
-                <a:schemeClr val="dk2"/>
-              </a:solidFill>
-              <a:highlight>
-                <a:srgbClr val="FFFFFF"/>
-              </a:highlight>
-              <a:latin typeface="Source Code Pro"/>
-              <a:ea typeface="Source Code Pro"/>
-              <a:cs typeface="Source Code Pro"/>
-              <a:sym typeface="Source Code Pro"/>
-            </a:endParaRPr>
-          </a:p>
-          <a:p>
-            <a:pPr indent="-276225" lvl="0" marL="457200" rtl="0" algn="l">
-              <a:lnSpc>
-                <a:spcPct val="115000"/>
-              </a:lnSpc>
-              <a:spcBef>
-                <a:spcPts val="0"/>
-              </a:spcBef>
-              <a:spcAft>
-                <a:spcPts val="0"/>
-              </a:spcAft>
-              <a:buClr>
-                <a:schemeClr val="dk2"/>
-              </a:buClr>
-              <a:buSzPts val="750"/>
-              <a:buFont typeface="Source Code Pro"/>
-              <a:buChar char="●"/>
-            </a:pPr>
-            <a:r>
-              <a:rPr lang="en" sz="750">
-                <a:solidFill>
-                  <a:schemeClr val="dk2"/>
-                </a:solidFill>
-                <a:highlight>
-                  <a:srgbClr val="FFFFFF"/>
-                </a:highlight>
-                <a:latin typeface="Source Code Pro"/>
-                <a:ea typeface="Source Code Pro"/>
-                <a:cs typeface="Source Code Pro"/>
-                <a:sym typeface="Source Code Pro"/>
-              </a:rPr>
-              <a:t> customer_unique_id             103200 non-null  object </a:t>
-            </a:r>
-            <a:endParaRPr sz="750">
-              <a:solidFill>
-                <a:schemeClr val="dk2"/>
-              </a:solidFill>
-              <a:highlight>
-                <a:srgbClr val="FFFFFF"/>
-              </a:highlight>
-              <a:latin typeface="Source Code Pro"/>
-              <a:ea typeface="Source Code Pro"/>
-              <a:cs typeface="Source Code Pro"/>
-              <a:sym typeface="Source Code Pro"/>
-            </a:endParaRPr>
-          </a:p>
-          <a:p>
-            <a:pPr indent="-276225" lvl="0" marL="457200" rtl="0" algn="l">
-              <a:lnSpc>
-                <a:spcPct val="115000"/>
-              </a:lnSpc>
-              <a:spcBef>
-                <a:spcPts val="0"/>
-              </a:spcBef>
-              <a:spcAft>
-                <a:spcPts val="0"/>
-              </a:spcAft>
-              <a:buClr>
-                <a:schemeClr val="dk2"/>
-              </a:buClr>
-              <a:buSzPts val="750"/>
-              <a:buFont typeface="Source Code Pro"/>
-              <a:buChar char="●"/>
-            </a:pPr>
-            <a:r>
-              <a:rPr lang="en" sz="750">
-                <a:solidFill>
-                  <a:schemeClr val="dk2"/>
-                </a:solidFill>
-                <a:highlight>
-                  <a:srgbClr val="FFFFFF"/>
-                </a:highlight>
-                <a:latin typeface="Source Code Pro"/>
-                <a:ea typeface="Source Code Pro"/>
-                <a:cs typeface="Source Code Pro"/>
-                <a:sym typeface="Source Code Pro"/>
-              </a:rPr>
-              <a:t> customer_city                  103200 non-null  object </a:t>
-            </a:r>
-            <a:endParaRPr sz="750">
-              <a:solidFill>
-                <a:schemeClr val="dk2"/>
-              </a:solidFill>
-              <a:highlight>
-                <a:srgbClr val="FFFFFF"/>
-              </a:highlight>
-              <a:latin typeface="Source Code Pro"/>
-              <a:ea typeface="Source Code Pro"/>
-              <a:cs typeface="Source Code Pro"/>
-              <a:sym typeface="Source Code Pro"/>
-            </a:endParaRPr>
-          </a:p>
-          <a:p>
-            <a:pPr indent="-276225" lvl="0" marL="457200" rtl="0" algn="l">
-              <a:lnSpc>
-                <a:spcPct val="115000"/>
-              </a:lnSpc>
-              <a:spcBef>
-                <a:spcPts val="0"/>
-              </a:spcBef>
-              <a:spcAft>
-                <a:spcPts val="0"/>
-              </a:spcAft>
-              <a:buClr>
-                <a:schemeClr val="dk2"/>
-              </a:buClr>
-              <a:buSzPts val="750"/>
-              <a:buFont typeface="Source Code Pro"/>
-              <a:buChar char="●"/>
-            </a:pPr>
-            <a:r>
-              <a:rPr lang="en" sz="750">
-                <a:solidFill>
-                  <a:schemeClr val="dk2"/>
-                </a:solidFill>
-                <a:highlight>
-                  <a:srgbClr val="FFFFFF"/>
-                </a:highlight>
-                <a:latin typeface="Source Code Pro"/>
-                <a:ea typeface="Source Code Pro"/>
-                <a:cs typeface="Source Code Pro"/>
-                <a:sym typeface="Source Code Pro"/>
-              </a:rPr>
-              <a:t> customer_state                 103200 non-null  object </a:t>
-            </a:r>
-            <a:endParaRPr sz="750">
-              <a:solidFill>
-                <a:schemeClr val="dk2"/>
-              </a:solidFill>
-              <a:highlight>
-                <a:srgbClr val="FFFFFF"/>
-              </a:highlight>
-              <a:latin typeface="Source Code Pro"/>
-              <a:ea typeface="Source Code Pro"/>
-              <a:cs typeface="Source Code Pro"/>
-              <a:sym typeface="Source Code Pro"/>
-            </a:endParaRPr>
-          </a:p>
-          <a:p>
-            <a:pPr indent="-276225" lvl="0" marL="457200" rtl="0" algn="l">
-              <a:lnSpc>
-                <a:spcPct val="115000"/>
-              </a:lnSpc>
-              <a:spcBef>
-                <a:spcPts val="0"/>
-              </a:spcBef>
-              <a:spcAft>
-                <a:spcPts val="0"/>
-              </a:spcAft>
-              <a:buClr>
-                <a:schemeClr val="dk2"/>
-              </a:buClr>
-              <a:buSzPts val="750"/>
-              <a:buFont typeface="Source Code Pro"/>
-              <a:buChar char="●"/>
-            </a:pPr>
-            <a:r>
-              <a:rPr lang="en" sz="750">
-                <a:solidFill>
-                  <a:schemeClr val="dk2"/>
-                </a:solidFill>
-                <a:highlight>
-                  <a:srgbClr val="FFFFFF"/>
-                </a:highlight>
-                <a:latin typeface="Source Code Pro"/>
-                <a:ea typeface="Source Code Pro"/>
-                <a:cs typeface="Source Code Pro"/>
-                <a:sym typeface="Source Code Pro"/>
-              </a:rPr>
-              <a:t> order_item_id                  102425 non-null  float64</a:t>
-            </a:r>
-            <a:endParaRPr sz="750">
-              <a:solidFill>
-                <a:schemeClr val="dk2"/>
-              </a:solidFill>
-              <a:highlight>
-                <a:srgbClr val="FFFFFF"/>
-              </a:highlight>
-              <a:latin typeface="Source Code Pro"/>
-              <a:ea typeface="Source Code Pro"/>
-              <a:cs typeface="Source Code Pro"/>
-              <a:sym typeface="Source Code Pro"/>
-            </a:endParaRPr>
-          </a:p>
-          <a:p>
-            <a:pPr indent="-276225" lvl="0" marL="457200" rtl="0" algn="l">
-              <a:lnSpc>
-                <a:spcPct val="115000"/>
-              </a:lnSpc>
-              <a:spcBef>
-                <a:spcPts val="0"/>
-              </a:spcBef>
-              <a:spcAft>
-                <a:spcPts val="0"/>
-              </a:spcAft>
-              <a:buClr>
-                <a:schemeClr val="dk2"/>
-              </a:buClr>
-              <a:buSzPts val="750"/>
-              <a:buFont typeface="Source Code Pro"/>
-              <a:buChar char="●"/>
-            </a:pPr>
-            <a:r>
-              <a:rPr lang="en" sz="750">
-                <a:solidFill>
-                  <a:schemeClr val="dk2"/>
-                </a:solidFill>
-                <a:highlight>
-                  <a:srgbClr val="FFFFFF"/>
-                </a:highlight>
-                <a:latin typeface="Source Code Pro"/>
-                <a:ea typeface="Source Code Pro"/>
-                <a:cs typeface="Source Code Pro"/>
-                <a:sym typeface="Source Code Pro"/>
-              </a:rPr>
-              <a:t> product_id                     102425 non-null  object </a:t>
-            </a:r>
-            <a:endParaRPr sz="750">
-              <a:solidFill>
-                <a:schemeClr val="dk2"/>
-              </a:solidFill>
-              <a:highlight>
-                <a:srgbClr val="FFFFFF"/>
-              </a:highlight>
-              <a:latin typeface="Source Code Pro"/>
-              <a:ea typeface="Source Code Pro"/>
-              <a:cs typeface="Source Code Pro"/>
-              <a:sym typeface="Source Code Pro"/>
-            </a:endParaRPr>
-          </a:p>
-          <a:p>
-            <a:pPr indent="-276225" lvl="0" marL="457200" rtl="0" algn="l">
-              <a:lnSpc>
-                <a:spcPct val="115000"/>
-              </a:lnSpc>
-              <a:spcBef>
-                <a:spcPts val="0"/>
-              </a:spcBef>
-              <a:spcAft>
-                <a:spcPts val="0"/>
-              </a:spcAft>
-              <a:buClr>
-                <a:schemeClr val="dk2"/>
-              </a:buClr>
-              <a:buSzPts val="750"/>
-              <a:buFont typeface="Source Code Pro"/>
-              <a:buChar char="●"/>
-            </a:pPr>
-            <a:r>
-              <a:rPr lang="en" sz="750">
-                <a:solidFill>
-                  <a:schemeClr val="dk2"/>
-                </a:solidFill>
-                <a:highlight>
-                  <a:srgbClr val="FFFFFF"/>
-                </a:highlight>
-                <a:latin typeface="Source Code Pro"/>
-                <a:ea typeface="Source Code Pro"/>
-                <a:cs typeface="Source Code Pro"/>
-                <a:sym typeface="Source Code Pro"/>
-              </a:rPr>
-              <a:t> seller_id                      102425 non-null  object </a:t>
-            </a:r>
-            <a:endParaRPr sz="750">
-              <a:solidFill>
-                <a:schemeClr val="dk2"/>
-              </a:solidFill>
-              <a:highlight>
-                <a:srgbClr val="FFFFFF"/>
-              </a:highlight>
-              <a:latin typeface="Source Code Pro"/>
-              <a:ea typeface="Source Code Pro"/>
-              <a:cs typeface="Source Code Pro"/>
-              <a:sym typeface="Source Code Pro"/>
-            </a:endParaRPr>
-          </a:p>
-          <a:p>
-            <a:pPr indent="-276225" lvl="0" marL="457200" rtl="0" algn="l">
-              <a:lnSpc>
-                <a:spcPct val="115000"/>
-              </a:lnSpc>
-              <a:spcBef>
-                <a:spcPts val="0"/>
-              </a:spcBef>
-              <a:spcAft>
-                <a:spcPts val="0"/>
-              </a:spcAft>
-              <a:buClr>
-                <a:schemeClr val="dk2"/>
-              </a:buClr>
-              <a:buSzPts val="750"/>
-              <a:buFont typeface="Source Code Pro"/>
-              <a:buChar char="●"/>
-            </a:pPr>
-            <a:r>
-              <a:rPr lang="en" sz="750">
-                <a:solidFill>
-                  <a:schemeClr val="dk2"/>
-                </a:solidFill>
-                <a:highlight>
-                  <a:srgbClr val="FFFFFF"/>
-                </a:highlight>
-                <a:latin typeface="Source Code Pro"/>
-                <a:ea typeface="Source Code Pro"/>
-                <a:cs typeface="Source Code Pro"/>
-                <a:sym typeface="Source Code Pro"/>
-              </a:rPr>
-              <a:t> shipping_limit_date            102425 non-null  object </a:t>
-            </a:r>
-            <a:endParaRPr sz="750">
-              <a:solidFill>
-                <a:schemeClr val="dk2"/>
-              </a:solidFill>
-              <a:highlight>
-                <a:srgbClr val="FFFFFF"/>
-              </a:highlight>
-              <a:latin typeface="Source Code Pro"/>
-              <a:ea typeface="Source Code Pro"/>
-              <a:cs typeface="Source Code Pro"/>
-              <a:sym typeface="Source Code Pro"/>
-            </a:endParaRPr>
-          </a:p>
-          <a:p>
-            <a:pPr indent="-276225" lvl="0" marL="457200" rtl="0" algn="l">
-              <a:lnSpc>
-                <a:spcPct val="115000"/>
-              </a:lnSpc>
-              <a:spcBef>
-                <a:spcPts val="0"/>
-              </a:spcBef>
-              <a:spcAft>
-                <a:spcPts val="0"/>
-              </a:spcAft>
-              <a:buClr>
-                <a:schemeClr val="dk2"/>
-              </a:buClr>
-              <a:buSzPts val="750"/>
-              <a:buFont typeface="Source Code Pro"/>
-              <a:buChar char="●"/>
-            </a:pPr>
-            <a:r>
-              <a:rPr lang="en" sz="750">
-                <a:solidFill>
-                  <a:schemeClr val="dk2"/>
-                </a:solidFill>
-                <a:highlight>
-                  <a:srgbClr val="FFFFFF"/>
-                </a:highlight>
-                <a:latin typeface="Source Code Pro"/>
-                <a:ea typeface="Source Code Pro"/>
-                <a:cs typeface="Source Code Pro"/>
-                <a:sym typeface="Source Code Pro"/>
-              </a:rPr>
-              <a:t> price                          102425 non-null  float64</a:t>
-            </a:r>
-            <a:endParaRPr sz="750">
-              <a:solidFill>
-                <a:schemeClr val="dk2"/>
-              </a:solidFill>
-              <a:highlight>
-                <a:srgbClr val="FFFFFF"/>
-              </a:highlight>
-              <a:latin typeface="Source Code Pro"/>
-              <a:ea typeface="Source Code Pro"/>
-              <a:cs typeface="Source Code Pro"/>
-              <a:sym typeface="Source Code Pro"/>
-            </a:endParaRPr>
-          </a:p>
-          <a:p>
-            <a:pPr indent="-276225" lvl="0" marL="457200" rtl="0" algn="l">
-              <a:lnSpc>
-                <a:spcPct val="115000"/>
-              </a:lnSpc>
-              <a:spcBef>
-                <a:spcPts val="0"/>
-              </a:spcBef>
-              <a:spcAft>
-                <a:spcPts val="0"/>
-              </a:spcAft>
-              <a:buClr>
-                <a:schemeClr val="dk2"/>
-              </a:buClr>
-              <a:buSzPts val="750"/>
-              <a:buFont typeface="Source Code Pro"/>
-              <a:buChar char="●"/>
-            </a:pPr>
-            <a:r>
-              <a:rPr lang="en" sz="750">
-                <a:solidFill>
-                  <a:schemeClr val="dk2"/>
-                </a:solidFill>
-                <a:highlight>
-                  <a:srgbClr val="FFFFFF"/>
-                </a:highlight>
-                <a:latin typeface="Source Code Pro"/>
-                <a:ea typeface="Source Code Pro"/>
-                <a:cs typeface="Source Code Pro"/>
-                <a:sym typeface="Source Code Pro"/>
-              </a:rPr>
-              <a:t> freight_value                  102425 non-null  float64</a:t>
-            </a:r>
-            <a:endParaRPr sz="750">
-              <a:solidFill>
-                <a:schemeClr val="dk2"/>
-              </a:solidFill>
-              <a:highlight>
-                <a:srgbClr val="FFFFFF"/>
-              </a:highlight>
-              <a:latin typeface="Source Code Pro"/>
-              <a:ea typeface="Source Code Pro"/>
-              <a:cs typeface="Source Code Pro"/>
-              <a:sym typeface="Source Code Pro"/>
-            </a:endParaRPr>
-          </a:p>
-          <a:p>
-            <a:pPr indent="-276225" lvl="0" marL="457200" rtl="0" algn="l">
-              <a:lnSpc>
-                <a:spcPct val="115000"/>
-              </a:lnSpc>
-              <a:spcBef>
-                <a:spcPts val="0"/>
-              </a:spcBef>
-              <a:spcAft>
-                <a:spcPts val="0"/>
-              </a:spcAft>
-              <a:buClr>
-                <a:schemeClr val="dk2"/>
-              </a:buClr>
-              <a:buSzPts val="750"/>
-              <a:buFont typeface="Source Code Pro"/>
-              <a:buChar char="●"/>
-            </a:pPr>
-            <a:r>
-              <a:rPr lang="en" sz="750">
-                <a:solidFill>
-                  <a:schemeClr val="dk2"/>
-                </a:solidFill>
-                <a:highlight>
-                  <a:srgbClr val="FFFFFF"/>
-                </a:highlight>
-                <a:latin typeface="Source Code Pro"/>
-                <a:ea typeface="Source Code Pro"/>
-                <a:cs typeface="Source Code Pro"/>
-                <a:sym typeface="Source Code Pro"/>
-              </a:rPr>
-              <a:t> payment_sequential             103199 non-null  float64</a:t>
-            </a:r>
-            <a:endParaRPr sz="750">
-              <a:solidFill>
-                <a:schemeClr val="dk2"/>
-              </a:solidFill>
-              <a:highlight>
-                <a:srgbClr val="FFFFFF"/>
-              </a:highlight>
-              <a:latin typeface="Source Code Pro"/>
-              <a:ea typeface="Source Code Pro"/>
-              <a:cs typeface="Source Code Pro"/>
-              <a:sym typeface="Source Code Pro"/>
-            </a:endParaRPr>
-          </a:p>
-          <a:p>
-            <a:pPr indent="-276225" lvl="0" marL="457200" rtl="0" algn="l">
-              <a:lnSpc>
-                <a:spcPct val="115000"/>
-              </a:lnSpc>
-              <a:spcBef>
-                <a:spcPts val="0"/>
-              </a:spcBef>
-              <a:spcAft>
-                <a:spcPts val="0"/>
-              </a:spcAft>
-              <a:buClr>
-                <a:schemeClr val="dk2"/>
-              </a:buClr>
-              <a:buSzPts val="750"/>
-              <a:buFont typeface="Source Code Pro"/>
-              <a:buChar char="●"/>
-            </a:pPr>
-            <a:r>
-              <a:rPr lang="en" sz="750">
-                <a:solidFill>
-                  <a:schemeClr val="dk2"/>
-                </a:solidFill>
-                <a:highlight>
-                  <a:srgbClr val="FFFFFF"/>
-                </a:highlight>
-                <a:latin typeface="Source Code Pro"/>
-                <a:ea typeface="Source Code Pro"/>
-                <a:cs typeface="Source Code Pro"/>
-                <a:sym typeface="Source Code Pro"/>
-              </a:rPr>
-              <a:t> payment_type                   103199 non-null  object </a:t>
-            </a:r>
-            <a:endParaRPr sz="750">
-              <a:solidFill>
-                <a:schemeClr val="dk2"/>
-              </a:solidFill>
-              <a:highlight>
-                <a:srgbClr val="FFFFFF"/>
-              </a:highlight>
-              <a:latin typeface="Source Code Pro"/>
-              <a:ea typeface="Source Code Pro"/>
-              <a:cs typeface="Source Code Pro"/>
-              <a:sym typeface="Source Code Pro"/>
-            </a:endParaRPr>
-          </a:p>
-          <a:p>
-            <a:pPr indent="-276225" lvl="0" marL="457200" rtl="0" algn="l">
-              <a:lnSpc>
-                <a:spcPct val="115000"/>
-              </a:lnSpc>
-              <a:spcBef>
-                <a:spcPts val="0"/>
-              </a:spcBef>
-              <a:spcAft>
-                <a:spcPts val="0"/>
-              </a:spcAft>
-              <a:buClr>
-                <a:schemeClr val="dk2"/>
-              </a:buClr>
-              <a:buSzPts val="750"/>
-              <a:buFont typeface="Source Code Pro"/>
-              <a:buChar char="●"/>
-            </a:pPr>
-            <a:r>
-              <a:rPr lang="en" sz="750">
-                <a:solidFill>
-                  <a:schemeClr val="dk2"/>
-                </a:solidFill>
-                <a:highlight>
-                  <a:srgbClr val="FFFFFF"/>
-                </a:highlight>
-                <a:latin typeface="Source Code Pro"/>
-                <a:ea typeface="Source Code Pro"/>
-                <a:cs typeface="Source Code Pro"/>
-                <a:sym typeface="Source Code Pro"/>
-              </a:rPr>
-              <a:t> payment_installments           103199 non-null  float64</a:t>
-            </a:r>
-            <a:endParaRPr sz="750">
-              <a:solidFill>
-                <a:schemeClr val="dk2"/>
-              </a:solidFill>
-              <a:highlight>
-                <a:srgbClr val="FFFFFF"/>
-              </a:highlight>
-              <a:latin typeface="Source Code Pro"/>
-              <a:ea typeface="Source Code Pro"/>
-              <a:cs typeface="Source Code Pro"/>
-              <a:sym typeface="Source Code Pro"/>
-            </a:endParaRPr>
-          </a:p>
-          <a:p>
-            <a:pPr indent="-276225" lvl="0" marL="457200" rtl="0" algn="l">
-              <a:lnSpc>
-                <a:spcPct val="115000"/>
-              </a:lnSpc>
-              <a:spcBef>
-                <a:spcPts val="0"/>
-              </a:spcBef>
-              <a:spcAft>
-                <a:spcPts val="0"/>
-              </a:spcAft>
-              <a:buClr>
-                <a:schemeClr val="dk2"/>
-              </a:buClr>
-              <a:buSzPts val="750"/>
-              <a:buFont typeface="Source Code Pro"/>
-              <a:buChar char="●"/>
-            </a:pPr>
-            <a:r>
-              <a:rPr lang="en" sz="750">
-                <a:solidFill>
-                  <a:schemeClr val="dk2"/>
-                </a:solidFill>
-                <a:highlight>
-                  <a:srgbClr val="FFFFFF"/>
-                </a:highlight>
-                <a:latin typeface="Source Code Pro"/>
-                <a:ea typeface="Source Code Pro"/>
-                <a:cs typeface="Source Code Pro"/>
-                <a:sym typeface="Source Code Pro"/>
-              </a:rPr>
-              <a:t> payment_value                  103199 non-null  float64</a:t>
-            </a:r>
-            <a:endParaRPr sz="750">
-              <a:solidFill>
-                <a:schemeClr val="dk2"/>
-              </a:solidFill>
-              <a:highlight>
-                <a:srgbClr val="FFFFFF"/>
-              </a:highlight>
-              <a:latin typeface="Source Code Pro"/>
-              <a:ea typeface="Source Code Pro"/>
-              <a:cs typeface="Source Code Pro"/>
-              <a:sym typeface="Source Code Pro"/>
-            </a:endParaRPr>
-          </a:p>
-          <a:p>
-            <a:pPr indent="-276225" lvl="0" marL="457200" rtl="0" algn="l">
-              <a:lnSpc>
-                <a:spcPct val="115000"/>
-              </a:lnSpc>
-              <a:spcBef>
-                <a:spcPts val="0"/>
-              </a:spcBef>
-              <a:spcAft>
-                <a:spcPts val="0"/>
-              </a:spcAft>
-              <a:buClr>
-                <a:schemeClr val="dk2"/>
-              </a:buClr>
-              <a:buSzPts val="750"/>
-              <a:buFont typeface="Source Code Pro"/>
-              <a:buChar char="●"/>
-            </a:pPr>
-            <a:r>
-              <a:rPr lang="en" sz="750">
-                <a:solidFill>
-                  <a:schemeClr val="dk2"/>
-                </a:solidFill>
-                <a:highlight>
-                  <a:srgbClr val="FFFFFF"/>
-                </a:highlight>
-                <a:latin typeface="Source Code Pro"/>
-                <a:ea typeface="Source Code Pro"/>
-                <a:cs typeface="Source Code Pro"/>
-                <a:sym typeface="Source Code Pro"/>
-              </a:rPr>
-              <a:t> product_category_name          100969 non-null  object </a:t>
-            </a:r>
-            <a:endParaRPr sz="750">
-              <a:solidFill>
-                <a:schemeClr val="dk2"/>
-              </a:solidFill>
-              <a:highlight>
-                <a:srgbClr val="FFFFFF"/>
-              </a:highlight>
-              <a:latin typeface="Source Code Pro"/>
-              <a:ea typeface="Source Code Pro"/>
-              <a:cs typeface="Source Code Pro"/>
-              <a:sym typeface="Source Code Pro"/>
-            </a:endParaRPr>
-          </a:p>
-          <a:p>
-            <a:pPr indent="-276225" lvl="0" marL="457200" rtl="0" algn="l">
-              <a:lnSpc>
-                <a:spcPct val="115000"/>
-              </a:lnSpc>
-              <a:spcBef>
-                <a:spcPts val="0"/>
-              </a:spcBef>
-              <a:spcAft>
-                <a:spcPts val="0"/>
-              </a:spcAft>
-              <a:buClr>
-                <a:schemeClr val="dk2"/>
-              </a:buClr>
-              <a:buSzPts val="750"/>
-              <a:buFont typeface="Source Code Pro"/>
-              <a:buChar char="●"/>
-            </a:pPr>
-            <a:r>
-              <a:rPr lang="en" sz="750">
-                <a:solidFill>
-                  <a:schemeClr val="dk2"/>
-                </a:solidFill>
-                <a:highlight>
-                  <a:srgbClr val="FFFFFF"/>
-                </a:highlight>
-                <a:latin typeface="Source Code Pro"/>
-                <a:ea typeface="Source Code Pro"/>
-                <a:cs typeface="Source Code Pro"/>
-                <a:sym typeface="Source Code Pro"/>
-              </a:rPr>
-              <a:t> product_name_lenght            100969 non-null  float64</a:t>
-            </a:r>
-            <a:endParaRPr sz="750">
-              <a:solidFill>
-                <a:schemeClr val="dk2"/>
-              </a:solidFill>
-              <a:highlight>
-                <a:srgbClr val="FFFFFF"/>
-              </a:highlight>
-              <a:latin typeface="Source Code Pro"/>
-              <a:ea typeface="Source Code Pro"/>
-              <a:cs typeface="Source Code Pro"/>
-              <a:sym typeface="Source Code Pro"/>
-            </a:endParaRPr>
-          </a:p>
-          <a:p>
-            <a:pPr indent="-276225" lvl="0" marL="457200" rtl="0" algn="l">
-              <a:lnSpc>
-                <a:spcPct val="115000"/>
-              </a:lnSpc>
-              <a:spcBef>
-                <a:spcPts val="0"/>
-              </a:spcBef>
-              <a:spcAft>
-                <a:spcPts val="0"/>
-              </a:spcAft>
-              <a:buClr>
-                <a:schemeClr val="dk2"/>
-              </a:buClr>
-              <a:buSzPts val="750"/>
-              <a:buFont typeface="Source Code Pro"/>
-              <a:buChar char="●"/>
-            </a:pPr>
-            <a:r>
-              <a:rPr lang="en" sz="750">
-                <a:solidFill>
-                  <a:schemeClr val="dk2"/>
-                </a:solidFill>
-                <a:highlight>
-                  <a:srgbClr val="FFFFFF"/>
-                </a:highlight>
-                <a:latin typeface="Source Code Pro"/>
-                <a:ea typeface="Source Code Pro"/>
-                <a:cs typeface="Source Code Pro"/>
-                <a:sym typeface="Source Code Pro"/>
-              </a:rPr>
-              <a:t> product_description_lenght     100969 non-null  float64</a:t>
-            </a:r>
-            <a:endParaRPr sz="750">
-              <a:solidFill>
-                <a:schemeClr val="dk2"/>
-              </a:solidFill>
-              <a:highlight>
-                <a:srgbClr val="FFFFFF"/>
-              </a:highlight>
-              <a:latin typeface="Source Code Pro"/>
-              <a:ea typeface="Source Code Pro"/>
-              <a:cs typeface="Source Code Pro"/>
-              <a:sym typeface="Source Code Pro"/>
-            </a:endParaRPr>
-          </a:p>
-          <a:p>
-            <a:pPr indent="-276225" lvl="0" marL="457200" rtl="0" algn="l">
-              <a:lnSpc>
-                <a:spcPct val="115000"/>
-              </a:lnSpc>
-              <a:spcBef>
-                <a:spcPts val="0"/>
-              </a:spcBef>
-              <a:spcAft>
-                <a:spcPts val="0"/>
-              </a:spcAft>
-              <a:buClr>
-                <a:schemeClr val="dk2"/>
-              </a:buClr>
-              <a:buSzPts val="750"/>
-              <a:buFont typeface="Source Code Pro"/>
-              <a:buChar char="●"/>
-            </a:pPr>
-            <a:r>
-              <a:rPr lang="en" sz="750">
-                <a:solidFill>
-                  <a:schemeClr val="dk2"/>
-                </a:solidFill>
-                <a:highlight>
-                  <a:srgbClr val="FFFFFF"/>
-                </a:highlight>
-                <a:latin typeface="Source Code Pro"/>
-                <a:ea typeface="Source Code Pro"/>
-                <a:cs typeface="Source Code Pro"/>
-                <a:sym typeface="Source Code Pro"/>
-              </a:rPr>
-              <a:t> product_photos_qty             100969 non-null  float64</a:t>
-            </a:r>
-            <a:endParaRPr sz="750">
-              <a:solidFill>
-                <a:schemeClr val="dk2"/>
-              </a:solidFill>
-              <a:highlight>
-                <a:srgbClr val="FFFFFF"/>
-              </a:highlight>
-              <a:latin typeface="Source Code Pro"/>
-              <a:ea typeface="Source Code Pro"/>
-              <a:cs typeface="Source Code Pro"/>
-              <a:sym typeface="Source Code Pro"/>
-            </a:endParaRPr>
-          </a:p>
-          <a:p>
-            <a:pPr indent="-276225" lvl="0" marL="457200" rtl="0" algn="l">
-              <a:lnSpc>
-                <a:spcPct val="115000"/>
-              </a:lnSpc>
-              <a:spcBef>
-                <a:spcPts val="0"/>
-              </a:spcBef>
-              <a:spcAft>
-                <a:spcPts val="0"/>
-              </a:spcAft>
-              <a:buClr>
-                <a:schemeClr val="dk2"/>
-              </a:buClr>
-              <a:buSzPts val="750"/>
-              <a:buFont typeface="Source Code Pro"/>
-              <a:buChar char="●"/>
-            </a:pPr>
-            <a:r>
-              <a:rPr lang="en" sz="750">
-                <a:solidFill>
-                  <a:schemeClr val="dk2"/>
-                </a:solidFill>
-                <a:highlight>
-                  <a:srgbClr val="FFFFFF"/>
-                </a:highlight>
-                <a:latin typeface="Source Code Pro"/>
-                <a:ea typeface="Source Code Pro"/>
-                <a:cs typeface="Source Code Pro"/>
-                <a:sym typeface="Source Code Pro"/>
-              </a:rPr>
-              <a:t> product_weight_g               102409 non-null  float64</a:t>
-            </a:r>
-            <a:endParaRPr sz="750">
-              <a:solidFill>
-                <a:schemeClr val="dk2"/>
-              </a:solidFill>
-              <a:highlight>
-                <a:srgbClr val="FFFFFF"/>
-              </a:highlight>
-              <a:latin typeface="Source Code Pro"/>
-              <a:ea typeface="Source Code Pro"/>
-              <a:cs typeface="Source Code Pro"/>
-              <a:sym typeface="Source Code Pro"/>
-            </a:endParaRPr>
-          </a:p>
-          <a:p>
-            <a:pPr indent="-276225" lvl="0" marL="457200" rtl="0" algn="l">
-              <a:lnSpc>
-                <a:spcPct val="115000"/>
-              </a:lnSpc>
-              <a:spcBef>
-                <a:spcPts val="0"/>
-              </a:spcBef>
-              <a:spcAft>
-                <a:spcPts val="0"/>
-              </a:spcAft>
-              <a:buClr>
-                <a:schemeClr val="dk2"/>
-              </a:buClr>
-              <a:buSzPts val="750"/>
-              <a:buFont typeface="Source Code Pro"/>
-              <a:buChar char="●"/>
-            </a:pPr>
-            <a:r>
-              <a:rPr lang="en" sz="750">
-                <a:solidFill>
-                  <a:schemeClr val="dk2"/>
-                </a:solidFill>
-                <a:highlight>
-                  <a:srgbClr val="FFFFFF"/>
-                </a:highlight>
-                <a:latin typeface="Source Code Pro"/>
-                <a:ea typeface="Source Code Pro"/>
-                <a:cs typeface="Source Code Pro"/>
-                <a:sym typeface="Source Code Pro"/>
-              </a:rPr>
-              <a:t> product_length_cm              102409 non-null  float64</a:t>
-            </a:r>
-            <a:endParaRPr sz="750">
-              <a:solidFill>
-                <a:schemeClr val="dk2"/>
-              </a:solidFill>
-              <a:highlight>
-                <a:srgbClr val="FFFFFF"/>
-              </a:highlight>
-              <a:latin typeface="Source Code Pro"/>
-              <a:ea typeface="Source Code Pro"/>
-              <a:cs typeface="Source Code Pro"/>
-              <a:sym typeface="Source Code Pro"/>
-            </a:endParaRPr>
-          </a:p>
-          <a:p>
-            <a:pPr indent="-276225" lvl="0" marL="457200" rtl="0" algn="l">
-              <a:lnSpc>
-                <a:spcPct val="115000"/>
-              </a:lnSpc>
-              <a:spcBef>
-                <a:spcPts val="0"/>
-              </a:spcBef>
-              <a:spcAft>
-                <a:spcPts val="0"/>
-              </a:spcAft>
-              <a:buClr>
-                <a:schemeClr val="dk2"/>
-              </a:buClr>
-              <a:buSzPts val="750"/>
-              <a:buFont typeface="Source Code Pro"/>
-              <a:buChar char="●"/>
-            </a:pPr>
-            <a:r>
-              <a:rPr lang="en" sz="750">
-                <a:solidFill>
-                  <a:schemeClr val="dk2"/>
-                </a:solidFill>
-                <a:highlight>
-                  <a:srgbClr val="FFFFFF"/>
-                </a:highlight>
-                <a:latin typeface="Source Code Pro"/>
-                <a:ea typeface="Source Code Pro"/>
-                <a:cs typeface="Source Code Pro"/>
-                <a:sym typeface="Source Code Pro"/>
-              </a:rPr>
-              <a:t> product_height_cm              102409 non-null  float64</a:t>
-            </a:r>
-            <a:endParaRPr sz="750">
-              <a:solidFill>
-                <a:schemeClr val="dk2"/>
-              </a:solidFill>
-              <a:highlight>
-                <a:srgbClr val="FFFFFF"/>
-              </a:highlight>
-              <a:latin typeface="Source Code Pro"/>
-              <a:ea typeface="Source Code Pro"/>
-              <a:cs typeface="Source Code Pro"/>
-              <a:sym typeface="Source Code Pro"/>
-            </a:endParaRPr>
-          </a:p>
-          <a:p>
-            <a:pPr indent="-276225" lvl="0" marL="457200" rtl="0" algn="l">
-              <a:lnSpc>
-                <a:spcPct val="115000"/>
-              </a:lnSpc>
-              <a:spcBef>
-                <a:spcPts val="0"/>
-              </a:spcBef>
-              <a:spcAft>
-                <a:spcPts val="0"/>
-              </a:spcAft>
-              <a:buClr>
-                <a:schemeClr val="dk2"/>
-              </a:buClr>
-              <a:buSzPts val="750"/>
-              <a:buFont typeface="Source Code Pro"/>
-              <a:buChar char="●"/>
-            </a:pPr>
-            <a:r>
-              <a:rPr lang="en" sz="750">
-                <a:solidFill>
-                  <a:schemeClr val="dk2"/>
-                </a:solidFill>
-                <a:highlight>
-                  <a:srgbClr val="FFFFFF"/>
-                </a:highlight>
-                <a:latin typeface="Source Code Pro"/>
-                <a:ea typeface="Source Code Pro"/>
-                <a:cs typeface="Source Code Pro"/>
-                <a:sym typeface="Source Code Pro"/>
-              </a:rPr>
-              <a:t> product_width_cm               102409 non-null  float64</a:t>
-            </a:r>
-            <a:endParaRPr sz="750">
-              <a:solidFill>
-                <a:schemeClr val="dk2"/>
-              </a:solidFill>
-              <a:highlight>
-                <a:srgbClr val="FFFFFF"/>
-              </a:highlight>
-              <a:latin typeface="Source Code Pro"/>
-              <a:ea typeface="Source Code Pro"/>
-              <a:cs typeface="Source Code Pro"/>
-              <a:sym typeface="Source Code Pro"/>
-            </a:endParaRPr>
-          </a:p>
-          <a:p>
-            <a:pPr indent="-276225" lvl="0" marL="457200" rtl="0" algn="l">
-              <a:lnSpc>
-                <a:spcPct val="115000"/>
-              </a:lnSpc>
-              <a:spcBef>
-                <a:spcPts val="0"/>
-              </a:spcBef>
-              <a:spcAft>
-                <a:spcPts val="0"/>
-              </a:spcAft>
-              <a:buClr>
-                <a:schemeClr val="dk2"/>
-              </a:buClr>
-              <a:buSzPts val="750"/>
-              <a:buFont typeface="Source Code Pro"/>
-              <a:buChar char="●"/>
-            </a:pPr>
-            <a:r>
-              <a:rPr lang="en" sz="750">
-                <a:solidFill>
-                  <a:schemeClr val="dk2"/>
-                </a:solidFill>
-                <a:highlight>
-                  <a:srgbClr val="FFFFFF"/>
-                </a:highlight>
-                <a:latin typeface="Source Code Pro"/>
-                <a:ea typeface="Source Code Pro"/>
-                <a:cs typeface="Source Code Pro"/>
-                <a:sym typeface="Source Code Pro"/>
-              </a:rPr>
-              <a:t> review_score                   102425 non-null  float64</a:t>
-            </a:r>
-            <a:endParaRPr sz="750">
-              <a:solidFill>
-                <a:schemeClr val="dk2"/>
-              </a:solidFill>
-              <a:highlight>
-                <a:srgbClr val="FFFFFF"/>
-              </a:highlight>
-              <a:latin typeface="Source Code Pro"/>
-              <a:ea typeface="Source Code Pro"/>
-              <a:cs typeface="Source Code Pro"/>
-              <a:sym typeface="Source Code Pro"/>
-            </a:endParaRPr>
-          </a:p>
-          <a:p>
-            <a:pPr indent="-276225" lvl="0" marL="457200" rtl="0" algn="l">
-              <a:lnSpc>
-                <a:spcPct val="115000"/>
-              </a:lnSpc>
-              <a:spcBef>
-                <a:spcPts val="0"/>
-              </a:spcBef>
-              <a:spcAft>
-                <a:spcPts val="0"/>
-              </a:spcAft>
-              <a:buClr>
-                <a:schemeClr val="dk2"/>
-              </a:buClr>
-              <a:buSzPts val="750"/>
-              <a:buFont typeface="Source Code Pro"/>
-              <a:buChar char="●"/>
-            </a:pPr>
-            <a:r>
-              <a:rPr lang="en" sz="750">
-                <a:solidFill>
-                  <a:schemeClr val="dk2"/>
-                </a:solidFill>
-                <a:highlight>
-                  <a:srgbClr val="FFFFFF"/>
-                </a:highlight>
-                <a:latin typeface="Source Code Pro"/>
-                <a:ea typeface="Source Code Pro"/>
-                <a:cs typeface="Source Code Pro"/>
-                <a:sym typeface="Source Code Pro"/>
-              </a:rPr>
-              <a:t> review_comment_title           12193 non-null   object </a:t>
-            </a:r>
-            <a:endParaRPr sz="750">
-              <a:solidFill>
-                <a:schemeClr val="dk2"/>
-              </a:solidFill>
-              <a:highlight>
-                <a:srgbClr val="FFFFFF"/>
-              </a:highlight>
-              <a:latin typeface="Source Code Pro"/>
-              <a:ea typeface="Source Code Pro"/>
-              <a:cs typeface="Source Code Pro"/>
-              <a:sym typeface="Source Code Pro"/>
-            </a:endParaRPr>
-          </a:p>
-          <a:p>
-            <a:pPr indent="-276225" lvl="0" marL="457200" rtl="0" algn="l">
-              <a:lnSpc>
-                <a:spcPct val="115000"/>
-              </a:lnSpc>
-              <a:spcBef>
-                <a:spcPts val="0"/>
-              </a:spcBef>
-              <a:spcAft>
-                <a:spcPts val="0"/>
-              </a:spcAft>
-              <a:buClr>
-                <a:schemeClr val="dk2"/>
-              </a:buClr>
-              <a:buSzPts val="750"/>
-              <a:buFont typeface="Source Code Pro"/>
-              <a:buChar char="●"/>
-            </a:pPr>
-            <a:r>
-              <a:rPr lang="en" sz="750">
-                <a:solidFill>
-                  <a:schemeClr val="dk2"/>
-                </a:solidFill>
-                <a:highlight>
-                  <a:srgbClr val="FFFFFF"/>
-                </a:highlight>
-                <a:latin typeface="Source Code Pro"/>
-                <a:ea typeface="Source Code Pro"/>
-                <a:cs typeface="Source Code Pro"/>
-                <a:sym typeface="Source Code Pro"/>
-              </a:rPr>
-              <a:t> review_comment_message         43146 non-null   object </a:t>
-            </a:r>
-            <a:endParaRPr sz="750">
-              <a:solidFill>
-                <a:schemeClr val="dk2"/>
-              </a:solidFill>
-              <a:highlight>
-                <a:srgbClr val="FFFFFF"/>
-              </a:highlight>
-              <a:latin typeface="Source Code Pro"/>
-              <a:ea typeface="Source Code Pro"/>
-              <a:cs typeface="Source Code Pro"/>
-              <a:sym typeface="Source Code Pro"/>
-            </a:endParaRPr>
-          </a:p>
-          <a:p>
-            <a:pPr indent="-276225" lvl="0" marL="457200" rtl="0" algn="l">
-              <a:lnSpc>
-                <a:spcPct val="115000"/>
-              </a:lnSpc>
-              <a:spcBef>
-                <a:spcPts val="0"/>
-              </a:spcBef>
-              <a:spcAft>
-                <a:spcPts val="0"/>
-              </a:spcAft>
-              <a:buClr>
-                <a:schemeClr val="dk2"/>
-              </a:buClr>
-              <a:buSzPts val="750"/>
-              <a:buFont typeface="Source Code Pro"/>
-              <a:buChar char="●"/>
-            </a:pPr>
-            <a:r>
-              <a:rPr lang="en" sz="750">
-                <a:solidFill>
-                  <a:schemeClr val="dk2"/>
-                </a:solidFill>
-                <a:highlight>
-                  <a:srgbClr val="FFFFFF"/>
-                </a:highlight>
-                <a:latin typeface="Source Code Pro"/>
-                <a:ea typeface="Source Code Pro"/>
-                <a:cs typeface="Source Code Pro"/>
-                <a:sym typeface="Source Code Pro"/>
-              </a:rPr>
-              <a:t> review_answer_timestamp        102425 non-null  object </a:t>
-            </a:r>
-            <a:endParaRPr sz="750">
-              <a:solidFill>
-                <a:schemeClr val="dk2"/>
-              </a:solidFill>
-              <a:highlight>
-                <a:srgbClr val="FFFFFF"/>
-              </a:highlight>
-              <a:latin typeface="Source Code Pro"/>
-              <a:ea typeface="Source Code Pro"/>
-              <a:cs typeface="Source Code Pro"/>
-              <a:sym typeface="Source Code Pro"/>
-            </a:endParaRPr>
-          </a:p>
-          <a:p>
-            <a:pPr indent="0" lvl="0" marL="0" rtl="0" algn="l">
-              <a:lnSpc>
-                <a:spcPct val="115000"/>
-              </a:lnSpc>
-              <a:spcBef>
-                <a:spcPts val="1100"/>
-              </a:spcBef>
-              <a:spcAft>
-                <a:spcPts val="1100"/>
-              </a:spcAft>
-              <a:buNone/>
-            </a:pPr>
-            <a:r>
-              <a:t/>
-            </a:r>
-            <a:endParaRPr sz="750">
-              <a:solidFill>
-                <a:schemeClr val="dk2"/>
-              </a:solidFill>
-              <a:highlight>
-                <a:srgbClr val="FFFFFF"/>
-              </a:highlight>
-              <a:latin typeface="Source Code Pro"/>
-              <a:ea typeface="Source Code Pro"/>
-              <a:cs typeface="Source Code Pro"/>
-              <a:sym typeface="Source Code Pro"/>
-            </a:endParaRPr>
-          </a:p>
-        </p:txBody>
-      </p:sp>
+      </p:pic>
     </p:spTree>
   </p:cSld>
   <p:clrMapOvr>
@@ -11059,7 +10728,7 @@
           </a:bodyPr>
           <a:lstStyle/>
           <a:p>
-            <a:pPr indent="0" lvl="0" marL="0" rtl="0" algn="l">
+            <a:pPr indent="0" lvl="0" marL="0" rtl="0" algn="r">
               <a:spcBef>
                 <a:spcPts val="0"/>
               </a:spcBef>
@@ -11070,30 +10739,22 @@
             </a:pPr>
             <a:r>
               <a:rPr lang="en"/>
-              <a:t>Préparation des données</a:t>
+              <a:t>Feature engineering</a:t>
             </a:r>
             <a:endParaRPr/>
           </a:p>
         </p:txBody>
       </p:sp>
-      <p:pic>
-        <p:nvPicPr>
+      <p:sp>
+        <p:nvSpPr>
           <p:cNvPr id="85" name="Google Shape;85;p17"/>
-          <p:cNvPicPr preferRelativeResize="0"/>
+          <p:cNvSpPr txBox="1"/>
           <p:nvPr/>
-        </p:nvPicPr>
-        <p:blipFill>
-          <a:blip r:embed="rId3">
-            <a:alphaModFix/>
-          </a:blip>
-          <a:stretch>
-            <a:fillRect/>
-          </a:stretch>
-        </p:blipFill>
+        </p:nvSpPr>
         <p:spPr>
           <a:xfrm>
-            <a:off x="1567698" y="2165550"/>
-            <a:ext cx="1971577" cy="1422000"/>
+            <a:off x="4834375" y="1554375"/>
+            <a:ext cx="4322100" cy="1901700"/>
           </a:xfrm>
           <a:prstGeom prst="rect">
             <a:avLst/>
@@ -11103,35 +10764,645 @@
             <a:noFill/>
           </a:ln>
         </p:spPr>
-      </p:pic>
-      <p:pic>
-        <p:nvPicPr>
+        <p:txBody>
+          <a:bodyPr anchorCtr="0" anchor="t" bIns="91425" lIns="91425" spcFirstLastPara="1" rIns="91425" wrap="square" tIns="91425">
+            <a:spAutoFit/>
+          </a:bodyPr>
+          <a:lstStyle/>
+          <a:p>
+            <a:pPr indent="0" lvl="0" marL="0" rtl="0" algn="l">
+              <a:lnSpc>
+                <a:spcPct val="115000"/>
+              </a:lnSpc>
+              <a:spcBef>
+                <a:spcPts val="0"/>
+              </a:spcBef>
+              <a:spcAft>
+                <a:spcPts val="0"/>
+              </a:spcAft>
+              <a:buNone/>
+            </a:pPr>
+            <a:r>
+              <a:rPr lang="en" sz="750">
+                <a:solidFill>
+                  <a:schemeClr val="dk2"/>
+                </a:solidFill>
+                <a:highlight>
+                  <a:srgbClr val="FFFFFF"/>
+                </a:highlight>
+                <a:latin typeface="Source Code Pro"/>
+                <a:ea typeface="Source Code Pro"/>
+                <a:cs typeface="Source Code Pro"/>
+                <a:sym typeface="Source Code Pro"/>
+              </a:rPr>
+              <a:t>Préparation d gardons donc les colonnes avec les types suivantes :</a:t>
+            </a:r>
+            <a:endParaRPr sz="750">
+              <a:solidFill>
+                <a:schemeClr val="dk2"/>
+              </a:solidFill>
+              <a:highlight>
+                <a:srgbClr val="FFFFFF"/>
+              </a:highlight>
+              <a:latin typeface="Source Code Pro"/>
+              <a:ea typeface="Source Code Pro"/>
+              <a:cs typeface="Source Code Pro"/>
+              <a:sym typeface="Source Code Pro"/>
+            </a:endParaRPr>
+          </a:p>
+          <a:p>
+            <a:pPr indent="-276225" lvl="0" marL="457200" rtl="0" algn="l">
+              <a:lnSpc>
+                <a:spcPct val="115000"/>
+              </a:lnSpc>
+              <a:spcBef>
+                <a:spcPts val="1100"/>
+              </a:spcBef>
+              <a:spcAft>
+                <a:spcPts val="0"/>
+              </a:spcAft>
+              <a:buClr>
+                <a:schemeClr val="dk2"/>
+              </a:buClr>
+              <a:buSzPts val="750"/>
+              <a:buFont typeface="Source Code Pro"/>
+              <a:buChar char="●"/>
+            </a:pPr>
+            <a:r>
+              <a:rPr lang="en" sz="750">
+                <a:solidFill>
+                  <a:schemeClr val="dk2"/>
+                </a:solidFill>
+                <a:highlight>
+                  <a:srgbClr val="FFFFFF"/>
+                </a:highlight>
+                <a:latin typeface="Source Code Pro"/>
+                <a:ea typeface="Source Code Pro"/>
+                <a:cs typeface="Source Code Pro"/>
+                <a:sym typeface="Source Code Pro"/>
+              </a:rPr>
+              <a:t> nb_purchases                99441 non-null  int64  </a:t>
+            </a:r>
+            <a:endParaRPr sz="750">
+              <a:solidFill>
+                <a:schemeClr val="dk2"/>
+              </a:solidFill>
+              <a:highlight>
+                <a:srgbClr val="FFFFFF"/>
+              </a:highlight>
+              <a:latin typeface="Source Code Pro"/>
+              <a:ea typeface="Source Code Pro"/>
+              <a:cs typeface="Source Code Pro"/>
+              <a:sym typeface="Source Code Pro"/>
+            </a:endParaRPr>
+          </a:p>
+          <a:p>
+            <a:pPr indent="-276225" lvl="0" marL="457200" rtl="0" algn="l">
+              <a:lnSpc>
+                <a:spcPct val="115000"/>
+              </a:lnSpc>
+              <a:spcBef>
+                <a:spcPts val="0"/>
+              </a:spcBef>
+              <a:spcAft>
+                <a:spcPts val="0"/>
+              </a:spcAft>
+              <a:buClr>
+                <a:schemeClr val="dk2"/>
+              </a:buClr>
+              <a:buSzPts val="750"/>
+              <a:buFont typeface="Source Code Pro"/>
+              <a:buChar char="●"/>
+            </a:pPr>
+            <a:r>
+              <a:rPr lang="en" sz="750">
+                <a:solidFill>
+                  <a:schemeClr val="dk2"/>
+                </a:solidFill>
+                <a:highlight>
+                  <a:srgbClr val="FFFFFF"/>
+                </a:highlight>
+                <a:latin typeface="Source Code Pro"/>
+                <a:ea typeface="Source Code Pro"/>
+                <a:cs typeface="Source Code Pro"/>
+                <a:sym typeface="Source Code Pro"/>
+              </a:rPr>
+              <a:t> average_payment_value       99440 non-null  float64</a:t>
+            </a:r>
+            <a:endParaRPr sz="750">
+              <a:solidFill>
+                <a:schemeClr val="dk2"/>
+              </a:solidFill>
+              <a:highlight>
+                <a:srgbClr val="FFFFFF"/>
+              </a:highlight>
+              <a:latin typeface="Source Code Pro"/>
+              <a:ea typeface="Source Code Pro"/>
+              <a:cs typeface="Source Code Pro"/>
+              <a:sym typeface="Source Code Pro"/>
+            </a:endParaRPr>
+          </a:p>
+          <a:p>
+            <a:pPr indent="-276225" lvl="0" marL="457200" rtl="0" algn="l">
+              <a:lnSpc>
+                <a:spcPct val="115000"/>
+              </a:lnSpc>
+              <a:spcBef>
+                <a:spcPts val="0"/>
+              </a:spcBef>
+              <a:spcAft>
+                <a:spcPts val="0"/>
+              </a:spcAft>
+              <a:buClr>
+                <a:schemeClr val="dk2"/>
+              </a:buClr>
+              <a:buSzPts val="750"/>
+              <a:buFont typeface="Source Code Pro"/>
+              <a:buChar char="●"/>
+            </a:pPr>
+            <a:r>
+              <a:rPr lang="en" sz="750">
+                <a:solidFill>
+                  <a:schemeClr val="dk2"/>
+                </a:solidFill>
+                <a:highlight>
+                  <a:srgbClr val="FFFFFF"/>
+                </a:highlight>
+                <a:latin typeface="Source Code Pro"/>
+                <a:ea typeface="Source Code Pro"/>
+                <a:cs typeface="Source Code Pro"/>
+                <a:sym typeface="Source Code Pro"/>
+              </a:rPr>
+              <a:t> total_payment_value         99441 non-null  float64</a:t>
+            </a:r>
+            <a:endParaRPr sz="750">
+              <a:solidFill>
+                <a:schemeClr val="dk2"/>
+              </a:solidFill>
+              <a:highlight>
+                <a:srgbClr val="FFFFFF"/>
+              </a:highlight>
+              <a:latin typeface="Source Code Pro"/>
+              <a:ea typeface="Source Code Pro"/>
+              <a:cs typeface="Source Code Pro"/>
+              <a:sym typeface="Source Code Pro"/>
+            </a:endParaRPr>
+          </a:p>
+          <a:p>
+            <a:pPr indent="-276225" lvl="0" marL="457200" rtl="0" algn="l">
+              <a:lnSpc>
+                <a:spcPct val="115000"/>
+              </a:lnSpc>
+              <a:spcBef>
+                <a:spcPts val="0"/>
+              </a:spcBef>
+              <a:spcAft>
+                <a:spcPts val="0"/>
+              </a:spcAft>
+              <a:buClr>
+                <a:schemeClr val="dk2"/>
+              </a:buClr>
+              <a:buSzPts val="750"/>
+              <a:buFont typeface="Source Code Pro"/>
+              <a:buChar char="●"/>
+            </a:pPr>
+            <a:r>
+              <a:rPr lang="en" sz="750">
+                <a:solidFill>
+                  <a:schemeClr val="dk2"/>
+                </a:solidFill>
+                <a:highlight>
+                  <a:srgbClr val="FFFFFF"/>
+                </a:highlight>
+                <a:latin typeface="Source Code Pro"/>
+                <a:ea typeface="Source Code Pro"/>
+                <a:cs typeface="Source Code Pro"/>
+                <a:sym typeface="Source Code Pro"/>
+              </a:rPr>
+              <a:t> preferred_product_category  97250 non-null  object </a:t>
+            </a:r>
+            <a:endParaRPr sz="750">
+              <a:solidFill>
+                <a:schemeClr val="dk2"/>
+              </a:solidFill>
+              <a:highlight>
+                <a:srgbClr val="FFFFFF"/>
+              </a:highlight>
+              <a:latin typeface="Source Code Pro"/>
+              <a:ea typeface="Source Code Pro"/>
+              <a:cs typeface="Source Code Pro"/>
+              <a:sym typeface="Source Code Pro"/>
+            </a:endParaRPr>
+          </a:p>
+          <a:p>
+            <a:pPr indent="-276225" lvl="0" marL="457200" rtl="0" algn="l">
+              <a:lnSpc>
+                <a:spcPct val="115000"/>
+              </a:lnSpc>
+              <a:spcBef>
+                <a:spcPts val="0"/>
+              </a:spcBef>
+              <a:spcAft>
+                <a:spcPts val="0"/>
+              </a:spcAft>
+              <a:buClr>
+                <a:schemeClr val="dk2"/>
+              </a:buClr>
+              <a:buSzPts val="750"/>
+              <a:buFont typeface="Source Code Pro"/>
+              <a:buChar char="●"/>
+            </a:pPr>
+            <a:r>
+              <a:rPr lang="en" sz="750">
+                <a:solidFill>
+                  <a:schemeClr val="dk2"/>
+                </a:solidFill>
+                <a:highlight>
+                  <a:srgbClr val="FFFFFF"/>
+                </a:highlight>
+                <a:latin typeface="Source Code Pro"/>
+                <a:ea typeface="Source Code Pro"/>
+                <a:cs typeface="Source Code Pro"/>
+                <a:sym typeface="Source Code Pro"/>
+              </a:rPr>
+              <a:t> writes_reviews              99441 non-null  bool   </a:t>
+            </a:r>
+            <a:endParaRPr sz="750">
+              <a:solidFill>
+                <a:schemeClr val="dk2"/>
+              </a:solidFill>
+              <a:highlight>
+                <a:srgbClr val="FFFFFF"/>
+              </a:highlight>
+              <a:latin typeface="Source Code Pro"/>
+              <a:ea typeface="Source Code Pro"/>
+              <a:cs typeface="Source Code Pro"/>
+              <a:sym typeface="Source Code Pro"/>
+            </a:endParaRPr>
+          </a:p>
+          <a:p>
+            <a:pPr indent="-276225" lvl="0" marL="457200" rtl="0" algn="l">
+              <a:lnSpc>
+                <a:spcPct val="115000"/>
+              </a:lnSpc>
+              <a:spcBef>
+                <a:spcPts val="0"/>
+              </a:spcBef>
+              <a:spcAft>
+                <a:spcPts val="0"/>
+              </a:spcAft>
+              <a:buClr>
+                <a:schemeClr val="dk2"/>
+              </a:buClr>
+              <a:buSzPts val="750"/>
+              <a:buFont typeface="Source Code Pro"/>
+              <a:buChar char="●"/>
+            </a:pPr>
+            <a:r>
+              <a:rPr lang="en" sz="750">
+                <a:solidFill>
+                  <a:schemeClr val="dk2"/>
+                </a:solidFill>
+                <a:highlight>
+                  <a:srgbClr val="FFFFFF"/>
+                </a:highlight>
+                <a:latin typeface="Source Code Pro"/>
+                <a:ea typeface="Source Code Pro"/>
+                <a:cs typeface="Source Code Pro"/>
+                <a:sym typeface="Source Code Pro"/>
+              </a:rPr>
+              <a:t> writes_titles               99441 non-null  bool   </a:t>
+            </a:r>
+            <a:endParaRPr sz="750">
+              <a:solidFill>
+                <a:schemeClr val="dk2"/>
+              </a:solidFill>
+              <a:highlight>
+                <a:srgbClr val="FFFFFF"/>
+              </a:highlight>
+              <a:latin typeface="Source Code Pro"/>
+              <a:ea typeface="Source Code Pro"/>
+              <a:cs typeface="Source Code Pro"/>
+              <a:sym typeface="Source Code Pro"/>
+            </a:endParaRPr>
+          </a:p>
+          <a:p>
+            <a:pPr indent="-276225" lvl="0" marL="457200" rtl="0" algn="l">
+              <a:lnSpc>
+                <a:spcPct val="115000"/>
+              </a:lnSpc>
+              <a:spcBef>
+                <a:spcPts val="0"/>
+              </a:spcBef>
+              <a:spcAft>
+                <a:spcPts val="0"/>
+              </a:spcAft>
+              <a:buClr>
+                <a:schemeClr val="dk2"/>
+              </a:buClr>
+              <a:buSzPts val="750"/>
+              <a:buFont typeface="Source Code Pro"/>
+              <a:buChar char="●"/>
+            </a:pPr>
+            <a:r>
+              <a:rPr lang="en" sz="750">
+                <a:solidFill>
+                  <a:schemeClr val="dk2"/>
+                </a:solidFill>
+                <a:highlight>
+                  <a:srgbClr val="FFFFFF"/>
+                </a:highlight>
+                <a:latin typeface="Source Code Pro"/>
+                <a:ea typeface="Source Code Pro"/>
+                <a:cs typeface="Source Code Pro"/>
+                <a:sym typeface="Source Code Pro"/>
+              </a:rPr>
+              <a:t> customer_state              99441 non-null  object </a:t>
+            </a:r>
+            <a:endParaRPr sz="750">
+              <a:solidFill>
+                <a:schemeClr val="dk2"/>
+              </a:solidFill>
+              <a:highlight>
+                <a:srgbClr val="FFFFFF"/>
+              </a:highlight>
+              <a:latin typeface="Source Code Pro"/>
+              <a:ea typeface="Source Code Pro"/>
+              <a:cs typeface="Source Code Pro"/>
+              <a:sym typeface="Source Code Pro"/>
+            </a:endParaRPr>
+          </a:p>
+          <a:p>
+            <a:pPr indent="-276225" lvl="0" marL="457200" rtl="0" algn="l">
+              <a:lnSpc>
+                <a:spcPct val="115000"/>
+              </a:lnSpc>
+              <a:spcBef>
+                <a:spcPts val="0"/>
+              </a:spcBef>
+              <a:spcAft>
+                <a:spcPts val="0"/>
+              </a:spcAft>
+              <a:buClr>
+                <a:schemeClr val="dk2"/>
+              </a:buClr>
+              <a:buSzPts val="750"/>
+              <a:buFont typeface="Source Code Pro"/>
+              <a:buChar char="●"/>
+            </a:pPr>
+            <a:r>
+              <a:rPr lang="en" sz="750">
+                <a:solidFill>
+                  <a:schemeClr val="dk2"/>
+                </a:solidFill>
+                <a:highlight>
+                  <a:srgbClr val="FFFFFF"/>
+                </a:highlight>
+                <a:latin typeface="Source Code Pro"/>
+                <a:ea typeface="Source Code Pro"/>
+                <a:cs typeface="Source Code Pro"/>
+                <a:sym typeface="Source Code Pro"/>
+              </a:rPr>
+              <a:t> avg_rev_score               98666 non-null  float64</a:t>
+            </a:r>
+            <a:endParaRPr sz="750">
+              <a:solidFill>
+                <a:schemeClr val="dk2"/>
+              </a:solidFill>
+              <a:highlight>
+                <a:srgbClr val="FFFFFF"/>
+              </a:highlight>
+              <a:latin typeface="Source Code Pro"/>
+              <a:ea typeface="Source Code Pro"/>
+              <a:cs typeface="Source Code Pro"/>
+              <a:sym typeface="Source Code Pro"/>
+            </a:endParaRPr>
+          </a:p>
+          <a:p>
+            <a:pPr indent="-276225" lvl="0" marL="457200" rtl="0" algn="l">
+              <a:lnSpc>
+                <a:spcPct val="115000"/>
+              </a:lnSpc>
+              <a:spcBef>
+                <a:spcPts val="0"/>
+              </a:spcBef>
+              <a:spcAft>
+                <a:spcPts val="0"/>
+              </a:spcAft>
+              <a:buClr>
+                <a:schemeClr val="dk2"/>
+              </a:buClr>
+              <a:buSzPts val="750"/>
+              <a:buFont typeface="Source Code Pro"/>
+              <a:buChar char="●"/>
+            </a:pPr>
+            <a:r>
+              <a:rPr lang="en" sz="750">
+                <a:solidFill>
+                  <a:schemeClr val="dk2"/>
+                </a:solidFill>
+                <a:highlight>
+                  <a:srgbClr val="FFFFFF"/>
+                </a:highlight>
+                <a:latin typeface="Source Code Pro"/>
+                <a:ea typeface="Source Code Pro"/>
+                <a:cs typeface="Source Code Pro"/>
+                <a:sym typeface="Source Code Pro"/>
+              </a:rPr>
+              <a:t> avg_prod_price              98666 non-null  float64</a:t>
+            </a:r>
+            <a:endParaRPr sz="750">
+              <a:solidFill>
+                <a:schemeClr val="dk2"/>
+              </a:solidFill>
+              <a:highlight>
+                <a:srgbClr val="FFFFFF"/>
+              </a:highlight>
+              <a:latin typeface="Source Code Pro"/>
+              <a:ea typeface="Source Code Pro"/>
+              <a:cs typeface="Source Code Pro"/>
+              <a:sym typeface="Source Code Pro"/>
+            </a:endParaRPr>
+          </a:p>
+          <a:p>
+            <a:pPr indent="-276225" lvl="0" marL="457200" rtl="0" algn="l">
+              <a:lnSpc>
+                <a:spcPct val="115000"/>
+              </a:lnSpc>
+              <a:spcBef>
+                <a:spcPts val="0"/>
+              </a:spcBef>
+              <a:spcAft>
+                <a:spcPts val="0"/>
+              </a:spcAft>
+              <a:buClr>
+                <a:schemeClr val="dk2"/>
+              </a:buClr>
+              <a:buSzPts val="750"/>
+              <a:buFont typeface="Source Code Pro"/>
+              <a:buChar char="●"/>
+            </a:pPr>
+            <a:r>
+              <a:rPr lang="en" sz="750">
+                <a:solidFill>
+                  <a:schemeClr val="dk2"/>
+                </a:solidFill>
+                <a:highlight>
+                  <a:srgbClr val="FFFFFF"/>
+                </a:highlight>
+                <a:latin typeface="Source Code Pro"/>
+                <a:ea typeface="Source Code Pro"/>
+                <a:cs typeface="Source Code Pro"/>
+                <a:sym typeface="Source Code Pro"/>
+              </a:rPr>
+              <a:t> preferred_payment_method    99440 non-null  object </a:t>
+            </a:r>
+            <a:endParaRPr sz="750">
+              <a:solidFill>
+                <a:schemeClr val="dk2"/>
+              </a:solidFill>
+              <a:highlight>
+                <a:srgbClr val="FFFFFF"/>
+              </a:highlight>
+              <a:latin typeface="Source Code Pro"/>
+              <a:ea typeface="Source Code Pro"/>
+              <a:cs typeface="Source Code Pro"/>
+              <a:sym typeface="Source Code Pro"/>
+            </a:endParaRPr>
+          </a:p>
+          <a:p>
+            <a:pPr indent="-276225" lvl="0" marL="457200" rtl="0" algn="l">
+              <a:lnSpc>
+                <a:spcPct val="115000"/>
+              </a:lnSpc>
+              <a:spcBef>
+                <a:spcPts val="0"/>
+              </a:spcBef>
+              <a:spcAft>
+                <a:spcPts val="0"/>
+              </a:spcAft>
+              <a:buClr>
+                <a:schemeClr val="dk2"/>
+              </a:buClr>
+              <a:buSzPts val="750"/>
+              <a:buFont typeface="Source Code Pro"/>
+              <a:buChar char="●"/>
+            </a:pPr>
+            <a:r>
+              <a:rPr lang="en" sz="750">
+                <a:solidFill>
+                  <a:schemeClr val="dk2"/>
+                </a:solidFill>
+                <a:highlight>
+                  <a:srgbClr val="FFFFFF"/>
+                </a:highlight>
+                <a:latin typeface="Source Code Pro"/>
+                <a:ea typeface="Source Code Pro"/>
+                <a:cs typeface="Source Code Pro"/>
+                <a:sym typeface="Source Code Pro"/>
+              </a:rPr>
+              <a:t> avg_product_photos_qty      97250 non-null  float64</a:t>
+            </a:r>
+            <a:endParaRPr sz="1100">
+              <a:solidFill>
+                <a:schemeClr val="dk2"/>
+              </a:solidFill>
+              <a:latin typeface="Source Code Pro"/>
+              <a:ea typeface="Source Code Pro"/>
+              <a:cs typeface="Source Code Pro"/>
+              <a:sym typeface="Source Code Pro"/>
+            </a:endParaRPr>
+          </a:p>
+        </p:txBody>
+      </p:sp>
+      <p:sp>
+        <p:nvSpPr>
           <p:cNvPr id="86" name="Google Shape;86;p17"/>
-          <p:cNvPicPr preferRelativeResize="0"/>
-          <p:nvPr/>
-        </p:nvPicPr>
-        <p:blipFill>
-          <a:blip r:embed="rId4">
-            <a:alphaModFix/>
-          </a:blip>
-          <a:stretch>
-            <a:fillRect/>
-          </a:stretch>
-        </p:blipFill>
+          <p:cNvSpPr txBox="1"/>
+          <p:nvPr>
+            <p:ph idx="1" type="body"/>
+          </p:nvPr>
+        </p:nvSpPr>
         <p:spPr>
           <a:xfrm>
-            <a:off x="3559950" y="2165545"/>
-            <a:ext cx="2451751" cy="1422006"/>
+            <a:off x="410650" y="57150"/>
+            <a:ext cx="3995100" cy="261300"/>
           </a:xfrm>
           <a:prstGeom prst="rect">
             <a:avLst/>
           </a:prstGeom>
-          <a:noFill/>
-          <a:ln>
-            <a:noFill/>
-          </a:ln>
+          <a:solidFill>
+            <a:schemeClr val="dk1"/>
+          </a:solidFill>
         </p:spPr>
-      </p:pic>
+        <p:txBody>
+          <a:bodyPr anchorCtr="0" anchor="t" bIns="91425" lIns="91425" spcFirstLastPara="1" rIns="91425" wrap="square" tIns="91425">
+            <a:normAutofit fontScale="25000" lnSpcReduction="20000"/>
+          </a:bodyPr>
+          <a:lstStyle/>
+          <a:p>
+            <a:pPr indent="0" lvl="0" marL="0" rtl="0" algn="ctr">
+              <a:lnSpc>
+                <a:spcPct val="100000"/>
+              </a:lnSpc>
+              <a:spcBef>
+                <a:spcPts val="0"/>
+              </a:spcBef>
+              <a:spcAft>
+                <a:spcPts val="0"/>
+              </a:spcAft>
+              <a:buNone/>
+            </a:pPr>
+            <a:r>
+              <a:rPr b="1" lang="en" sz="4200">
+                <a:solidFill>
+                  <a:schemeClr val="accent1"/>
+                </a:solidFill>
+                <a:latin typeface="Amatic SC"/>
+                <a:ea typeface="Amatic SC"/>
+                <a:cs typeface="Amatic SC"/>
+                <a:sym typeface="Amatic SC"/>
+              </a:rPr>
+              <a:t>Base de données de référence</a:t>
+            </a:r>
+            <a:endParaRPr b="1" sz="4200">
+              <a:solidFill>
+                <a:schemeClr val="accent1"/>
+              </a:solidFill>
+              <a:latin typeface="Amatic SC"/>
+              <a:ea typeface="Amatic SC"/>
+              <a:cs typeface="Amatic SC"/>
+              <a:sym typeface="Amatic SC"/>
+            </a:endParaRPr>
+          </a:p>
+          <a:p>
+            <a:pPr indent="0" lvl="0" marL="0" rtl="0" algn="ctr">
+              <a:lnSpc>
+                <a:spcPct val="100000"/>
+              </a:lnSpc>
+              <a:spcBef>
+                <a:spcPts val="0"/>
+              </a:spcBef>
+              <a:spcAft>
+                <a:spcPts val="0"/>
+              </a:spcAft>
+              <a:buNone/>
+            </a:pPr>
+            <a:r>
+              <a:t/>
+            </a:r>
+            <a:endParaRPr b="1" sz="4200">
+              <a:solidFill>
+                <a:schemeClr val="accent1"/>
+              </a:solidFill>
+              <a:latin typeface="Amatic SC"/>
+              <a:ea typeface="Amatic SC"/>
+              <a:cs typeface="Amatic SC"/>
+              <a:sym typeface="Amatic SC"/>
+            </a:endParaRPr>
+          </a:p>
+        </p:txBody>
+      </p:sp>
       <p:sp>
         <p:nvSpPr>
           <p:cNvPr id="87" name="Google Shape;87;p17"/>
@@ -11142,8 +11413,8 @@
         </p:nvSpPr>
         <p:spPr>
           <a:xfrm>
-            <a:off x="1396975" y="1586975"/>
-            <a:ext cx="2160600" cy="478500"/>
+            <a:off x="4834375" y="1309975"/>
+            <a:ext cx="4043700" cy="261300"/>
           </a:xfrm>
           <a:prstGeom prst="rect">
             <a:avLst/>
@@ -11154,7 +11425,7 @@
         </p:spPr>
         <p:txBody>
           <a:bodyPr anchorCtr="0" anchor="t" bIns="91425" lIns="91425" spcFirstLastPara="1" rIns="91425" wrap="square" tIns="91425">
-            <a:normAutofit fontScale="55000" lnSpcReduction="20000"/>
+            <a:normAutofit fontScale="25000" lnSpcReduction="20000"/>
           </a:bodyPr>
           <a:lstStyle/>
           <a:p>
@@ -11180,12 +11451,16 @@
                 <a:cs typeface="Amatic SC"/>
                 <a:sym typeface="Amatic SC"/>
               </a:rPr>
-              <a:t>Missing data</a:t>
-            </a:r>
-            <a:endParaRPr b="1">
+              <a:t>Définition de variables</a:t>
+            </a:r>
+            <a:endParaRPr b="1" sz="4200">
               <a:solidFill>
                 <a:schemeClr val="accent1"/>
               </a:solidFill>
+              <a:latin typeface="Amatic SC"/>
+              <a:ea typeface="Amatic SC"/>
+              <a:cs typeface="Amatic SC"/>
+              <a:sym typeface="Amatic SC"/>
             </a:endParaRPr>
           </a:p>
         </p:txBody>
@@ -11194,31 +11469,30 @@
         <p:nvSpPr>
           <p:cNvPr id="88" name="Google Shape;88;p17"/>
           <p:cNvSpPr txBox="1"/>
-          <p:nvPr>
-            <p:ph idx="1" type="body"/>
-          </p:nvPr>
+          <p:nvPr/>
         </p:nvSpPr>
         <p:spPr>
           <a:xfrm>
-            <a:off x="3705523" y="1586975"/>
-            <a:ext cx="2160600" cy="478500"/>
+            <a:off x="410650" y="391325"/>
+            <a:ext cx="4113300" cy="4963500"/>
           </a:xfrm>
           <a:prstGeom prst="rect">
             <a:avLst/>
           </a:prstGeom>
-          <a:solidFill>
-            <a:schemeClr val="dk1"/>
-          </a:solidFill>
+          <a:noFill/>
+          <a:ln>
+            <a:noFill/>
+          </a:ln>
         </p:spPr>
         <p:txBody>
           <a:bodyPr anchorCtr="0" anchor="t" bIns="91425" lIns="91425" spcFirstLastPara="1" rIns="91425" wrap="square" tIns="91425">
-            <a:normAutofit fontScale="55000" lnSpcReduction="20000"/>
+            <a:spAutoFit/>
           </a:bodyPr>
           <a:lstStyle/>
           <a:p>
-            <a:pPr indent="0" lvl="0" marL="0" rtl="0" algn="ctr">
+            <a:pPr indent="0" lvl="0" marL="0" rtl="0" algn="l">
               <a:lnSpc>
-                <a:spcPct val="100000"/>
+                <a:spcPct val="115000"/>
               </a:lnSpc>
               <a:spcBef>
                 <a:spcPts val="0"/>
@@ -11229,153 +11503,1548 @@
               <a:buNone/>
             </a:pPr>
             <a:r>
-              <a:rPr b="1" lang="en" sz="4200">
-                <a:solidFill>
-                  <a:schemeClr val="accent1"/>
-                </a:solidFill>
-                <a:latin typeface="Amatic SC"/>
-                <a:ea typeface="Amatic SC"/>
-                <a:cs typeface="Amatic SC"/>
-                <a:sym typeface="Amatic SC"/>
+              <a:rPr lang="en" sz="750">
+                <a:solidFill>
+                  <a:schemeClr val="dk2"/>
+                </a:solidFill>
+                <a:highlight>
+                  <a:srgbClr val="FFFFFF"/>
+                </a:highlight>
+                <a:latin typeface="Source Code Pro"/>
+                <a:ea typeface="Source Code Pro"/>
+                <a:cs typeface="Source Code Pro"/>
+                <a:sym typeface="Source Code Pro"/>
               </a:rPr>
-              <a:t>KNN imputation</a:t>
-            </a:r>
-            <a:endParaRPr b="1">
+              <a:t>Préparation d gardons donc les colonnes avec les types suivantes :</a:t>
+            </a:r>
+            <a:endParaRPr sz="750">
               <a:solidFill>
-                <a:schemeClr val="accent1"/>
+                <a:schemeClr val="dk2"/>
               </a:solidFill>
+              <a:highlight>
+                <a:srgbClr val="FFFFFF"/>
+              </a:highlight>
+              <a:latin typeface="Source Code Pro"/>
+              <a:ea typeface="Source Code Pro"/>
+              <a:cs typeface="Source Code Pro"/>
+              <a:sym typeface="Source Code Pro"/>
             </a:endParaRPr>
           </a:p>
-        </p:txBody>
-      </p:sp>
-      <p:sp>
-        <p:nvSpPr>
-          <p:cNvPr id="89" name="Google Shape;89;p17"/>
-          <p:cNvSpPr txBox="1"/>
-          <p:nvPr>
-            <p:ph idx="1" type="body"/>
-          </p:nvPr>
-        </p:nvSpPr>
-        <p:spPr>
-          <a:xfrm>
-            <a:off x="6012537" y="1586975"/>
-            <a:ext cx="2160600" cy="478500"/>
-          </a:xfrm>
-          <a:prstGeom prst="rect">
-            <a:avLst/>
-          </a:prstGeom>
-          <a:solidFill>
-            <a:schemeClr val="dk1"/>
-          </a:solidFill>
-        </p:spPr>
-        <p:txBody>
-          <a:bodyPr anchorCtr="0" anchor="t" bIns="91425" lIns="91425" spcFirstLastPara="1" rIns="91425" wrap="square" tIns="91425">
-            <a:normAutofit fontScale="55000" lnSpcReduction="20000"/>
-          </a:bodyPr>
-          <a:lstStyle/>
-          <a:p>
-            <a:pPr indent="0" lvl="0" marL="0" rtl="0" algn="ctr">
+          <a:p>
+            <a:pPr indent="-276225" lvl="0" marL="457200" rtl="0" algn="l">
               <a:lnSpc>
-                <a:spcPct val="100000"/>
+                <a:spcPct val="115000"/>
               </a:lnSpc>
               <a:spcBef>
-                <a:spcPts val="0"/>
-              </a:spcBef>
-              <a:spcAft>
-                <a:spcPts val="0"/>
-              </a:spcAft>
-              <a:buNone/>
-            </a:pPr>
-            <a:r>
-              <a:rPr b="1" lang="en" sz="4200">
-                <a:solidFill>
-                  <a:schemeClr val="accent1"/>
-                </a:solidFill>
-                <a:latin typeface="Amatic SC"/>
-                <a:ea typeface="Amatic SC"/>
-                <a:cs typeface="Amatic SC"/>
-                <a:sym typeface="Amatic SC"/>
+                <a:spcPts val="1100"/>
+              </a:spcBef>
+              <a:spcAft>
+                <a:spcPts val="0"/>
+              </a:spcAft>
+              <a:buClr>
+                <a:schemeClr val="dk2"/>
+              </a:buClr>
+              <a:buSzPts val="750"/>
+              <a:buFont typeface="Source Code Pro"/>
+              <a:buChar char="●"/>
+            </a:pPr>
+            <a:r>
+              <a:rPr lang="en" sz="750">
+                <a:solidFill>
+                  <a:schemeClr val="dk2"/>
+                </a:solidFill>
+                <a:highlight>
+                  <a:srgbClr val="FFFFFF"/>
+                </a:highlight>
+                <a:latin typeface="Source Code Pro"/>
+                <a:ea typeface="Source Code Pro"/>
+                <a:cs typeface="Source Code Pro"/>
+                <a:sym typeface="Source Code Pro"/>
               </a:rPr>
-              <a:t>MINMAXSCALER</a:t>
-            </a:r>
-            <a:endParaRPr b="1">
+              <a:t> </a:t>
+            </a:r>
+            <a:r>
+              <a:rPr lang="en" sz="750">
+                <a:solidFill>
+                  <a:schemeClr val="dk2"/>
+                </a:solidFill>
+                <a:highlight>
+                  <a:srgbClr val="FFFFFF"/>
+                </a:highlight>
+                <a:latin typeface="Source Code Pro"/>
+                <a:ea typeface="Source Code Pro"/>
+                <a:cs typeface="Source Code Pro"/>
+                <a:sym typeface="Source Code Pro"/>
+              </a:rPr>
+              <a:t>order_id                       103200 non-null  object </a:t>
+            </a:r>
+            <a:endParaRPr sz="750">
               <a:solidFill>
-                <a:schemeClr val="accent1"/>
+                <a:schemeClr val="dk2"/>
               </a:solidFill>
+              <a:highlight>
+                <a:srgbClr val="FFFFFF"/>
+              </a:highlight>
+              <a:latin typeface="Source Code Pro"/>
+              <a:ea typeface="Source Code Pro"/>
+              <a:cs typeface="Source Code Pro"/>
+              <a:sym typeface="Source Code Pro"/>
             </a:endParaRPr>
           </a:p>
-        </p:txBody>
-      </p:sp>
-      <p:sp>
-        <p:nvSpPr>
-          <p:cNvPr id="90" name="Google Shape;90;p17"/>
-          <p:cNvSpPr txBox="1"/>
-          <p:nvPr>
-            <p:ph idx="1" type="body"/>
-          </p:nvPr>
-        </p:nvSpPr>
-        <p:spPr>
-          <a:xfrm>
-            <a:off x="6018262" y="2129350"/>
-            <a:ext cx="2332500" cy="1091700"/>
-          </a:xfrm>
-          <a:prstGeom prst="rect">
-            <a:avLst/>
-          </a:prstGeom>
-        </p:spPr>
-        <p:txBody>
-          <a:bodyPr anchorCtr="0" anchor="t" bIns="91425" lIns="0" spcFirstLastPara="1" rIns="91425" wrap="square" tIns="91425">
-            <a:noAutofit/>
-          </a:bodyPr>
-          <a:lstStyle/>
-          <a:p>
-            <a:pPr indent="-200660" lvl="0" marL="274320" rtl="0" algn="l">
-              <a:spcBef>
-                <a:spcPts val="0"/>
-              </a:spcBef>
-              <a:spcAft>
-                <a:spcPts val="0"/>
-              </a:spcAft>
-              <a:buSzPts val="1000"/>
+          <a:p>
+            <a:pPr indent="-276225" lvl="0" marL="457200" rtl="0" algn="l">
+              <a:lnSpc>
+                <a:spcPct val="115000"/>
+              </a:lnSpc>
+              <a:spcBef>
+                <a:spcPts val="0"/>
+              </a:spcBef>
+              <a:spcAft>
+                <a:spcPts val="0"/>
+              </a:spcAft>
+              <a:buClr>
+                <a:schemeClr val="dk2"/>
+              </a:buClr>
+              <a:buSzPts val="750"/>
+              <a:buFont typeface="Source Code Pro"/>
               <a:buChar char="●"/>
             </a:pPr>
             <a:r>
-              <a:rPr lang="en" sz="1000"/>
-              <a:t>Normalisation entre 0 et 1 en prenant les valeurs minimales et maximales comme référence</a:t>
-            </a:r>
-            <a:endParaRPr sz="1000"/>
-          </a:p>
-          <a:p>
-            <a:pPr indent="-200660" lvl="0" marL="274320" rtl="0" algn="l">
-              <a:spcBef>
-                <a:spcPts val="0"/>
-              </a:spcBef>
-              <a:spcAft>
-                <a:spcPts val="0"/>
-              </a:spcAft>
-              <a:buSzPts val="1000"/>
+              <a:rPr lang="en" sz="750">
+                <a:solidFill>
+                  <a:schemeClr val="dk2"/>
+                </a:solidFill>
+                <a:highlight>
+                  <a:srgbClr val="FFFFFF"/>
+                </a:highlight>
+                <a:latin typeface="Source Code Pro"/>
+                <a:ea typeface="Source Code Pro"/>
+                <a:cs typeface="Source Code Pro"/>
+                <a:sym typeface="Source Code Pro"/>
+              </a:rPr>
+              <a:t> customer_id                    103200 non-null  object </a:t>
+            </a:r>
+            <a:endParaRPr sz="750">
+              <a:solidFill>
+                <a:schemeClr val="dk2"/>
+              </a:solidFill>
+              <a:highlight>
+                <a:srgbClr val="FFFFFF"/>
+              </a:highlight>
+              <a:latin typeface="Source Code Pro"/>
+              <a:ea typeface="Source Code Pro"/>
+              <a:cs typeface="Source Code Pro"/>
+              <a:sym typeface="Source Code Pro"/>
+            </a:endParaRPr>
+          </a:p>
+          <a:p>
+            <a:pPr indent="-276225" lvl="0" marL="457200" rtl="0" algn="l">
+              <a:lnSpc>
+                <a:spcPct val="115000"/>
+              </a:lnSpc>
+              <a:spcBef>
+                <a:spcPts val="0"/>
+              </a:spcBef>
+              <a:spcAft>
+                <a:spcPts val="0"/>
+              </a:spcAft>
+              <a:buClr>
+                <a:schemeClr val="dk2"/>
+              </a:buClr>
+              <a:buSzPts val="750"/>
+              <a:buFont typeface="Source Code Pro"/>
               <a:buChar char="●"/>
             </a:pPr>
             <a:r>
-              <a:rPr lang="en" sz="1000"/>
-              <a:t>Normalisation exclusivement pour la représentation graphique</a:t>
-            </a:r>
-            <a:endParaRPr sz="1000"/>
+              <a:rPr lang="en" sz="750">
+                <a:solidFill>
+                  <a:schemeClr val="dk2"/>
+                </a:solidFill>
+                <a:highlight>
+                  <a:srgbClr val="FFFFFF"/>
+                </a:highlight>
+                <a:latin typeface="Source Code Pro"/>
+                <a:ea typeface="Source Code Pro"/>
+                <a:cs typeface="Source Code Pro"/>
+                <a:sym typeface="Source Code Pro"/>
+              </a:rPr>
+              <a:t> order_status                   103200 non-null  object </a:t>
+            </a:r>
+            <a:endParaRPr sz="750">
+              <a:solidFill>
+                <a:schemeClr val="dk2"/>
+              </a:solidFill>
+              <a:highlight>
+                <a:srgbClr val="FFFFFF"/>
+              </a:highlight>
+              <a:latin typeface="Source Code Pro"/>
+              <a:ea typeface="Source Code Pro"/>
+              <a:cs typeface="Source Code Pro"/>
+              <a:sym typeface="Source Code Pro"/>
+            </a:endParaRPr>
+          </a:p>
+          <a:p>
+            <a:pPr indent="-276225" lvl="0" marL="457200" rtl="0" algn="l">
+              <a:lnSpc>
+                <a:spcPct val="115000"/>
+              </a:lnSpc>
+              <a:spcBef>
+                <a:spcPts val="0"/>
+              </a:spcBef>
+              <a:spcAft>
+                <a:spcPts val="0"/>
+              </a:spcAft>
+              <a:buClr>
+                <a:schemeClr val="dk2"/>
+              </a:buClr>
+              <a:buSzPts val="750"/>
+              <a:buFont typeface="Source Code Pro"/>
+              <a:buChar char="●"/>
+            </a:pPr>
+            <a:r>
+              <a:rPr lang="en" sz="750">
+                <a:solidFill>
+                  <a:schemeClr val="dk2"/>
+                </a:solidFill>
+                <a:highlight>
+                  <a:srgbClr val="FFFFFF"/>
+                </a:highlight>
+                <a:latin typeface="Source Code Pro"/>
+                <a:ea typeface="Source Code Pro"/>
+                <a:cs typeface="Source Code Pro"/>
+                <a:sym typeface="Source Code Pro"/>
+              </a:rPr>
+              <a:t> order_purchase_timestamp       103200 non-null  object </a:t>
+            </a:r>
+            <a:endParaRPr sz="750">
+              <a:solidFill>
+                <a:schemeClr val="dk2"/>
+              </a:solidFill>
+              <a:highlight>
+                <a:srgbClr val="FFFFFF"/>
+              </a:highlight>
+              <a:latin typeface="Source Code Pro"/>
+              <a:ea typeface="Source Code Pro"/>
+              <a:cs typeface="Source Code Pro"/>
+              <a:sym typeface="Source Code Pro"/>
+            </a:endParaRPr>
+          </a:p>
+          <a:p>
+            <a:pPr indent="-276225" lvl="0" marL="457200" rtl="0" algn="l">
+              <a:lnSpc>
+                <a:spcPct val="115000"/>
+              </a:lnSpc>
+              <a:spcBef>
+                <a:spcPts val="0"/>
+              </a:spcBef>
+              <a:spcAft>
+                <a:spcPts val="0"/>
+              </a:spcAft>
+              <a:buClr>
+                <a:schemeClr val="dk2"/>
+              </a:buClr>
+              <a:buSzPts val="750"/>
+              <a:buFont typeface="Source Code Pro"/>
+              <a:buChar char="●"/>
+            </a:pPr>
+            <a:r>
+              <a:rPr lang="en" sz="750">
+                <a:solidFill>
+                  <a:schemeClr val="dk2"/>
+                </a:solidFill>
+                <a:highlight>
+                  <a:srgbClr val="FFFFFF"/>
+                </a:highlight>
+                <a:latin typeface="Source Code Pro"/>
+                <a:ea typeface="Source Code Pro"/>
+                <a:cs typeface="Source Code Pro"/>
+                <a:sym typeface="Source Code Pro"/>
+              </a:rPr>
+              <a:t> order_delivered_carrier_date   101398 non-null  object </a:t>
+            </a:r>
+            <a:endParaRPr sz="750">
+              <a:solidFill>
+                <a:schemeClr val="dk2"/>
+              </a:solidFill>
+              <a:highlight>
+                <a:srgbClr val="FFFFFF"/>
+              </a:highlight>
+              <a:latin typeface="Source Code Pro"/>
+              <a:ea typeface="Source Code Pro"/>
+              <a:cs typeface="Source Code Pro"/>
+              <a:sym typeface="Source Code Pro"/>
+            </a:endParaRPr>
+          </a:p>
+          <a:p>
+            <a:pPr indent="-276225" lvl="0" marL="457200" rtl="0" algn="l">
+              <a:lnSpc>
+                <a:spcPct val="115000"/>
+              </a:lnSpc>
+              <a:spcBef>
+                <a:spcPts val="0"/>
+              </a:spcBef>
+              <a:spcAft>
+                <a:spcPts val="0"/>
+              </a:spcAft>
+              <a:buClr>
+                <a:schemeClr val="dk2"/>
+              </a:buClr>
+              <a:buSzPts val="750"/>
+              <a:buFont typeface="Source Code Pro"/>
+              <a:buChar char="●"/>
+            </a:pPr>
+            <a:r>
+              <a:rPr lang="en" sz="750">
+                <a:solidFill>
+                  <a:schemeClr val="dk2"/>
+                </a:solidFill>
+                <a:highlight>
+                  <a:srgbClr val="FFFFFF"/>
+                </a:highlight>
+                <a:latin typeface="Source Code Pro"/>
+                <a:ea typeface="Source Code Pro"/>
+                <a:cs typeface="Source Code Pro"/>
+                <a:sym typeface="Source Code Pro"/>
+              </a:rPr>
+              <a:t> order_delivered_customer_date  100195 non-null  object </a:t>
+            </a:r>
+            <a:endParaRPr sz="750">
+              <a:solidFill>
+                <a:schemeClr val="dk2"/>
+              </a:solidFill>
+              <a:highlight>
+                <a:srgbClr val="FFFFFF"/>
+              </a:highlight>
+              <a:latin typeface="Source Code Pro"/>
+              <a:ea typeface="Source Code Pro"/>
+              <a:cs typeface="Source Code Pro"/>
+              <a:sym typeface="Source Code Pro"/>
+            </a:endParaRPr>
+          </a:p>
+          <a:p>
+            <a:pPr indent="-276225" lvl="0" marL="457200" rtl="0" algn="l">
+              <a:lnSpc>
+                <a:spcPct val="115000"/>
+              </a:lnSpc>
+              <a:spcBef>
+                <a:spcPts val="0"/>
+              </a:spcBef>
+              <a:spcAft>
+                <a:spcPts val="0"/>
+              </a:spcAft>
+              <a:buClr>
+                <a:schemeClr val="dk2"/>
+              </a:buClr>
+              <a:buSzPts val="750"/>
+              <a:buFont typeface="Source Code Pro"/>
+              <a:buChar char="●"/>
+            </a:pPr>
+            <a:r>
+              <a:rPr lang="en" sz="750">
+                <a:solidFill>
+                  <a:schemeClr val="dk2"/>
+                </a:solidFill>
+                <a:highlight>
+                  <a:srgbClr val="FFFFFF"/>
+                </a:highlight>
+                <a:latin typeface="Source Code Pro"/>
+                <a:ea typeface="Source Code Pro"/>
+                <a:cs typeface="Source Code Pro"/>
+                <a:sym typeface="Source Code Pro"/>
+              </a:rPr>
+              <a:t> order_estimated_delivery_date  103200 non-null  object </a:t>
+            </a:r>
+            <a:endParaRPr sz="750">
+              <a:solidFill>
+                <a:schemeClr val="dk2"/>
+              </a:solidFill>
+              <a:highlight>
+                <a:srgbClr val="FFFFFF"/>
+              </a:highlight>
+              <a:latin typeface="Source Code Pro"/>
+              <a:ea typeface="Source Code Pro"/>
+              <a:cs typeface="Source Code Pro"/>
+              <a:sym typeface="Source Code Pro"/>
+            </a:endParaRPr>
+          </a:p>
+          <a:p>
+            <a:pPr indent="-276225" lvl="0" marL="457200" rtl="0" algn="l">
+              <a:lnSpc>
+                <a:spcPct val="115000"/>
+              </a:lnSpc>
+              <a:spcBef>
+                <a:spcPts val="0"/>
+              </a:spcBef>
+              <a:spcAft>
+                <a:spcPts val="0"/>
+              </a:spcAft>
+              <a:buClr>
+                <a:schemeClr val="dk2"/>
+              </a:buClr>
+              <a:buSzPts val="750"/>
+              <a:buFont typeface="Source Code Pro"/>
+              <a:buChar char="●"/>
+            </a:pPr>
+            <a:r>
+              <a:rPr lang="en" sz="750">
+                <a:solidFill>
+                  <a:schemeClr val="dk2"/>
+                </a:solidFill>
+                <a:highlight>
+                  <a:srgbClr val="FFFFFF"/>
+                </a:highlight>
+                <a:latin typeface="Source Code Pro"/>
+                <a:ea typeface="Source Code Pro"/>
+                <a:cs typeface="Source Code Pro"/>
+                <a:sym typeface="Source Code Pro"/>
+              </a:rPr>
+              <a:t> customer_unique_id             103200 non-null  object </a:t>
+            </a:r>
+            <a:endParaRPr sz="750">
+              <a:solidFill>
+                <a:schemeClr val="dk2"/>
+              </a:solidFill>
+              <a:highlight>
+                <a:srgbClr val="FFFFFF"/>
+              </a:highlight>
+              <a:latin typeface="Source Code Pro"/>
+              <a:ea typeface="Source Code Pro"/>
+              <a:cs typeface="Source Code Pro"/>
+              <a:sym typeface="Source Code Pro"/>
+            </a:endParaRPr>
+          </a:p>
+          <a:p>
+            <a:pPr indent="-276225" lvl="0" marL="457200" rtl="0" algn="l">
+              <a:lnSpc>
+                <a:spcPct val="115000"/>
+              </a:lnSpc>
+              <a:spcBef>
+                <a:spcPts val="0"/>
+              </a:spcBef>
+              <a:spcAft>
+                <a:spcPts val="0"/>
+              </a:spcAft>
+              <a:buClr>
+                <a:schemeClr val="dk2"/>
+              </a:buClr>
+              <a:buSzPts val="750"/>
+              <a:buFont typeface="Source Code Pro"/>
+              <a:buChar char="●"/>
+            </a:pPr>
+            <a:r>
+              <a:rPr lang="en" sz="750">
+                <a:solidFill>
+                  <a:schemeClr val="dk2"/>
+                </a:solidFill>
+                <a:highlight>
+                  <a:srgbClr val="FFFFFF"/>
+                </a:highlight>
+                <a:latin typeface="Source Code Pro"/>
+                <a:ea typeface="Source Code Pro"/>
+                <a:cs typeface="Source Code Pro"/>
+                <a:sym typeface="Source Code Pro"/>
+              </a:rPr>
+              <a:t> customer_city                  103200 non-null  object </a:t>
+            </a:r>
+            <a:endParaRPr sz="750">
+              <a:solidFill>
+                <a:schemeClr val="dk2"/>
+              </a:solidFill>
+              <a:highlight>
+                <a:srgbClr val="FFFFFF"/>
+              </a:highlight>
+              <a:latin typeface="Source Code Pro"/>
+              <a:ea typeface="Source Code Pro"/>
+              <a:cs typeface="Source Code Pro"/>
+              <a:sym typeface="Source Code Pro"/>
+            </a:endParaRPr>
+          </a:p>
+          <a:p>
+            <a:pPr indent="-276225" lvl="0" marL="457200" rtl="0" algn="l">
+              <a:lnSpc>
+                <a:spcPct val="115000"/>
+              </a:lnSpc>
+              <a:spcBef>
+                <a:spcPts val="0"/>
+              </a:spcBef>
+              <a:spcAft>
+                <a:spcPts val="0"/>
+              </a:spcAft>
+              <a:buClr>
+                <a:schemeClr val="dk2"/>
+              </a:buClr>
+              <a:buSzPts val="750"/>
+              <a:buFont typeface="Source Code Pro"/>
+              <a:buChar char="●"/>
+            </a:pPr>
+            <a:r>
+              <a:rPr lang="en" sz="750">
+                <a:solidFill>
+                  <a:schemeClr val="dk2"/>
+                </a:solidFill>
+                <a:highlight>
+                  <a:srgbClr val="FFFFFF"/>
+                </a:highlight>
+                <a:latin typeface="Source Code Pro"/>
+                <a:ea typeface="Source Code Pro"/>
+                <a:cs typeface="Source Code Pro"/>
+                <a:sym typeface="Source Code Pro"/>
+              </a:rPr>
+              <a:t> customer_state                 103200 non-null  object </a:t>
+            </a:r>
+            <a:endParaRPr sz="750">
+              <a:solidFill>
+                <a:schemeClr val="dk2"/>
+              </a:solidFill>
+              <a:highlight>
+                <a:srgbClr val="FFFFFF"/>
+              </a:highlight>
+              <a:latin typeface="Source Code Pro"/>
+              <a:ea typeface="Source Code Pro"/>
+              <a:cs typeface="Source Code Pro"/>
+              <a:sym typeface="Source Code Pro"/>
+            </a:endParaRPr>
+          </a:p>
+          <a:p>
+            <a:pPr indent="-276225" lvl="0" marL="457200" rtl="0" algn="l">
+              <a:lnSpc>
+                <a:spcPct val="115000"/>
+              </a:lnSpc>
+              <a:spcBef>
+                <a:spcPts val="0"/>
+              </a:spcBef>
+              <a:spcAft>
+                <a:spcPts val="0"/>
+              </a:spcAft>
+              <a:buClr>
+                <a:schemeClr val="dk2"/>
+              </a:buClr>
+              <a:buSzPts val="750"/>
+              <a:buFont typeface="Source Code Pro"/>
+              <a:buChar char="●"/>
+            </a:pPr>
+            <a:r>
+              <a:rPr lang="en" sz="750">
+                <a:solidFill>
+                  <a:schemeClr val="dk2"/>
+                </a:solidFill>
+                <a:highlight>
+                  <a:srgbClr val="FFFFFF"/>
+                </a:highlight>
+                <a:latin typeface="Source Code Pro"/>
+                <a:ea typeface="Source Code Pro"/>
+                <a:cs typeface="Source Code Pro"/>
+                <a:sym typeface="Source Code Pro"/>
+              </a:rPr>
+              <a:t> order_item_id                  102425 non-null  float64</a:t>
+            </a:r>
+            <a:endParaRPr sz="750">
+              <a:solidFill>
+                <a:schemeClr val="dk2"/>
+              </a:solidFill>
+              <a:highlight>
+                <a:srgbClr val="FFFFFF"/>
+              </a:highlight>
+              <a:latin typeface="Source Code Pro"/>
+              <a:ea typeface="Source Code Pro"/>
+              <a:cs typeface="Source Code Pro"/>
+              <a:sym typeface="Source Code Pro"/>
+            </a:endParaRPr>
+          </a:p>
+          <a:p>
+            <a:pPr indent="-276225" lvl="0" marL="457200" rtl="0" algn="l">
+              <a:lnSpc>
+                <a:spcPct val="115000"/>
+              </a:lnSpc>
+              <a:spcBef>
+                <a:spcPts val="0"/>
+              </a:spcBef>
+              <a:spcAft>
+                <a:spcPts val="0"/>
+              </a:spcAft>
+              <a:buClr>
+                <a:schemeClr val="dk2"/>
+              </a:buClr>
+              <a:buSzPts val="750"/>
+              <a:buFont typeface="Source Code Pro"/>
+              <a:buChar char="●"/>
+            </a:pPr>
+            <a:r>
+              <a:rPr lang="en" sz="750">
+                <a:solidFill>
+                  <a:schemeClr val="dk2"/>
+                </a:solidFill>
+                <a:highlight>
+                  <a:srgbClr val="FFFFFF"/>
+                </a:highlight>
+                <a:latin typeface="Source Code Pro"/>
+                <a:ea typeface="Source Code Pro"/>
+                <a:cs typeface="Source Code Pro"/>
+                <a:sym typeface="Source Code Pro"/>
+              </a:rPr>
+              <a:t> product_id                     102425 non-null  object </a:t>
+            </a:r>
+            <a:endParaRPr sz="750">
+              <a:solidFill>
+                <a:schemeClr val="dk2"/>
+              </a:solidFill>
+              <a:highlight>
+                <a:srgbClr val="FFFFFF"/>
+              </a:highlight>
+              <a:latin typeface="Source Code Pro"/>
+              <a:ea typeface="Source Code Pro"/>
+              <a:cs typeface="Source Code Pro"/>
+              <a:sym typeface="Source Code Pro"/>
+            </a:endParaRPr>
+          </a:p>
+          <a:p>
+            <a:pPr indent="-276225" lvl="0" marL="457200" rtl="0" algn="l">
+              <a:lnSpc>
+                <a:spcPct val="115000"/>
+              </a:lnSpc>
+              <a:spcBef>
+                <a:spcPts val="0"/>
+              </a:spcBef>
+              <a:spcAft>
+                <a:spcPts val="0"/>
+              </a:spcAft>
+              <a:buClr>
+                <a:schemeClr val="dk2"/>
+              </a:buClr>
+              <a:buSzPts val="750"/>
+              <a:buFont typeface="Source Code Pro"/>
+              <a:buChar char="●"/>
+            </a:pPr>
+            <a:r>
+              <a:rPr lang="en" sz="750">
+                <a:solidFill>
+                  <a:schemeClr val="dk2"/>
+                </a:solidFill>
+                <a:highlight>
+                  <a:srgbClr val="FFFFFF"/>
+                </a:highlight>
+                <a:latin typeface="Source Code Pro"/>
+                <a:ea typeface="Source Code Pro"/>
+                <a:cs typeface="Source Code Pro"/>
+                <a:sym typeface="Source Code Pro"/>
+              </a:rPr>
+              <a:t> seller_id                      102425 non-null  object </a:t>
+            </a:r>
+            <a:endParaRPr sz="750">
+              <a:solidFill>
+                <a:schemeClr val="dk2"/>
+              </a:solidFill>
+              <a:highlight>
+                <a:srgbClr val="FFFFFF"/>
+              </a:highlight>
+              <a:latin typeface="Source Code Pro"/>
+              <a:ea typeface="Source Code Pro"/>
+              <a:cs typeface="Source Code Pro"/>
+              <a:sym typeface="Source Code Pro"/>
+            </a:endParaRPr>
+          </a:p>
+          <a:p>
+            <a:pPr indent="-276225" lvl="0" marL="457200" rtl="0" algn="l">
+              <a:lnSpc>
+                <a:spcPct val="115000"/>
+              </a:lnSpc>
+              <a:spcBef>
+                <a:spcPts val="0"/>
+              </a:spcBef>
+              <a:spcAft>
+                <a:spcPts val="0"/>
+              </a:spcAft>
+              <a:buClr>
+                <a:schemeClr val="dk2"/>
+              </a:buClr>
+              <a:buSzPts val="750"/>
+              <a:buFont typeface="Source Code Pro"/>
+              <a:buChar char="●"/>
+            </a:pPr>
+            <a:r>
+              <a:rPr lang="en" sz="750">
+                <a:solidFill>
+                  <a:schemeClr val="dk2"/>
+                </a:solidFill>
+                <a:highlight>
+                  <a:srgbClr val="FFFFFF"/>
+                </a:highlight>
+                <a:latin typeface="Source Code Pro"/>
+                <a:ea typeface="Source Code Pro"/>
+                <a:cs typeface="Source Code Pro"/>
+                <a:sym typeface="Source Code Pro"/>
+              </a:rPr>
+              <a:t> shipping_limit_date            102425 non-null  object </a:t>
+            </a:r>
+            <a:endParaRPr sz="750">
+              <a:solidFill>
+                <a:schemeClr val="dk2"/>
+              </a:solidFill>
+              <a:highlight>
+                <a:srgbClr val="FFFFFF"/>
+              </a:highlight>
+              <a:latin typeface="Source Code Pro"/>
+              <a:ea typeface="Source Code Pro"/>
+              <a:cs typeface="Source Code Pro"/>
+              <a:sym typeface="Source Code Pro"/>
+            </a:endParaRPr>
+          </a:p>
+          <a:p>
+            <a:pPr indent="-276225" lvl="0" marL="457200" rtl="0" algn="l">
+              <a:lnSpc>
+                <a:spcPct val="115000"/>
+              </a:lnSpc>
+              <a:spcBef>
+                <a:spcPts val="0"/>
+              </a:spcBef>
+              <a:spcAft>
+                <a:spcPts val="0"/>
+              </a:spcAft>
+              <a:buClr>
+                <a:schemeClr val="dk2"/>
+              </a:buClr>
+              <a:buSzPts val="750"/>
+              <a:buFont typeface="Source Code Pro"/>
+              <a:buChar char="●"/>
+            </a:pPr>
+            <a:r>
+              <a:rPr lang="en" sz="750">
+                <a:solidFill>
+                  <a:schemeClr val="dk2"/>
+                </a:solidFill>
+                <a:highlight>
+                  <a:srgbClr val="FFFFFF"/>
+                </a:highlight>
+                <a:latin typeface="Source Code Pro"/>
+                <a:ea typeface="Source Code Pro"/>
+                <a:cs typeface="Source Code Pro"/>
+                <a:sym typeface="Source Code Pro"/>
+              </a:rPr>
+              <a:t> price                          102425 non-null  float64</a:t>
+            </a:r>
+            <a:endParaRPr sz="750">
+              <a:solidFill>
+                <a:schemeClr val="dk2"/>
+              </a:solidFill>
+              <a:highlight>
+                <a:srgbClr val="FFFFFF"/>
+              </a:highlight>
+              <a:latin typeface="Source Code Pro"/>
+              <a:ea typeface="Source Code Pro"/>
+              <a:cs typeface="Source Code Pro"/>
+              <a:sym typeface="Source Code Pro"/>
+            </a:endParaRPr>
+          </a:p>
+          <a:p>
+            <a:pPr indent="-276225" lvl="0" marL="457200" rtl="0" algn="l">
+              <a:lnSpc>
+                <a:spcPct val="115000"/>
+              </a:lnSpc>
+              <a:spcBef>
+                <a:spcPts val="0"/>
+              </a:spcBef>
+              <a:spcAft>
+                <a:spcPts val="0"/>
+              </a:spcAft>
+              <a:buClr>
+                <a:schemeClr val="dk2"/>
+              </a:buClr>
+              <a:buSzPts val="750"/>
+              <a:buFont typeface="Source Code Pro"/>
+              <a:buChar char="●"/>
+            </a:pPr>
+            <a:r>
+              <a:rPr lang="en" sz="750">
+                <a:solidFill>
+                  <a:schemeClr val="dk2"/>
+                </a:solidFill>
+                <a:highlight>
+                  <a:srgbClr val="FFFFFF"/>
+                </a:highlight>
+                <a:latin typeface="Source Code Pro"/>
+                <a:ea typeface="Source Code Pro"/>
+                <a:cs typeface="Source Code Pro"/>
+                <a:sym typeface="Source Code Pro"/>
+              </a:rPr>
+              <a:t> freight_value                  102425 non-null  float64</a:t>
+            </a:r>
+            <a:endParaRPr sz="750">
+              <a:solidFill>
+                <a:schemeClr val="dk2"/>
+              </a:solidFill>
+              <a:highlight>
+                <a:srgbClr val="FFFFFF"/>
+              </a:highlight>
+              <a:latin typeface="Source Code Pro"/>
+              <a:ea typeface="Source Code Pro"/>
+              <a:cs typeface="Source Code Pro"/>
+              <a:sym typeface="Source Code Pro"/>
+            </a:endParaRPr>
+          </a:p>
+          <a:p>
+            <a:pPr indent="-276225" lvl="0" marL="457200" rtl="0" algn="l">
+              <a:lnSpc>
+                <a:spcPct val="115000"/>
+              </a:lnSpc>
+              <a:spcBef>
+                <a:spcPts val="0"/>
+              </a:spcBef>
+              <a:spcAft>
+                <a:spcPts val="0"/>
+              </a:spcAft>
+              <a:buClr>
+                <a:schemeClr val="dk2"/>
+              </a:buClr>
+              <a:buSzPts val="750"/>
+              <a:buFont typeface="Source Code Pro"/>
+              <a:buChar char="●"/>
+            </a:pPr>
+            <a:r>
+              <a:rPr lang="en" sz="750">
+                <a:solidFill>
+                  <a:schemeClr val="dk2"/>
+                </a:solidFill>
+                <a:highlight>
+                  <a:srgbClr val="FFFFFF"/>
+                </a:highlight>
+                <a:latin typeface="Source Code Pro"/>
+                <a:ea typeface="Source Code Pro"/>
+                <a:cs typeface="Source Code Pro"/>
+                <a:sym typeface="Source Code Pro"/>
+              </a:rPr>
+              <a:t> payment_sequential             103199 non-null  float64</a:t>
+            </a:r>
+            <a:endParaRPr sz="750">
+              <a:solidFill>
+                <a:schemeClr val="dk2"/>
+              </a:solidFill>
+              <a:highlight>
+                <a:srgbClr val="FFFFFF"/>
+              </a:highlight>
+              <a:latin typeface="Source Code Pro"/>
+              <a:ea typeface="Source Code Pro"/>
+              <a:cs typeface="Source Code Pro"/>
+              <a:sym typeface="Source Code Pro"/>
+            </a:endParaRPr>
+          </a:p>
+          <a:p>
+            <a:pPr indent="-276225" lvl="0" marL="457200" rtl="0" algn="l">
+              <a:lnSpc>
+                <a:spcPct val="115000"/>
+              </a:lnSpc>
+              <a:spcBef>
+                <a:spcPts val="0"/>
+              </a:spcBef>
+              <a:spcAft>
+                <a:spcPts val="0"/>
+              </a:spcAft>
+              <a:buClr>
+                <a:schemeClr val="dk2"/>
+              </a:buClr>
+              <a:buSzPts val="750"/>
+              <a:buFont typeface="Source Code Pro"/>
+              <a:buChar char="●"/>
+            </a:pPr>
+            <a:r>
+              <a:rPr lang="en" sz="750">
+                <a:solidFill>
+                  <a:schemeClr val="dk2"/>
+                </a:solidFill>
+                <a:highlight>
+                  <a:srgbClr val="FFFFFF"/>
+                </a:highlight>
+                <a:latin typeface="Source Code Pro"/>
+                <a:ea typeface="Source Code Pro"/>
+                <a:cs typeface="Source Code Pro"/>
+                <a:sym typeface="Source Code Pro"/>
+              </a:rPr>
+              <a:t> payment_type                   103199 non-null  object </a:t>
+            </a:r>
+            <a:endParaRPr sz="750">
+              <a:solidFill>
+                <a:schemeClr val="dk2"/>
+              </a:solidFill>
+              <a:highlight>
+                <a:srgbClr val="FFFFFF"/>
+              </a:highlight>
+              <a:latin typeface="Source Code Pro"/>
+              <a:ea typeface="Source Code Pro"/>
+              <a:cs typeface="Source Code Pro"/>
+              <a:sym typeface="Source Code Pro"/>
+            </a:endParaRPr>
+          </a:p>
+          <a:p>
+            <a:pPr indent="-276225" lvl="0" marL="457200" rtl="0" algn="l">
+              <a:lnSpc>
+                <a:spcPct val="115000"/>
+              </a:lnSpc>
+              <a:spcBef>
+                <a:spcPts val="0"/>
+              </a:spcBef>
+              <a:spcAft>
+                <a:spcPts val="0"/>
+              </a:spcAft>
+              <a:buClr>
+                <a:schemeClr val="dk2"/>
+              </a:buClr>
+              <a:buSzPts val="750"/>
+              <a:buFont typeface="Source Code Pro"/>
+              <a:buChar char="●"/>
+            </a:pPr>
+            <a:r>
+              <a:rPr lang="en" sz="750">
+                <a:solidFill>
+                  <a:schemeClr val="dk2"/>
+                </a:solidFill>
+                <a:highlight>
+                  <a:srgbClr val="FFFFFF"/>
+                </a:highlight>
+                <a:latin typeface="Source Code Pro"/>
+                <a:ea typeface="Source Code Pro"/>
+                <a:cs typeface="Source Code Pro"/>
+                <a:sym typeface="Source Code Pro"/>
+              </a:rPr>
+              <a:t> payment_installments           103199 non-null  float64</a:t>
+            </a:r>
+            <a:endParaRPr sz="750">
+              <a:solidFill>
+                <a:schemeClr val="dk2"/>
+              </a:solidFill>
+              <a:highlight>
+                <a:srgbClr val="FFFFFF"/>
+              </a:highlight>
+              <a:latin typeface="Source Code Pro"/>
+              <a:ea typeface="Source Code Pro"/>
+              <a:cs typeface="Source Code Pro"/>
+              <a:sym typeface="Source Code Pro"/>
+            </a:endParaRPr>
+          </a:p>
+          <a:p>
+            <a:pPr indent="-276225" lvl="0" marL="457200" rtl="0" algn="l">
+              <a:lnSpc>
+                <a:spcPct val="115000"/>
+              </a:lnSpc>
+              <a:spcBef>
+                <a:spcPts val="0"/>
+              </a:spcBef>
+              <a:spcAft>
+                <a:spcPts val="0"/>
+              </a:spcAft>
+              <a:buClr>
+                <a:schemeClr val="dk2"/>
+              </a:buClr>
+              <a:buSzPts val="750"/>
+              <a:buFont typeface="Source Code Pro"/>
+              <a:buChar char="●"/>
+            </a:pPr>
+            <a:r>
+              <a:rPr lang="en" sz="750">
+                <a:solidFill>
+                  <a:schemeClr val="dk2"/>
+                </a:solidFill>
+                <a:highlight>
+                  <a:srgbClr val="FFFFFF"/>
+                </a:highlight>
+                <a:latin typeface="Source Code Pro"/>
+                <a:ea typeface="Source Code Pro"/>
+                <a:cs typeface="Source Code Pro"/>
+                <a:sym typeface="Source Code Pro"/>
+              </a:rPr>
+              <a:t> payment_value                  103199 non-null  float64</a:t>
+            </a:r>
+            <a:endParaRPr sz="750">
+              <a:solidFill>
+                <a:schemeClr val="dk2"/>
+              </a:solidFill>
+              <a:highlight>
+                <a:srgbClr val="FFFFFF"/>
+              </a:highlight>
+              <a:latin typeface="Source Code Pro"/>
+              <a:ea typeface="Source Code Pro"/>
+              <a:cs typeface="Source Code Pro"/>
+              <a:sym typeface="Source Code Pro"/>
+            </a:endParaRPr>
+          </a:p>
+          <a:p>
+            <a:pPr indent="-276225" lvl="0" marL="457200" rtl="0" algn="l">
+              <a:lnSpc>
+                <a:spcPct val="115000"/>
+              </a:lnSpc>
+              <a:spcBef>
+                <a:spcPts val="0"/>
+              </a:spcBef>
+              <a:spcAft>
+                <a:spcPts val="0"/>
+              </a:spcAft>
+              <a:buClr>
+                <a:schemeClr val="dk2"/>
+              </a:buClr>
+              <a:buSzPts val="750"/>
+              <a:buFont typeface="Source Code Pro"/>
+              <a:buChar char="●"/>
+            </a:pPr>
+            <a:r>
+              <a:rPr lang="en" sz="750">
+                <a:solidFill>
+                  <a:schemeClr val="dk2"/>
+                </a:solidFill>
+                <a:highlight>
+                  <a:srgbClr val="FFFFFF"/>
+                </a:highlight>
+                <a:latin typeface="Source Code Pro"/>
+                <a:ea typeface="Source Code Pro"/>
+                <a:cs typeface="Source Code Pro"/>
+                <a:sym typeface="Source Code Pro"/>
+              </a:rPr>
+              <a:t> product_category_name          100969 non-null  object </a:t>
+            </a:r>
+            <a:endParaRPr sz="750">
+              <a:solidFill>
+                <a:schemeClr val="dk2"/>
+              </a:solidFill>
+              <a:highlight>
+                <a:srgbClr val="FFFFFF"/>
+              </a:highlight>
+              <a:latin typeface="Source Code Pro"/>
+              <a:ea typeface="Source Code Pro"/>
+              <a:cs typeface="Source Code Pro"/>
+              <a:sym typeface="Source Code Pro"/>
+            </a:endParaRPr>
+          </a:p>
+          <a:p>
+            <a:pPr indent="-276225" lvl="0" marL="457200" rtl="0" algn="l">
+              <a:lnSpc>
+                <a:spcPct val="115000"/>
+              </a:lnSpc>
+              <a:spcBef>
+                <a:spcPts val="0"/>
+              </a:spcBef>
+              <a:spcAft>
+                <a:spcPts val="0"/>
+              </a:spcAft>
+              <a:buClr>
+                <a:schemeClr val="dk2"/>
+              </a:buClr>
+              <a:buSzPts val="750"/>
+              <a:buFont typeface="Source Code Pro"/>
+              <a:buChar char="●"/>
+            </a:pPr>
+            <a:r>
+              <a:rPr lang="en" sz="750">
+                <a:solidFill>
+                  <a:schemeClr val="dk2"/>
+                </a:solidFill>
+                <a:highlight>
+                  <a:srgbClr val="FFFFFF"/>
+                </a:highlight>
+                <a:latin typeface="Source Code Pro"/>
+                <a:ea typeface="Source Code Pro"/>
+                <a:cs typeface="Source Code Pro"/>
+                <a:sym typeface="Source Code Pro"/>
+              </a:rPr>
+              <a:t> product_name_lenght            100969 non-null  float64</a:t>
+            </a:r>
+            <a:endParaRPr sz="750">
+              <a:solidFill>
+                <a:schemeClr val="dk2"/>
+              </a:solidFill>
+              <a:highlight>
+                <a:srgbClr val="FFFFFF"/>
+              </a:highlight>
+              <a:latin typeface="Source Code Pro"/>
+              <a:ea typeface="Source Code Pro"/>
+              <a:cs typeface="Source Code Pro"/>
+              <a:sym typeface="Source Code Pro"/>
+            </a:endParaRPr>
+          </a:p>
+          <a:p>
+            <a:pPr indent="-276225" lvl="0" marL="457200" rtl="0" algn="l">
+              <a:lnSpc>
+                <a:spcPct val="115000"/>
+              </a:lnSpc>
+              <a:spcBef>
+                <a:spcPts val="0"/>
+              </a:spcBef>
+              <a:spcAft>
+                <a:spcPts val="0"/>
+              </a:spcAft>
+              <a:buClr>
+                <a:schemeClr val="dk2"/>
+              </a:buClr>
+              <a:buSzPts val="750"/>
+              <a:buFont typeface="Source Code Pro"/>
+              <a:buChar char="●"/>
+            </a:pPr>
+            <a:r>
+              <a:rPr lang="en" sz="750">
+                <a:solidFill>
+                  <a:schemeClr val="dk2"/>
+                </a:solidFill>
+                <a:highlight>
+                  <a:srgbClr val="FFFFFF"/>
+                </a:highlight>
+                <a:latin typeface="Source Code Pro"/>
+                <a:ea typeface="Source Code Pro"/>
+                <a:cs typeface="Source Code Pro"/>
+                <a:sym typeface="Source Code Pro"/>
+              </a:rPr>
+              <a:t> product_description_lenght     100969 non-null  float64</a:t>
+            </a:r>
+            <a:endParaRPr sz="750">
+              <a:solidFill>
+                <a:schemeClr val="dk2"/>
+              </a:solidFill>
+              <a:highlight>
+                <a:srgbClr val="FFFFFF"/>
+              </a:highlight>
+              <a:latin typeface="Source Code Pro"/>
+              <a:ea typeface="Source Code Pro"/>
+              <a:cs typeface="Source Code Pro"/>
+              <a:sym typeface="Source Code Pro"/>
+            </a:endParaRPr>
+          </a:p>
+          <a:p>
+            <a:pPr indent="-276225" lvl="0" marL="457200" rtl="0" algn="l">
+              <a:lnSpc>
+                <a:spcPct val="115000"/>
+              </a:lnSpc>
+              <a:spcBef>
+                <a:spcPts val="0"/>
+              </a:spcBef>
+              <a:spcAft>
+                <a:spcPts val="0"/>
+              </a:spcAft>
+              <a:buClr>
+                <a:schemeClr val="dk2"/>
+              </a:buClr>
+              <a:buSzPts val="750"/>
+              <a:buFont typeface="Source Code Pro"/>
+              <a:buChar char="●"/>
+            </a:pPr>
+            <a:r>
+              <a:rPr lang="en" sz="750">
+                <a:solidFill>
+                  <a:schemeClr val="dk2"/>
+                </a:solidFill>
+                <a:highlight>
+                  <a:srgbClr val="FFFFFF"/>
+                </a:highlight>
+                <a:latin typeface="Source Code Pro"/>
+                <a:ea typeface="Source Code Pro"/>
+                <a:cs typeface="Source Code Pro"/>
+                <a:sym typeface="Source Code Pro"/>
+              </a:rPr>
+              <a:t> product_photos_qty             100969 non-null  float64</a:t>
+            </a:r>
+            <a:endParaRPr sz="750">
+              <a:solidFill>
+                <a:schemeClr val="dk2"/>
+              </a:solidFill>
+              <a:highlight>
+                <a:srgbClr val="FFFFFF"/>
+              </a:highlight>
+              <a:latin typeface="Source Code Pro"/>
+              <a:ea typeface="Source Code Pro"/>
+              <a:cs typeface="Source Code Pro"/>
+              <a:sym typeface="Source Code Pro"/>
+            </a:endParaRPr>
+          </a:p>
+          <a:p>
+            <a:pPr indent="-276225" lvl="0" marL="457200" rtl="0" algn="l">
+              <a:lnSpc>
+                <a:spcPct val="115000"/>
+              </a:lnSpc>
+              <a:spcBef>
+                <a:spcPts val="0"/>
+              </a:spcBef>
+              <a:spcAft>
+                <a:spcPts val="0"/>
+              </a:spcAft>
+              <a:buClr>
+                <a:schemeClr val="dk2"/>
+              </a:buClr>
+              <a:buSzPts val="750"/>
+              <a:buFont typeface="Source Code Pro"/>
+              <a:buChar char="●"/>
+            </a:pPr>
+            <a:r>
+              <a:rPr lang="en" sz="750">
+                <a:solidFill>
+                  <a:schemeClr val="dk2"/>
+                </a:solidFill>
+                <a:highlight>
+                  <a:srgbClr val="FFFFFF"/>
+                </a:highlight>
+                <a:latin typeface="Source Code Pro"/>
+                <a:ea typeface="Source Code Pro"/>
+                <a:cs typeface="Source Code Pro"/>
+                <a:sym typeface="Source Code Pro"/>
+              </a:rPr>
+              <a:t> product_weight_g               102409 non-null  float64</a:t>
+            </a:r>
+            <a:endParaRPr sz="750">
+              <a:solidFill>
+                <a:schemeClr val="dk2"/>
+              </a:solidFill>
+              <a:highlight>
+                <a:srgbClr val="FFFFFF"/>
+              </a:highlight>
+              <a:latin typeface="Source Code Pro"/>
+              <a:ea typeface="Source Code Pro"/>
+              <a:cs typeface="Source Code Pro"/>
+              <a:sym typeface="Source Code Pro"/>
+            </a:endParaRPr>
+          </a:p>
+          <a:p>
+            <a:pPr indent="-276225" lvl="0" marL="457200" rtl="0" algn="l">
+              <a:lnSpc>
+                <a:spcPct val="115000"/>
+              </a:lnSpc>
+              <a:spcBef>
+                <a:spcPts val="0"/>
+              </a:spcBef>
+              <a:spcAft>
+                <a:spcPts val="0"/>
+              </a:spcAft>
+              <a:buClr>
+                <a:schemeClr val="dk2"/>
+              </a:buClr>
+              <a:buSzPts val="750"/>
+              <a:buFont typeface="Source Code Pro"/>
+              <a:buChar char="●"/>
+            </a:pPr>
+            <a:r>
+              <a:rPr lang="en" sz="750">
+                <a:solidFill>
+                  <a:schemeClr val="dk2"/>
+                </a:solidFill>
+                <a:highlight>
+                  <a:srgbClr val="FFFFFF"/>
+                </a:highlight>
+                <a:latin typeface="Source Code Pro"/>
+                <a:ea typeface="Source Code Pro"/>
+                <a:cs typeface="Source Code Pro"/>
+                <a:sym typeface="Source Code Pro"/>
+              </a:rPr>
+              <a:t> product_length_cm              102409 non-null  float64</a:t>
+            </a:r>
+            <a:endParaRPr sz="750">
+              <a:solidFill>
+                <a:schemeClr val="dk2"/>
+              </a:solidFill>
+              <a:highlight>
+                <a:srgbClr val="FFFFFF"/>
+              </a:highlight>
+              <a:latin typeface="Source Code Pro"/>
+              <a:ea typeface="Source Code Pro"/>
+              <a:cs typeface="Source Code Pro"/>
+              <a:sym typeface="Source Code Pro"/>
+            </a:endParaRPr>
+          </a:p>
+          <a:p>
+            <a:pPr indent="-276225" lvl="0" marL="457200" rtl="0" algn="l">
+              <a:lnSpc>
+                <a:spcPct val="115000"/>
+              </a:lnSpc>
+              <a:spcBef>
+                <a:spcPts val="0"/>
+              </a:spcBef>
+              <a:spcAft>
+                <a:spcPts val="0"/>
+              </a:spcAft>
+              <a:buClr>
+                <a:schemeClr val="dk2"/>
+              </a:buClr>
+              <a:buSzPts val="750"/>
+              <a:buFont typeface="Source Code Pro"/>
+              <a:buChar char="●"/>
+            </a:pPr>
+            <a:r>
+              <a:rPr lang="en" sz="750">
+                <a:solidFill>
+                  <a:schemeClr val="dk2"/>
+                </a:solidFill>
+                <a:highlight>
+                  <a:srgbClr val="FFFFFF"/>
+                </a:highlight>
+                <a:latin typeface="Source Code Pro"/>
+                <a:ea typeface="Source Code Pro"/>
+                <a:cs typeface="Source Code Pro"/>
+                <a:sym typeface="Source Code Pro"/>
+              </a:rPr>
+              <a:t> product_height_cm              102409 non-null  float64</a:t>
+            </a:r>
+            <a:endParaRPr sz="750">
+              <a:solidFill>
+                <a:schemeClr val="dk2"/>
+              </a:solidFill>
+              <a:highlight>
+                <a:srgbClr val="FFFFFF"/>
+              </a:highlight>
+              <a:latin typeface="Source Code Pro"/>
+              <a:ea typeface="Source Code Pro"/>
+              <a:cs typeface="Source Code Pro"/>
+              <a:sym typeface="Source Code Pro"/>
+            </a:endParaRPr>
+          </a:p>
+          <a:p>
+            <a:pPr indent="-276225" lvl="0" marL="457200" rtl="0" algn="l">
+              <a:lnSpc>
+                <a:spcPct val="115000"/>
+              </a:lnSpc>
+              <a:spcBef>
+                <a:spcPts val="0"/>
+              </a:spcBef>
+              <a:spcAft>
+                <a:spcPts val="0"/>
+              </a:spcAft>
+              <a:buClr>
+                <a:schemeClr val="dk2"/>
+              </a:buClr>
+              <a:buSzPts val="750"/>
+              <a:buFont typeface="Source Code Pro"/>
+              <a:buChar char="●"/>
+            </a:pPr>
+            <a:r>
+              <a:rPr lang="en" sz="750">
+                <a:solidFill>
+                  <a:schemeClr val="dk2"/>
+                </a:solidFill>
+                <a:highlight>
+                  <a:srgbClr val="FFFFFF"/>
+                </a:highlight>
+                <a:latin typeface="Source Code Pro"/>
+                <a:ea typeface="Source Code Pro"/>
+                <a:cs typeface="Source Code Pro"/>
+                <a:sym typeface="Source Code Pro"/>
+              </a:rPr>
+              <a:t> product_width_cm               102409 non-null  float64</a:t>
+            </a:r>
+            <a:endParaRPr sz="750">
+              <a:solidFill>
+                <a:schemeClr val="dk2"/>
+              </a:solidFill>
+              <a:highlight>
+                <a:srgbClr val="FFFFFF"/>
+              </a:highlight>
+              <a:latin typeface="Source Code Pro"/>
+              <a:ea typeface="Source Code Pro"/>
+              <a:cs typeface="Source Code Pro"/>
+              <a:sym typeface="Source Code Pro"/>
+            </a:endParaRPr>
+          </a:p>
+          <a:p>
+            <a:pPr indent="-276225" lvl="0" marL="457200" rtl="0" algn="l">
+              <a:lnSpc>
+                <a:spcPct val="115000"/>
+              </a:lnSpc>
+              <a:spcBef>
+                <a:spcPts val="0"/>
+              </a:spcBef>
+              <a:spcAft>
+                <a:spcPts val="0"/>
+              </a:spcAft>
+              <a:buClr>
+                <a:schemeClr val="dk2"/>
+              </a:buClr>
+              <a:buSzPts val="750"/>
+              <a:buFont typeface="Source Code Pro"/>
+              <a:buChar char="●"/>
+            </a:pPr>
+            <a:r>
+              <a:rPr lang="en" sz="750">
+                <a:solidFill>
+                  <a:schemeClr val="dk2"/>
+                </a:solidFill>
+                <a:highlight>
+                  <a:srgbClr val="FFFFFF"/>
+                </a:highlight>
+                <a:latin typeface="Source Code Pro"/>
+                <a:ea typeface="Source Code Pro"/>
+                <a:cs typeface="Source Code Pro"/>
+                <a:sym typeface="Source Code Pro"/>
+              </a:rPr>
+              <a:t> review_score                   102425 non-null  float64</a:t>
+            </a:r>
+            <a:endParaRPr sz="750">
+              <a:solidFill>
+                <a:schemeClr val="dk2"/>
+              </a:solidFill>
+              <a:highlight>
+                <a:srgbClr val="FFFFFF"/>
+              </a:highlight>
+              <a:latin typeface="Source Code Pro"/>
+              <a:ea typeface="Source Code Pro"/>
+              <a:cs typeface="Source Code Pro"/>
+              <a:sym typeface="Source Code Pro"/>
+            </a:endParaRPr>
+          </a:p>
+          <a:p>
+            <a:pPr indent="-276225" lvl="0" marL="457200" rtl="0" algn="l">
+              <a:lnSpc>
+                <a:spcPct val="115000"/>
+              </a:lnSpc>
+              <a:spcBef>
+                <a:spcPts val="0"/>
+              </a:spcBef>
+              <a:spcAft>
+                <a:spcPts val="0"/>
+              </a:spcAft>
+              <a:buClr>
+                <a:schemeClr val="dk2"/>
+              </a:buClr>
+              <a:buSzPts val="750"/>
+              <a:buFont typeface="Source Code Pro"/>
+              <a:buChar char="●"/>
+            </a:pPr>
+            <a:r>
+              <a:rPr lang="en" sz="750">
+                <a:solidFill>
+                  <a:schemeClr val="dk2"/>
+                </a:solidFill>
+                <a:highlight>
+                  <a:srgbClr val="FFFFFF"/>
+                </a:highlight>
+                <a:latin typeface="Source Code Pro"/>
+                <a:ea typeface="Source Code Pro"/>
+                <a:cs typeface="Source Code Pro"/>
+                <a:sym typeface="Source Code Pro"/>
+              </a:rPr>
+              <a:t> review_comment_title           12193 non-null   object </a:t>
+            </a:r>
+            <a:endParaRPr sz="750">
+              <a:solidFill>
+                <a:schemeClr val="dk2"/>
+              </a:solidFill>
+              <a:highlight>
+                <a:srgbClr val="FFFFFF"/>
+              </a:highlight>
+              <a:latin typeface="Source Code Pro"/>
+              <a:ea typeface="Source Code Pro"/>
+              <a:cs typeface="Source Code Pro"/>
+              <a:sym typeface="Source Code Pro"/>
+            </a:endParaRPr>
+          </a:p>
+          <a:p>
+            <a:pPr indent="-276225" lvl="0" marL="457200" rtl="0" algn="l">
+              <a:lnSpc>
+                <a:spcPct val="115000"/>
+              </a:lnSpc>
+              <a:spcBef>
+                <a:spcPts val="0"/>
+              </a:spcBef>
+              <a:spcAft>
+                <a:spcPts val="0"/>
+              </a:spcAft>
+              <a:buClr>
+                <a:schemeClr val="dk2"/>
+              </a:buClr>
+              <a:buSzPts val="750"/>
+              <a:buFont typeface="Source Code Pro"/>
+              <a:buChar char="●"/>
+            </a:pPr>
+            <a:r>
+              <a:rPr lang="en" sz="750">
+                <a:solidFill>
+                  <a:schemeClr val="dk2"/>
+                </a:solidFill>
+                <a:highlight>
+                  <a:srgbClr val="FFFFFF"/>
+                </a:highlight>
+                <a:latin typeface="Source Code Pro"/>
+                <a:ea typeface="Source Code Pro"/>
+                <a:cs typeface="Source Code Pro"/>
+                <a:sym typeface="Source Code Pro"/>
+              </a:rPr>
+              <a:t> review_comment_message         43146 non-null   object </a:t>
+            </a:r>
+            <a:endParaRPr sz="750">
+              <a:solidFill>
+                <a:schemeClr val="dk2"/>
+              </a:solidFill>
+              <a:highlight>
+                <a:srgbClr val="FFFFFF"/>
+              </a:highlight>
+              <a:latin typeface="Source Code Pro"/>
+              <a:ea typeface="Source Code Pro"/>
+              <a:cs typeface="Source Code Pro"/>
+              <a:sym typeface="Source Code Pro"/>
+            </a:endParaRPr>
+          </a:p>
+          <a:p>
+            <a:pPr indent="-276225" lvl="0" marL="457200" rtl="0" algn="l">
+              <a:lnSpc>
+                <a:spcPct val="115000"/>
+              </a:lnSpc>
+              <a:spcBef>
+                <a:spcPts val="0"/>
+              </a:spcBef>
+              <a:spcAft>
+                <a:spcPts val="0"/>
+              </a:spcAft>
+              <a:buClr>
+                <a:schemeClr val="dk2"/>
+              </a:buClr>
+              <a:buSzPts val="750"/>
+              <a:buFont typeface="Source Code Pro"/>
+              <a:buChar char="●"/>
+            </a:pPr>
+            <a:r>
+              <a:rPr lang="en" sz="750">
+                <a:solidFill>
+                  <a:schemeClr val="dk2"/>
+                </a:solidFill>
+                <a:highlight>
+                  <a:srgbClr val="FFFFFF"/>
+                </a:highlight>
+                <a:latin typeface="Source Code Pro"/>
+                <a:ea typeface="Source Code Pro"/>
+                <a:cs typeface="Source Code Pro"/>
+                <a:sym typeface="Source Code Pro"/>
+              </a:rPr>
+              <a:t> review_answer_timestamp        102425 non-null  object </a:t>
+            </a:r>
+            <a:endParaRPr sz="750">
+              <a:solidFill>
+                <a:schemeClr val="dk2"/>
+              </a:solidFill>
+              <a:highlight>
+                <a:srgbClr val="FFFFFF"/>
+              </a:highlight>
+              <a:latin typeface="Source Code Pro"/>
+              <a:ea typeface="Source Code Pro"/>
+              <a:cs typeface="Source Code Pro"/>
+              <a:sym typeface="Source Code Pro"/>
+            </a:endParaRPr>
           </a:p>
           <a:p>
             <a:pPr indent="0" lvl="0" marL="0" rtl="0" algn="l">
-              <a:spcBef>
-                <a:spcPts val="1200"/>
-              </a:spcBef>
-              <a:spcAft>
-                <a:spcPts val="1200"/>
+              <a:lnSpc>
+                <a:spcPct val="115000"/>
+              </a:lnSpc>
+              <a:spcBef>
+                <a:spcPts val="1100"/>
+              </a:spcBef>
+              <a:spcAft>
+                <a:spcPts val="1100"/>
               </a:spcAft>
               <a:buNone/>
             </a:pPr>
             <a:r>
               <a:t/>
             </a:r>
-            <a:endParaRPr sz="1000"/>
+            <a:endParaRPr sz="750">
+              <a:solidFill>
+                <a:schemeClr val="dk2"/>
+              </a:solidFill>
+              <a:highlight>
+                <a:srgbClr val="FFFFFF"/>
+              </a:highlight>
+              <a:latin typeface="Source Code Pro"/>
+              <a:ea typeface="Source Code Pro"/>
+              <a:cs typeface="Source Code Pro"/>
+              <a:sym typeface="Source Code Pro"/>
+            </a:endParaRPr>
           </a:p>
         </p:txBody>
       </p:sp>
@@ -11392,7 +13061,7 @@
   <p:cSld>
     <p:spTree>
       <p:nvGrpSpPr>
-        <p:cNvPr id="94" name="Shape 94"/>
+        <p:cNvPr id="92" name="Shape 92"/>
         <p:cNvGrpSpPr/>
         <p:nvPr/>
       </p:nvGrpSpPr>
@@ -11406,7 +13075,7 @@
       </p:grpSpPr>
       <p:sp>
         <p:nvSpPr>
-          <p:cNvPr id="95" name="Google Shape;95;p18"/>
+          <p:cNvPr id="93" name="Google Shape;93;p18"/>
           <p:cNvSpPr txBox="1"/>
           <p:nvPr>
             <p:ph type="title"/>
@@ -11446,7 +13115,7 @@
       </p:sp>
       <p:pic>
         <p:nvPicPr>
-          <p:cNvPr id="96" name="Google Shape;96;p18"/>
+          <p:cNvPr id="94" name="Google Shape;94;p18"/>
           <p:cNvPicPr preferRelativeResize="0"/>
           <p:nvPr/>
         </p:nvPicPr>
@@ -11474,7 +13143,7 @@
       </p:pic>
       <p:pic>
         <p:nvPicPr>
-          <p:cNvPr id="97" name="Google Shape;97;p18"/>
+          <p:cNvPr id="95" name="Google Shape;95;p18"/>
           <p:cNvPicPr preferRelativeResize="0"/>
           <p:nvPr/>
         </p:nvPicPr>
@@ -11502,7 +13171,7 @@
       </p:pic>
       <p:pic>
         <p:nvPicPr>
-          <p:cNvPr id="98" name="Google Shape;98;p18"/>
+          <p:cNvPr id="96" name="Google Shape;96;p18"/>
           <p:cNvPicPr preferRelativeResize="0"/>
           <p:nvPr/>
         </p:nvPicPr>
@@ -11530,7 +13199,7 @@
       </p:pic>
       <p:pic>
         <p:nvPicPr>
-          <p:cNvPr id="99" name="Google Shape;99;p18"/>
+          <p:cNvPr id="97" name="Google Shape;97;p18"/>
           <p:cNvPicPr preferRelativeResize="0"/>
           <p:nvPr/>
         </p:nvPicPr>
@@ -11558,7 +13227,7 @@
       </p:pic>
       <p:pic>
         <p:nvPicPr>
-          <p:cNvPr id="100" name="Google Shape;100;p18"/>
+          <p:cNvPr id="98" name="Google Shape;98;p18"/>
           <p:cNvPicPr preferRelativeResize="0"/>
           <p:nvPr/>
         </p:nvPicPr>
@@ -11586,7 +13255,7 @@
       </p:pic>
       <p:pic>
         <p:nvPicPr>
-          <p:cNvPr id="101" name="Google Shape;101;p18"/>
+          <p:cNvPr id="99" name="Google Shape;99;p18"/>
           <p:cNvPicPr preferRelativeResize="0"/>
           <p:nvPr/>
         </p:nvPicPr>
@@ -11614,7 +13283,7 @@
       </p:pic>
       <p:pic>
         <p:nvPicPr>
-          <p:cNvPr id="102" name="Google Shape;102;p18"/>
+          <p:cNvPr id="100" name="Google Shape;100;p18"/>
           <p:cNvPicPr preferRelativeResize="0"/>
           <p:nvPr/>
         </p:nvPicPr>
@@ -11642,7 +13311,7 @@
       </p:pic>
       <p:pic>
         <p:nvPicPr>
-          <p:cNvPr id="103" name="Google Shape;103;p18"/>
+          <p:cNvPr id="101" name="Google Shape;101;p18"/>
           <p:cNvPicPr preferRelativeResize="0"/>
           <p:nvPr/>
         </p:nvPicPr>
@@ -11670,7 +13339,7 @@
       </p:pic>
       <p:sp>
         <p:nvSpPr>
-          <p:cNvPr id="104" name="Google Shape;104;p18"/>
+          <p:cNvPr id="102" name="Google Shape;102;p18"/>
           <p:cNvSpPr txBox="1"/>
           <p:nvPr>
             <p:ph idx="1" type="body"/>
@@ -11728,7 +13397,7 @@
       </p:sp>
       <p:sp>
         <p:nvSpPr>
-          <p:cNvPr id="105" name="Google Shape;105;p18"/>
+          <p:cNvPr id="103" name="Google Shape;103;p18"/>
           <p:cNvSpPr txBox="1"/>
           <p:nvPr>
             <p:ph idx="1" type="body"/>
@@ -11786,7 +13455,7 @@
       </p:sp>
       <p:sp>
         <p:nvSpPr>
-          <p:cNvPr id="106" name="Google Shape;106;p18"/>
+          <p:cNvPr id="104" name="Google Shape;104;p18"/>
           <p:cNvSpPr txBox="1"/>
           <p:nvPr>
             <p:ph idx="1" type="body"/>
@@ -11844,7 +13513,7 @@
       </p:sp>
       <p:sp>
         <p:nvSpPr>
-          <p:cNvPr id="107" name="Google Shape;107;p18"/>
+          <p:cNvPr id="105" name="Google Shape;105;p18"/>
           <p:cNvSpPr txBox="1"/>
           <p:nvPr>
             <p:ph idx="1" type="body"/>
@@ -11902,7 +13571,7 @@
       </p:sp>
       <p:sp>
         <p:nvSpPr>
-          <p:cNvPr id="108" name="Google Shape;108;p18"/>
+          <p:cNvPr id="106" name="Google Shape;106;p18"/>
           <p:cNvSpPr txBox="1"/>
           <p:nvPr>
             <p:ph idx="1" type="body"/>
@@ -11960,7 +13629,7 @@
       </p:sp>
       <p:sp>
         <p:nvSpPr>
-          <p:cNvPr id="109" name="Google Shape;109;p18"/>
+          <p:cNvPr id="107" name="Google Shape;107;p18"/>
           <p:cNvSpPr txBox="1"/>
           <p:nvPr>
             <p:ph idx="1" type="body"/>
@@ -12018,7 +13687,7 @@
       </p:sp>
       <p:sp>
         <p:nvSpPr>
-          <p:cNvPr id="110" name="Google Shape;110;p18"/>
+          <p:cNvPr id="108" name="Google Shape;108;p18"/>
           <p:cNvSpPr txBox="1"/>
           <p:nvPr>
             <p:ph idx="1" type="body"/>
@@ -12076,7 +13745,7 @@
       </p:sp>
       <p:sp>
         <p:nvSpPr>
-          <p:cNvPr id="111" name="Google Shape;111;p18"/>
+          <p:cNvPr id="109" name="Google Shape;109;p18"/>
           <p:cNvSpPr txBox="1"/>
           <p:nvPr>
             <p:ph idx="1" type="body"/>
@@ -12134,7 +13803,7 @@
       </p:sp>
       <p:sp>
         <p:nvSpPr>
-          <p:cNvPr id="112" name="Google Shape;112;p18"/>
+          <p:cNvPr id="110" name="Google Shape;110;p18"/>
           <p:cNvSpPr txBox="1"/>
           <p:nvPr>
             <p:ph idx="1" type="body"/>
@@ -12223,7 +13892,7 @@
       </p:sp>
       <p:sp>
         <p:nvSpPr>
-          <p:cNvPr id="113" name="Google Shape;113;p18"/>
+          <p:cNvPr id="111" name="Google Shape;111;p18"/>
           <p:cNvSpPr txBox="1"/>
           <p:nvPr>
             <p:ph idx="1" type="body"/>
@@ -12294,7 +13963,7 @@
       </p:sp>
       <p:sp>
         <p:nvSpPr>
-          <p:cNvPr id="114" name="Google Shape;114;p18"/>
+          <p:cNvPr id="112" name="Google Shape;112;p18"/>
           <p:cNvSpPr txBox="1"/>
           <p:nvPr>
             <p:ph idx="1" type="body"/>
@@ -12383,7 +14052,7 @@
       </p:sp>
       <p:sp>
         <p:nvSpPr>
-          <p:cNvPr id="115" name="Google Shape;115;p18"/>
+          <p:cNvPr id="113" name="Google Shape;113;p18"/>
           <p:cNvSpPr txBox="1"/>
           <p:nvPr>
             <p:ph idx="1" type="body"/>
@@ -12463,7 +14132,7 @@
       </p:sp>
       <p:sp>
         <p:nvSpPr>
-          <p:cNvPr id="116" name="Google Shape;116;p18"/>
+          <p:cNvPr id="114" name="Google Shape;114;p18"/>
           <p:cNvSpPr txBox="1"/>
           <p:nvPr>
             <p:ph idx="1" type="body"/>
@@ -12516,7 +14185,7 @@
       </p:sp>
       <p:sp>
         <p:nvSpPr>
-          <p:cNvPr id="117" name="Google Shape;117;p18"/>
+          <p:cNvPr id="115" name="Google Shape;115;p18"/>
           <p:cNvSpPr txBox="1"/>
           <p:nvPr>
             <p:ph idx="1" type="body"/>
@@ -12587,7 +14256,7 @@
       </p:sp>
       <p:sp>
         <p:nvSpPr>
-          <p:cNvPr id="118" name="Google Shape;118;p18"/>
+          <p:cNvPr id="116" name="Google Shape;116;p18"/>
           <p:cNvSpPr txBox="1"/>
           <p:nvPr>
             <p:ph idx="1" type="body"/>
@@ -12640,7 +14309,7 @@
       </p:sp>
       <p:sp>
         <p:nvSpPr>
-          <p:cNvPr id="119" name="Google Shape;119;p18"/>
+          <p:cNvPr id="117" name="Google Shape;117;p18"/>
           <p:cNvSpPr txBox="1"/>
           <p:nvPr>
             <p:ph idx="1" type="body"/>
@@ -12693,17 +14362,16 @@
       </p:sp>
       <p:pic>
         <p:nvPicPr>
-          <p:cNvPr id="120" name="Google Shape;120;p18"/>
+          <p:cNvPr id="118" name="Google Shape;118;p18"/>
           <p:cNvPicPr preferRelativeResize="0"/>
           <p:nvPr/>
         </p:nvPicPr>
-        <p:blipFill>
+        <p:blipFill rotWithShape="1">
           <a:blip r:embed="rId11">
             <a:alphaModFix/>
           </a:blip>
-          <a:stretch>
-            <a:fillRect/>
-          </a:stretch>
+          <a:srcRect b="0" l="0" r="0" t="5374"/>
+          <a:stretch/>
         </p:blipFill>
         <p:spPr>
           <a:xfrm>
@@ -12732,7 +14400,7 @@
   <p:cSld>
     <p:spTree>
       <p:nvGrpSpPr>
-        <p:cNvPr id="124" name="Shape 124"/>
+        <p:cNvPr id="122" name="Shape 122"/>
         <p:cNvGrpSpPr/>
         <p:nvPr/>
       </p:nvGrpSpPr>
@@ -12746,7 +14414,7 @@
       </p:grpSpPr>
       <p:sp>
         <p:nvSpPr>
-          <p:cNvPr id="125" name="Google Shape;125;p19"/>
+          <p:cNvPr id="123" name="Google Shape;123;p19"/>
           <p:cNvSpPr txBox="1"/>
           <p:nvPr>
             <p:ph type="title"/>
@@ -12786,7 +14454,7 @@
       </p:sp>
       <p:sp>
         <p:nvSpPr>
-          <p:cNvPr id="126" name="Google Shape;126;p19"/>
+          <p:cNvPr id="124" name="Google Shape;124;p19"/>
           <p:cNvSpPr txBox="1"/>
           <p:nvPr>
             <p:ph idx="1" type="body"/>
@@ -13053,7 +14721,7 @@
   <p:cSld>
     <p:spTree>
       <p:nvGrpSpPr>
-        <p:cNvPr id="130" name="Shape 130"/>
+        <p:cNvPr id="128" name="Shape 128"/>
         <p:cNvGrpSpPr/>
         <p:nvPr/>
       </p:nvGrpSpPr>
@@ -13067,7 +14735,7 @@
       </p:grpSpPr>
       <p:sp>
         <p:nvSpPr>
-          <p:cNvPr id="131" name="Google Shape;131;p20"/>
+          <p:cNvPr id="129" name="Google Shape;129;p20"/>
           <p:cNvSpPr txBox="1"/>
           <p:nvPr>
             <p:ph type="title"/>
@@ -13099,23 +14767,7 @@
             </a:pPr>
             <a:r>
               <a:rPr lang="en"/>
-              <a:t>Segmentation sur  la </a:t>
-            </a:r>
-            <a:r>
-              <a:rPr lang="en"/>
-              <a:t>première</a:t>
-            </a:r>
-            <a:r>
-              <a:rPr lang="en"/>
-              <a:t> </a:t>
-            </a:r>
-            <a:r>
-              <a:rPr lang="en"/>
-              <a:t>période</a:t>
-            </a:r>
-            <a:r>
-              <a:rPr lang="en"/>
-              <a:t> de données</a:t>
+              <a:t>KMEANS CLustering</a:t>
             </a:r>
             <a:endParaRPr/>
           </a:p>
@@ -13123,7 +14775,299 @@
       </p:sp>
       <p:sp>
         <p:nvSpPr>
-          <p:cNvPr id="132" name="Google Shape;132;p20"/>
+          <p:cNvPr id="130" name="Google Shape;130;p20"/>
+          <p:cNvSpPr txBox="1"/>
+          <p:nvPr>
+            <p:ph idx="1" type="body"/>
+          </p:nvPr>
+        </p:nvSpPr>
+        <p:spPr>
+          <a:xfrm>
+            <a:off x="311700" y="1385050"/>
+            <a:ext cx="4156800" cy="2700600"/>
+          </a:xfrm>
+          <a:prstGeom prst="rect">
+            <a:avLst/>
+          </a:prstGeom>
+        </p:spPr>
+        <p:txBody>
+          <a:bodyPr anchorCtr="0" anchor="t" bIns="91425" lIns="91425" spcFirstLastPara="1" rIns="91425" wrap="square" tIns="91425">
+            <a:noAutofit/>
+          </a:bodyPr>
+          <a:lstStyle/>
+          <a:p>
+            <a:pPr indent="0" lvl="0" marL="0" rtl="0" algn="l">
+              <a:lnSpc>
+                <a:spcPct val="100000"/>
+              </a:lnSpc>
+              <a:spcBef>
+                <a:spcPts val="0"/>
+              </a:spcBef>
+              <a:spcAft>
+                <a:spcPts val="0"/>
+              </a:spcAft>
+              <a:buNone/>
+            </a:pPr>
+            <a:r>
+              <a:rPr lang="en" sz="1000"/>
+              <a:t>Algorithme de clustering par excellence, KMeans présente un avantage important, particulièrement dans des domaines du marketing car conceptuellement simple et </a:t>
+            </a:r>
+            <a:r>
+              <a:rPr b="1" lang="en" sz="1000">
+                <a:solidFill>
+                  <a:schemeClr val="dk1"/>
+                </a:solidFill>
+              </a:rPr>
+              <a:t>facile à expliquer</a:t>
+            </a:r>
+            <a:r>
+              <a:rPr lang="en" sz="1000"/>
+              <a:t> : </a:t>
+            </a:r>
+            <a:endParaRPr sz="1000"/>
+          </a:p>
+          <a:p>
+            <a:pPr indent="-292100" lvl="0" marL="457200" rtl="0" algn="l">
+              <a:lnSpc>
+                <a:spcPct val="100000"/>
+              </a:lnSpc>
+              <a:spcBef>
+                <a:spcPts val="1200"/>
+              </a:spcBef>
+              <a:spcAft>
+                <a:spcPts val="0"/>
+              </a:spcAft>
+              <a:buSzPts val="1000"/>
+              <a:buAutoNum type="arabicPeriod"/>
+            </a:pPr>
+            <a:r>
+              <a:rPr lang="en" sz="1000"/>
+              <a:t>Sélection du </a:t>
+            </a:r>
+            <a:r>
+              <a:rPr b="1" lang="en" sz="1000">
+                <a:solidFill>
+                  <a:schemeClr val="dk1"/>
+                </a:solidFill>
+              </a:rPr>
+              <a:t>nombre de clusters</a:t>
+            </a:r>
+            <a:endParaRPr b="1" sz="1000">
+              <a:solidFill>
+                <a:schemeClr val="dk1"/>
+              </a:solidFill>
+            </a:endParaRPr>
+          </a:p>
+          <a:p>
+            <a:pPr indent="-292100" lvl="0" marL="457200" rtl="0" algn="l">
+              <a:lnSpc>
+                <a:spcPct val="100000"/>
+              </a:lnSpc>
+              <a:spcBef>
+                <a:spcPts val="0"/>
+              </a:spcBef>
+              <a:spcAft>
+                <a:spcPts val="0"/>
+              </a:spcAft>
+              <a:buSzPts val="1000"/>
+              <a:buAutoNum type="arabicPeriod"/>
+            </a:pPr>
+            <a:r>
+              <a:rPr b="1" lang="en" sz="1000">
+                <a:solidFill>
+                  <a:schemeClr val="dk1"/>
+                </a:solidFill>
+              </a:rPr>
+              <a:t>Attribution aléatoire</a:t>
+            </a:r>
+            <a:r>
+              <a:rPr lang="en" sz="1000"/>
+              <a:t> des observations aux différents clusters</a:t>
+            </a:r>
+            <a:endParaRPr sz="1000"/>
+          </a:p>
+          <a:p>
+            <a:pPr indent="-292100" lvl="0" marL="457200" rtl="0" algn="l">
+              <a:lnSpc>
+                <a:spcPct val="100000"/>
+              </a:lnSpc>
+              <a:spcBef>
+                <a:spcPts val="0"/>
+              </a:spcBef>
+              <a:spcAft>
+                <a:spcPts val="0"/>
+              </a:spcAft>
+              <a:buSzPts val="1000"/>
+              <a:buAutoNum type="arabicPeriod"/>
+            </a:pPr>
+            <a:r>
+              <a:rPr b="1" lang="en" sz="1000">
+                <a:solidFill>
+                  <a:schemeClr val="dk1"/>
+                </a:solidFill>
+              </a:rPr>
+              <a:t>Ré-évaluation</a:t>
+            </a:r>
+            <a:r>
+              <a:rPr lang="en" sz="1000">
+                <a:solidFill>
+                  <a:schemeClr val="dk1"/>
+                </a:solidFill>
+              </a:rPr>
+              <a:t> </a:t>
+            </a:r>
+            <a:r>
+              <a:rPr lang="en" sz="1000"/>
+              <a:t> de l’appartenance des observations aux différents clusters selon un metric de distance</a:t>
+            </a:r>
+            <a:endParaRPr sz="1000"/>
+          </a:p>
+          <a:p>
+            <a:pPr indent="-292100" lvl="0" marL="457200" rtl="0" algn="l">
+              <a:lnSpc>
+                <a:spcPct val="100000"/>
+              </a:lnSpc>
+              <a:spcBef>
+                <a:spcPts val="0"/>
+              </a:spcBef>
+              <a:spcAft>
+                <a:spcPts val="0"/>
+              </a:spcAft>
+              <a:buSzPts val="1000"/>
+              <a:buAutoNum type="arabicPeriod"/>
+            </a:pPr>
+            <a:r>
+              <a:rPr lang="en" sz="1000"/>
+              <a:t>Répétition de l’étape 3 jusqu’à ce qu’une limite d’itérations soit atteinte ou qu’un </a:t>
+            </a:r>
+            <a:r>
+              <a:rPr b="1" lang="en" sz="1000">
+                <a:solidFill>
+                  <a:schemeClr val="dk1"/>
+                </a:solidFill>
+              </a:rPr>
+              <a:t>minimum locale </a:t>
+            </a:r>
+            <a:r>
+              <a:rPr lang="en" sz="1000"/>
+              <a:t>soit atteint.</a:t>
+            </a:r>
+            <a:endParaRPr sz="1000"/>
+          </a:p>
+        </p:txBody>
+      </p:sp>
+      <p:pic>
+        <p:nvPicPr>
+          <p:cNvPr id="131" name="Google Shape;131;p20"/>
+          <p:cNvPicPr preferRelativeResize="0"/>
+          <p:nvPr/>
+        </p:nvPicPr>
+        <p:blipFill>
+          <a:blip r:embed="rId3">
+            <a:alphaModFix/>
+          </a:blip>
+          <a:stretch>
+            <a:fillRect/>
+          </a:stretch>
+        </p:blipFill>
+        <p:spPr>
+          <a:xfrm>
+            <a:off x="4620900" y="1093850"/>
+            <a:ext cx="4370701" cy="3272182"/>
+          </a:xfrm>
+          <a:prstGeom prst="rect">
+            <a:avLst/>
+          </a:prstGeom>
+          <a:noFill/>
+          <a:ln>
+            <a:noFill/>
+          </a:ln>
+        </p:spPr>
+      </p:pic>
+    </p:spTree>
+  </p:cSld>
+  <p:clrMapOvr>
+    <a:masterClrMapping/>
+  </p:clrMapOvr>
+</p:sld>
+</file>
+
+<file path=ppt/slides/slide9.xml><?xml version="1.0" encoding="utf-8"?>
+<p:sld xmlns:a="http://schemas.openxmlformats.org/drawingml/2006/main" xmlns:r="http://schemas.openxmlformats.org/officeDocument/2006/relationships" xmlns:mc="http://schemas.openxmlformats.org/markup-compatibility/2006" xmlns:mv="urn:schemas-microsoft-com:mac:vml" xmlns:p="http://schemas.openxmlformats.org/presentationml/2006/main" xmlns:c="http://schemas.openxmlformats.org/drawingml/2006/chart" xmlns:dgm="http://schemas.openxmlformats.org/drawingml/2006/diagram" xmlns:o="urn:schemas-microsoft-com:office:office" xmlns:v="urn:schemas-microsoft-com:vml" xmlns:pvml="urn:schemas-microsoft-com:office:powerpoint" xmlns:com="http://schemas.openxmlformats.org/drawingml/2006/compatibility" xmlns:p14="http://schemas.microsoft.com/office/powerpoint/2010/main" xmlns:p15="http://schemas.microsoft.com/office/powerpoint/2012/main" xmlns:ahyp="http://schemas.microsoft.com/office/drawing/2018/hyperlinkcolor">
+  <p:cSld>
+    <p:spTree>
+      <p:nvGrpSpPr>
+        <p:cNvPr id="135" name="Shape 135"/>
+        <p:cNvGrpSpPr/>
+        <p:nvPr/>
+      </p:nvGrpSpPr>
+      <p:grpSpPr>
+        <a:xfrm>
+          <a:off x="0" y="0"/>
+          <a:ext cx="0" cy="0"/>
+          <a:chOff x="0" y="0"/>
+          <a:chExt cx="0" cy="0"/>
+        </a:xfrm>
+      </p:grpSpPr>
+      <p:sp>
+        <p:nvSpPr>
+          <p:cNvPr id="136" name="Google Shape;136;p21"/>
+          <p:cNvSpPr txBox="1"/>
+          <p:nvPr>
+            <p:ph type="title"/>
+          </p:nvPr>
+        </p:nvSpPr>
+        <p:spPr>
+          <a:xfrm>
+            <a:off x="311700" y="292850"/>
+            <a:ext cx="8520600" cy="801000"/>
+          </a:xfrm>
+          <a:prstGeom prst="rect">
+            <a:avLst/>
+          </a:prstGeom>
+        </p:spPr>
+        <p:txBody>
+          <a:bodyPr anchorCtr="0" anchor="t" bIns="91425" lIns="91425" spcFirstLastPara="1" rIns="91425" wrap="square" tIns="91425">
+            <a:normAutofit fontScale="90000"/>
+          </a:bodyPr>
+          <a:lstStyle/>
+          <a:p>
+            <a:pPr indent="0" lvl="0" marL="0" rtl="0" algn="l">
+              <a:spcBef>
+                <a:spcPts val="0"/>
+              </a:spcBef>
+              <a:spcAft>
+                <a:spcPts val="0"/>
+              </a:spcAft>
+              <a:buNone/>
+            </a:pPr>
+            <a:r>
+              <a:rPr lang="en"/>
+              <a:t>Segmentation sur  la </a:t>
+            </a:r>
+            <a:r>
+              <a:rPr lang="en"/>
+              <a:t>première</a:t>
+            </a:r>
+            <a:r>
+              <a:rPr lang="en"/>
+              <a:t> </a:t>
+            </a:r>
+            <a:r>
+              <a:rPr lang="en"/>
+              <a:t>période</a:t>
+            </a:r>
+            <a:r>
+              <a:rPr lang="en"/>
+              <a:t> de données</a:t>
+            </a:r>
+            <a:endParaRPr/>
+          </a:p>
+        </p:txBody>
+      </p:sp>
+      <p:sp>
+        <p:nvSpPr>
+          <p:cNvPr id="137" name="Google Shape;137;p21"/>
           <p:cNvSpPr txBox="1"/>
           <p:nvPr>
             <p:ph idx="1" type="body"/>
@@ -13181,7 +15125,7 @@
       </p:sp>
       <p:sp>
         <p:nvSpPr>
-          <p:cNvPr id="133" name="Google Shape;133;p20"/>
+          <p:cNvPr id="138" name="Google Shape;138;p21"/>
           <p:cNvSpPr txBox="1"/>
           <p:nvPr>
             <p:ph idx="1" type="body"/>
@@ -13227,7 +15171,7 @@
                 <a:cs typeface="Amatic SC"/>
                 <a:sym typeface="Amatic SC"/>
               </a:rPr>
-              <a:t>Persona 2 : Produits chers </a:t>
+              <a:t>Persona 4 : Produits chers </a:t>
             </a:r>
             <a:endParaRPr b="1">
               <a:solidFill>
@@ -13239,7 +15183,7 @@
       </p:sp>
       <p:sp>
         <p:nvSpPr>
-          <p:cNvPr id="134" name="Google Shape;134;p20"/>
+          <p:cNvPr id="139" name="Google Shape;139;p21"/>
           <p:cNvSpPr txBox="1"/>
           <p:nvPr>
             <p:ph idx="1" type="body"/>
@@ -13544,7 +15488,7 @@
       </p:sp>
       <p:sp>
         <p:nvSpPr>
-          <p:cNvPr id="135" name="Google Shape;135;p20"/>
+          <p:cNvPr id="140" name="Google Shape;140;p21"/>
           <p:cNvSpPr txBox="1"/>
           <p:nvPr>
             <p:ph idx="1" type="body"/>
@@ -13590,7 +15534,7 @@
                 <a:cs typeface="Amatic SC"/>
                 <a:sym typeface="Amatic SC"/>
               </a:rPr>
-              <a:t>Persona 3 : mOYEN Moyen</a:t>
+              <a:t>Persona 2 : mOYEN Moyen</a:t>
             </a:r>
             <a:endParaRPr b="1">
               <a:solidFill>
@@ -13602,7 +15546,7 @@
       </p:sp>
       <p:sp>
         <p:nvSpPr>
-          <p:cNvPr id="136" name="Google Shape;136;p20"/>
+          <p:cNvPr id="141" name="Google Shape;141;p21"/>
           <p:cNvSpPr txBox="1"/>
           <p:nvPr>
             <p:ph idx="1" type="body"/>
@@ -13777,7 +15721,7 @@
                 <a:cs typeface="Arial"/>
                 <a:sym typeface="Arial"/>
               </a:rPr>
-              <a:t>Writes_tit\\\\\\les: 1</a:t>
+              <a:t>Writes_titles: 1</a:t>
             </a:r>
             <a:endParaRPr sz="700">
               <a:latin typeface="Arial"/>
@@ -13883,7 +15827,7 @@
       </p:sp>
       <p:sp>
         <p:nvSpPr>
-          <p:cNvPr id="137" name="Google Shape;137;p20"/>
+          <p:cNvPr id="142" name="Google Shape;142;p21"/>
           <p:cNvSpPr txBox="1"/>
           <p:nvPr>
             <p:ph idx="1" type="body"/>
@@ -13929,7 +15873,7 @@
                 <a:cs typeface="Amatic SC"/>
                 <a:sym typeface="Amatic SC"/>
               </a:rPr>
-              <a:t>Persona 4 : Moyen Haut et communicant</a:t>
+              <a:t>Persona 3 : Moyen Haut et communicant</a:t>
             </a:r>
             <a:endParaRPr b="1">
               <a:solidFill>
@@ -13941,7 +15885,7 @@
       </p:sp>
       <p:sp>
         <p:nvSpPr>
-          <p:cNvPr id="138" name="Google Shape;138;p20"/>
+          <p:cNvPr id="143" name="Google Shape;143;p21"/>
           <p:cNvSpPr txBox="1"/>
           <p:nvPr>
             <p:ph idx="1" type="body"/>
@@ -14252,7 +16196,7 @@
       </p:sp>
       <p:sp>
         <p:nvSpPr>
-          <p:cNvPr id="139" name="Google Shape;139;p20"/>
+          <p:cNvPr id="144" name="Google Shape;144;p21"/>
           <p:cNvSpPr txBox="1"/>
           <p:nvPr>
             <p:ph idx="1" type="body"/>
@@ -14310,7 +16254,7 @@
       </p:sp>
       <p:sp>
         <p:nvSpPr>
-          <p:cNvPr id="140" name="Google Shape;140;p20"/>
+          <p:cNvPr id="145" name="Google Shape;145;p21"/>
           <p:cNvSpPr txBox="1"/>
           <p:nvPr>
             <p:ph idx="1" type="body"/>
@@ -14603,7 +16547,7 @@
       </p:sp>
       <p:sp>
         <p:nvSpPr>
-          <p:cNvPr id="141" name="Google Shape;141;p20"/>
+          <p:cNvPr id="146" name="Google Shape;146;p21"/>
           <p:cNvSpPr txBox="1"/>
           <p:nvPr>
             <p:ph idx="1" type="body"/>
@@ -14661,7 +16605,7 @@
       </p:sp>
       <p:sp>
         <p:nvSpPr>
-          <p:cNvPr id="142" name="Google Shape;142;p20"/>
+          <p:cNvPr id="147" name="Google Shape;147;p21"/>
           <p:cNvSpPr txBox="1"/>
           <p:nvPr>
             <p:ph idx="1" type="body"/>
@@ -14942,7 +16886,7 @@
       </p:sp>
       <p:pic>
         <p:nvPicPr>
-          <p:cNvPr id="143" name="Google Shape;143;p20"/>
+          <p:cNvPr id="148" name="Google Shape;148;p21"/>
           <p:cNvPicPr preferRelativeResize="0"/>
           <p:nvPr/>
         </p:nvPicPr>
@@ -14970,7 +16914,7 @@
       </p:pic>
       <p:pic>
         <p:nvPicPr>
-          <p:cNvPr id="144" name="Google Shape;144;p20"/>
+          <p:cNvPr id="149" name="Google Shape;149;p21"/>
           <p:cNvPicPr preferRelativeResize="0"/>
           <p:nvPr/>
         </p:nvPicPr>
@@ -14998,7 +16942,7 @@
       </p:pic>
       <p:pic>
         <p:nvPicPr>
-          <p:cNvPr id="145" name="Google Shape;145;p20"/>
+          <p:cNvPr id="150" name="Google Shape;150;p21"/>
           <p:cNvPicPr preferRelativeResize="0"/>
           <p:nvPr/>
         </p:nvPicPr>
@@ -15026,7 +16970,7 @@
       </p:pic>
       <p:pic>
         <p:nvPicPr>
-          <p:cNvPr id="146" name="Google Shape;146;p20"/>
+          <p:cNvPr id="151" name="Google Shape;151;p21"/>
           <p:cNvPicPr preferRelativeResize="0"/>
           <p:nvPr/>
         </p:nvPicPr>
@@ -15054,7 +16998,7 @@
       </p:pic>
       <p:pic>
         <p:nvPicPr>
-          <p:cNvPr id="147" name="Google Shape;147;p20"/>
+          <p:cNvPr id="152" name="Google Shape;152;p21"/>
           <p:cNvPicPr preferRelativeResize="0"/>
           <p:nvPr/>
         </p:nvPicPr>
@@ -15082,7 +17026,7 @@
       </p:pic>
       <p:pic>
         <p:nvPicPr>
-          <p:cNvPr id="148" name="Google Shape;148;p20"/>
+          <p:cNvPr id="153" name="Google Shape;153;p21"/>
           <p:cNvPicPr preferRelativeResize="0"/>
           <p:nvPr/>
         </p:nvPicPr>
@@ -15110,7 +17054,7 @@
       </p:pic>
       <p:sp>
         <p:nvSpPr>
-          <p:cNvPr id="149" name="Google Shape;149;p20"/>
+          <p:cNvPr id="154" name="Google Shape;154;p21"/>
           <p:cNvSpPr txBox="1"/>
           <p:nvPr>
             <p:ph idx="1" type="body"/>
@@ -15391,7 +17335,7 @@
       </p:sp>
       <p:sp>
         <p:nvSpPr>
-          <p:cNvPr id="150" name="Google Shape;150;p20"/>
+          <p:cNvPr id="155" name="Google Shape;155;p21"/>
           <p:cNvSpPr txBox="1"/>
           <p:nvPr/>
         </p:nvSpPr>
@@ -15431,307 +17375,6 @@
           </a:p>
         </p:txBody>
       </p:sp>
-    </p:spTree>
-  </p:cSld>
-  <p:clrMapOvr>
-    <a:masterClrMapping/>
-  </p:clrMapOvr>
-</p:sld>
-</file>
-
-<file path=ppt/slides/slide9.xml><?xml version="1.0" encoding="utf-8"?>
-<p:sld xmlns:a="http://schemas.openxmlformats.org/drawingml/2006/main" xmlns:r="http://schemas.openxmlformats.org/officeDocument/2006/relationships" xmlns:mc="http://schemas.openxmlformats.org/markup-compatibility/2006" xmlns:mv="urn:schemas-microsoft-com:mac:vml" xmlns:p="http://schemas.openxmlformats.org/presentationml/2006/main" xmlns:c="http://schemas.openxmlformats.org/drawingml/2006/chart" xmlns:dgm="http://schemas.openxmlformats.org/drawingml/2006/diagram" xmlns:o="urn:schemas-microsoft-com:office:office" xmlns:v="urn:schemas-microsoft-com:vml" xmlns:pvml="urn:schemas-microsoft-com:office:powerpoint" xmlns:com="http://schemas.openxmlformats.org/drawingml/2006/compatibility" xmlns:p14="http://schemas.microsoft.com/office/powerpoint/2010/main" xmlns:p15="http://schemas.microsoft.com/office/powerpoint/2012/main" xmlns:ahyp="http://schemas.microsoft.com/office/drawing/2018/hyperlinkcolor">
-  <p:cSld>
-    <p:spTree>
-      <p:nvGrpSpPr>
-        <p:cNvPr id="154" name="Shape 154"/>
-        <p:cNvGrpSpPr/>
-        <p:nvPr/>
-      </p:nvGrpSpPr>
-      <p:grpSpPr>
-        <a:xfrm>
-          <a:off x="0" y="0"/>
-          <a:ext cx="0" cy="0"/>
-          <a:chOff x="0" y="0"/>
-          <a:chExt cx="0" cy="0"/>
-        </a:xfrm>
-      </p:grpSpPr>
-      <p:sp>
-        <p:nvSpPr>
-          <p:cNvPr id="155" name="Google Shape;155;p21"/>
-          <p:cNvSpPr txBox="1"/>
-          <p:nvPr>
-            <p:ph type="title"/>
-          </p:nvPr>
-        </p:nvSpPr>
-        <p:spPr>
-          <a:xfrm>
-            <a:off x="311700" y="292850"/>
-            <a:ext cx="8520600" cy="801000"/>
-          </a:xfrm>
-          <a:prstGeom prst="rect">
-            <a:avLst/>
-          </a:prstGeom>
-        </p:spPr>
-        <p:txBody>
-          <a:bodyPr anchorCtr="0" anchor="t" bIns="91425" lIns="91425" spcFirstLastPara="1" rIns="91425" wrap="square" tIns="91425">
-            <a:normAutofit fontScale="90000"/>
-          </a:bodyPr>
-          <a:lstStyle/>
-          <a:p>
-            <a:pPr indent="0" lvl="0" marL="0" rtl="0" algn="l">
-              <a:spcBef>
-                <a:spcPts val="0"/>
-              </a:spcBef>
-              <a:spcAft>
-                <a:spcPts val="0"/>
-              </a:spcAft>
-              <a:buNone/>
-            </a:pPr>
-            <a:r>
-              <a:rPr lang="en"/>
-              <a:t>Résultats de stabilité sur 6 mois (</a:t>
-            </a:r>
-            <a:r>
-              <a:rPr lang="en"/>
-              <a:t>1/2</a:t>
-            </a:r>
-            <a:r>
-              <a:rPr lang="en"/>
-              <a:t>)</a:t>
-            </a:r>
-            <a:endParaRPr/>
-          </a:p>
-        </p:txBody>
-      </p:sp>
-      <p:sp>
-        <p:nvSpPr>
-          <p:cNvPr id="156" name="Google Shape;156;p21"/>
-          <p:cNvSpPr txBox="1"/>
-          <p:nvPr>
-            <p:ph idx="1" type="body"/>
-          </p:nvPr>
-        </p:nvSpPr>
-        <p:spPr>
-          <a:xfrm>
-            <a:off x="4404250" y="1566400"/>
-            <a:ext cx="3697200" cy="2442900"/>
-          </a:xfrm>
-          <a:prstGeom prst="rect">
-            <a:avLst/>
-          </a:prstGeom>
-        </p:spPr>
-        <p:txBody>
-          <a:bodyPr anchorCtr="0" anchor="t" bIns="91425" lIns="91425" spcFirstLastPara="1" rIns="91425" wrap="square" tIns="91425">
-            <a:noAutofit/>
-          </a:bodyPr>
-          <a:lstStyle/>
-          <a:p>
-            <a:pPr indent="0" lvl="0" marL="0" rtl="0" algn="l">
-              <a:spcBef>
-                <a:spcPts val="0"/>
-              </a:spcBef>
-              <a:spcAft>
-                <a:spcPts val="0"/>
-              </a:spcAft>
-              <a:buNone/>
-            </a:pPr>
-            <a:r>
-              <a:rPr lang="en" sz="1000"/>
-              <a:t>Pour s’assurer de la pertinence des mesures, la </a:t>
-            </a:r>
-            <a:r>
-              <a:rPr lang="en" sz="1000"/>
-              <a:t>stabilité</a:t>
-            </a:r>
-            <a:r>
-              <a:rPr lang="en" sz="1000"/>
-              <a:t> est </a:t>
-            </a:r>
-            <a:r>
-              <a:rPr lang="en" sz="1000"/>
-              <a:t>moyennée</a:t>
-            </a:r>
-            <a:r>
-              <a:rPr lang="en" sz="1000"/>
-              <a:t> sur 50 essais successifs en changeant la valeur seed a chaque </a:t>
-            </a:r>
-            <a:r>
-              <a:rPr lang="en" sz="1000"/>
-              <a:t>itération</a:t>
-            </a:r>
-            <a:r>
-              <a:rPr lang="en" sz="1000"/>
-              <a:t>. </a:t>
-            </a:r>
-            <a:r>
-              <a:rPr b="1" lang="en" sz="1000">
-                <a:solidFill>
-                  <a:schemeClr val="dk1"/>
-                </a:solidFill>
-              </a:rPr>
-              <a:t>Le nombre de segments a été défini à 6</a:t>
-            </a:r>
-            <a:r>
-              <a:rPr lang="en" sz="1000"/>
-              <a:t> (sur une possibilite de 3 a 8) et donne la meilleure performance selon le score Davies-Bouldin.</a:t>
-            </a:r>
-            <a:endParaRPr sz="1000"/>
-          </a:p>
-          <a:p>
-            <a:pPr indent="-292100" lvl="0" marL="457200" rtl="0" algn="l">
-              <a:spcBef>
-                <a:spcPts val="1200"/>
-              </a:spcBef>
-              <a:spcAft>
-                <a:spcPts val="0"/>
-              </a:spcAft>
-              <a:buSzPts val="1000"/>
-              <a:buAutoNum type="arabicPeriod"/>
-            </a:pPr>
-            <a:r>
-              <a:rPr lang="en" sz="1000"/>
-              <a:t>La qualite de la segmentation, mesuree par le score Davies-Bouldin, decroit legerement chronologiquement, indiquant que le nombre de segments clients ne represente plus aussi fidelement la base client au fur et à mesure du temps.</a:t>
-            </a:r>
-            <a:endParaRPr sz="1000"/>
-          </a:p>
-          <a:p>
-            <a:pPr indent="-292100" lvl="0" marL="457200" rtl="0" algn="l">
-              <a:spcBef>
-                <a:spcPts val="0"/>
-              </a:spcBef>
-              <a:spcAft>
-                <a:spcPts val="0"/>
-              </a:spcAft>
-              <a:buSzPts val="1000"/>
-              <a:buAutoNum type="arabicPeriod"/>
-            </a:pPr>
-            <a:r>
-              <a:rPr lang="en" sz="1000"/>
-              <a:t>L'évolution</a:t>
-            </a:r>
-            <a:r>
-              <a:rPr lang="en" sz="1000"/>
-              <a:t> du ARI score ne montre pas de tendance </a:t>
-            </a:r>
-            <a:r>
-              <a:rPr lang="en" sz="1000"/>
-              <a:t>définitive</a:t>
-            </a:r>
-            <a:r>
-              <a:rPr lang="en" sz="1000"/>
-              <a:t> mais a minima un </a:t>
-            </a:r>
-            <a:r>
-              <a:rPr lang="en" sz="1000"/>
-              <a:t>instabilité</a:t>
-            </a:r>
-            <a:r>
-              <a:rPr lang="en" sz="1000"/>
-              <a:t> temporelle.</a:t>
-            </a:r>
-            <a:endParaRPr sz="1000"/>
-          </a:p>
-        </p:txBody>
-      </p:sp>
-      <p:sp>
-        <p:nvSpPr>
-          <p:cNvPr id="157" name="Google Shape;157;p21"/>
-          <p:cNvSpPr txBox="1"/>
-          <p:nvPr>
-            <p:ph idx="1" type="body"/>
-          </p:nvPr>
-        </p:nvSpPr>
-        <p:spPr>
-          <a:xfrm>
-            <a:off x="401675" y="1093850"/>
-            <a:ext cx="3352800" cy="478500"/>
-          </a:xfrm>
-          <a:prstGeom prst="rect">
-            <a:avLst/>
-          </a:prstGeom>
-          <a:solidFill>
-            <a:schemeClr val="dk1"/>
-          </a:solidFill>
-        </p:spPr>
-        <p:txBody>
-          <a:bodyPr anchorCtr="0" anchor="t" bIns="91425" lIns="91425" spcFirstLastPara="1" rIns="91425" wrap="square" tIns="91425">
-            <a:normAutofit fontScale="47500" lnSpcReduction="10000"/>
-          </a:bodyPr>
-          <a:lstStyle/>
-          <a:p>
-            <a:pPr indent="0" lvl="0" marL="0" rtl="0" algn="ctr">
-              <a:lnSpc>
-                <a:spcPct val="100000"/>
-              </a:lnSpc>
-              <a:spcBef>
-                <a:spcPts val="0"/>
-              </a:spcBef>
-              <a:spcAft>
-                <a:spcPts val="0"/>
-              </a:spcAft>
-              <a:buNone/>
-            </a:pPr>
-            <a:r>
-              <a:rPr b="1" lang="en" sz="4200">
-                <a:solidFill>
-                  <a:schemeClr val="accent1"/>
-                </a:solidFill>
-                <a:latin typeface="Amatic SC"/>
-                <a:ea typeface="Amatic SC"/>
-                <a:cs typeface="Amatic SC"/>
-                <a:sym typeface="Amatic SC"/>
-              </a:rPr>
-              <a:t>Evolution des metrics par jeu de </a:t>
-            </a:r>
-            <a:r>
-              <a:rPr b="1" lang="en" sz="4200">
-                <a:solidFill>
-                  <a:schemeClr val="accent1"/>
-                </a:solidFill>
-                <a:latin typeface="Amatic SC"/>
-                <a:ea typeface="Amatic SC"/>
-                <a:cs typeface="Amatic SC"/>
-                <a:sym typeface="Amatic SC"/>
-              </a:rPr>
-              <a:t>données</a:t>
-            </a:r>
-            <a:endParaRPr b="1">
-              <a:solidFill>
-                <a:schemeClr val="accent1"/>
-              </a:solidFill>
-            </a:endParaRPr>
-          </a:p>
-        </p:txBody>
-      </p:sp>
-      <p:pic>
-        <p:nvPicPr>
-          <p:cNvPr id="158" name="Google Shape;158;p21"/>
-          <p:cNvPicPr preferRelativeResize="0"/>
-          <p:nvPr/>
-        </p:nvPicPr>
-        <p:blipFill>
-          <a:blip r:embed="rId3">
-            <a:alphaModFix/>
-          </a:blip>
-          <a:stretch>
-            <a:fillRect/>
-          </a:stretch>
-        </p:blipFill>
-        <p:spPr>
-          <a:xfrm>
-            <a:off x="496925" y="1877150"/>
-            <a:ext cx="3257550" cy="2152650"/>
-          </a:xfrm>
-          <a:prstGeom prst="rect">
-            <a:avLst/>
-          </a:prstGeom>
-          <a:noFill/>
-          <a:ln>
-            <a:noFill/>
-          </a:ln>
-        </p:spPr>
-      </p:pic>
     </p:spTree>
   </p:cSld>
   <p:clrMapOvr>
